--- a/slides/TP557_2_Desafios_do_TinyML.pptx
+++ b/slides/TP557_2_Desafios_do_TinyML.pptx
@@ -23,13 +23,13 @@
     <p:sldId id="418" r:id="rId11"/>
     <p:sldId id="414" r:id="rId12"/>
     <p:sldId id="419" r:id="rId13"/>
-    <p:sldId id="420" r:id="rId14"/>
-    <p:sldId id="421" r:id="rId15"/>
-    <p:sldId id="408" r:id="rId16"/>
-    <p:sldId id="405" r:id="rId17"/>
-    <p:sldId id="293" r:id="rId18"/>
-    <p:sldId id="306" r:id="rId19"/>
-    <p:sldId id="416" r:id="rId20"/>
+    <p:sldId id="421" r:id="rId14"/>
+    <p:sldId id="408" r:id="rId15"/>
+    <p:sldId id="405" r:id="rId16"/>
+    <p:sldId id="293" r:id="rId17"/>
+    <p:sldId id="306" r:id="rId18"/>
+    <p:sldId id="416" r:id="rId19"/>
+    <p:sldId id="422" r:id="rId20"/>
   </p:sldIdLst>
   <p:sldSz cx="12192000" cy="6858000"/>
   <p:notesSz cx="7315200" cy="9601200"/>
@@ -809,6 +809,90 @@
 </p:notes>
 </file>
 
+<file path=ppt/notesSlides/notesSlide10.xml><?xml version="1.0" encoding="utf-8"?>
+<p:notes xmlns:a="http://schemas.openxmlformats.org/drawingml/2006/main" xmlns:r="http://schemas.openxmlformats.org/officeDocument/2006/relationships" xmlns:p="http://schemas.openxmlformats.org/presentationml/2006/main">
+  <p:cSld>
+    <p:spTree>
+      <p:nvGrpSpPr>
+        <p:cNvPr id="1" name=""/>
+        <p:cNvGrpSpPr/>
+        <p:nvPr/>
+      </p:nvGrpSpPr>
+      <p:grpSpPr>
+        <a:xfrm>
+          <a:off x="0" y="0"/>
+          <a:ext cx="0" cy="0"/>
+          <a:chOff x="0" y="0"/>
+          <a:chExt cx="0" cy="0"/>
+        </a:xfrm>
+      </p:grpSpPr>
+      <p:sp>
+        <p:nvSpPr>
+          <p:cNvPr id="2" name="Espaço Reservado para Imagem de Slide 1"/>
+          <p:cNvSpPr>
+            <a:spLocks noGrp="1" noRot="1" noChangeAspect="1"/>
+          </p:cNvSpPr>
+          <p:nvPr>
+            <p:ph type="sldImg"/>
+          </p:nvPr>
+        </p:nvSpPr>
+        <p:spPr/>
+      </p:sp>
+      <p:sp>
+        <p:nvSpPr>
+          <p:cNvPr id="3" name="Espaço Reservado para Anotações 2"/>
+          <p:cNvSpPr>
+            <a:spLocks noGrp="1"/>
+          </p:cNvSpPr>
+          <p:nvPr>
+            <p:ph type="body" idx="1"/>
+          </p:nvPr>
+        </p:nvSpPr>
+        <p:spPr/>
+        <p:txBody>
+          <a:bodyPr/>
+          <a:lstStyle/>
+          <a:p>
+            <a:endParaRPr lang="pt-BR" dirty="0"/>
+          </a:p>
+        </p:txBody>
+      </p:sp>
+      <p:sp>
+        <p:nvSpPr>
+          <p:cNvPr id="4" name="Espaço Reservado para Número de Slide 3"/>
+          <p:cNvSpPr>
+            <a:spLocks noGrp="1"/>
+          </p:cNvSpPr>
+          <p:nvPr>
+            <p:ph type="sldNum" sz="quarter" idx="10"/>
+          </p:nvPr>
+        </p:nvSpPr>
+        <p:spPr/>
+        <p:txBody>
+          <a:bodyPr/>
+          <a:lstStyle/>
+          <a:p>
+            <a:fld id="{6FC8D850-966F-45A6-8DE7-15B891E7D40D}" type="slidenum">
+              <a:rPr lang="pt-BR" smtClean="0"/>
+              <a:t>19</a:t>
+            </a:fld>
+            <a:endParaRPr lang="pt-BR"/>
+          </a:p>
+        </p:txBody>
+      </p:sp>
+    </p:spTree>
+    <p:extLst>
+      <p:ext uri="{BB962C8B-B14F-4D97-AF65-F5344CB8AC3E}">
+        <p14:creationId xmlns:p14="http://schemas.microsoft.com/office/powerpoint/2010/main" val="1208051291"/>
+      </p:ext>
+    </p:extLst>
+  </p:cSld>
+  <p:clrMapOvr>
+    <a:masterClrMapping/>
+  </p:clrMapOvr>
+</p:notes>
+</file>
+
 <file path=ppt/notesSlides/notesSlide2.xml><?xml version="1.0" encoding="utf-8"?>
 <p:notes xmlns:a="http://schemas.openxmlformats.org/drawingml/2006/main" xmlns:r="http://schemas.openxmlformats.org/officeDocument/2006/relationships" xmlns:p="http://schemas.openxmlformats.org/presentationml/2006/main">
   <p:cSld>
@@ -1738,57 +1822,194 @@
           <a:bodyPr/>
           <a:lstStyle/>
           <a:p>
-            <a:r>
-              <a:rPr lang="pt-BR" b="0" i="0" dirty="0">
-                <a:solidFill>
-                  <a:srgbClr val="E8EAED"/>
-                </a:solidFill>
+            <a:pPr marL="0" marR="0" lvl="0" indent="0" algn="l" defTabSz="914400" rtl="0" eaLnBrk="1" fontAlgn="auto" latinLnBrk="0" hangingPunct="1">
+              <a:lnSpc>
+                <a:spcPct val="100000"/>
+              </a:lnSpc>
+              <a:spcBef>
+                <a:spcPts val="0"/>
+              </a:spcBef>
+              <a:spcAft>
+                <a:spcPts val="0"/>
+              </a:spcAft>
+              <a:buClrTx/>
+              <a:buSzTx/>
+              <a:buFontTx/>
+              <a:buNone/>
+              <a:tabLst/>
+              <a:defRPr/>
+            </a:pPr>
+            <a:r>
+              <a:rPr lang="pt-BR" dirty="0" smtClean="0">
                 <a:effectLst/>
-                <a:latin typeface="Google Sans"/>
               </a:rPr>
-              <a:t>Um bilhão é equivalente a mil milhões (10</a:t>
-            </a:r>
-            <a:r>
-              <a:rPr lang="pt-BR" b="0" i="0" baseline="30000" dirty="0">
-                <a:solidFill>
-                  <a:srgbClr val="E8EAED"/>
-                </a:solidFill>
+              <a:t>Os processadores da família ARM </a:t>
+            </a:r>
+            <a:r>
+              <a:rPr lang="pt-BR" dirty="0" err="1" smtClean="0">
                 <a:effectLst/>
-                <a:latin typeface="Google Sans"/>
               </a:rPr>
-              <a:t>9</a:t>
-            </a:r>
-            <a:r>
-              <a:rPr lang="pt-BR" b="0" i="0" dirty="0">
-                <a:solidFill>
-                  <a:srgbClr val="E8EAED"/>
-                </a:solidFill>
+              <a:t>Cortex</a:t>
+            </a:r>
+            <a:r>
+              <a:rPr lang="pt-BR" dirty="0" smtClean="0">
                 <a:effectLst/>
-                <a:latin typeface="Google Sans"/>
               </a:rPr>
-              <a:t>), um trilhão é equivalente a mil biliões (10</a:t>
-            </a:r>
-            <a:r>
-              <a:rPr lang="pt-BR" b="0" i="0" baseline="30000" dirty="0">
-                <a:solidFill>
-                  <a:srgbClr val="E8EAED"/>
-                </a:solidFill>
+              <a:t> utilizados em smartphones e </a:t>
+            </a:r>
+            <a:r>
+              <a:rPr lang="pt-BR" dirty="0" err="1" smtClean="0">
                 <a:effectLst/>
-                <a:latin typeface="Google Sans"/>
               </a:rPr>
-              <a:t>12</a:t>
-            </a:r>
-            <a:r>
-              <a:rPr lang="pt-BR" b="0" i="0" dirty="0">
-                <a:solidFill>
-                  <a:srgbClr val="E8EAED"/>
-                </a:solidFill>
+              <a:t>tablets</a:t>
+            </a:r>
+            <a:r>
+              <a:rPr lang="pt-BR" dirty="0" smtClean="0">
                 <a:effectLst/>
-                <a:latin typeface="Google Sans"/>
               </a:rPr>
-              <a:t>)</a:t>
-            </a:r>
-            <a:endParaRPr lang="pt-BR" dirty="0"/>
+              <a:t> até sistemas embarcados e dispositivos </a:t>
+            </a:r>
+            <a:r>
+              <a:rPr lang="pt-BR" dirty="0" err="1" smtClean="0">
+                <a:effectLst/>
+              </a:rPr>
+              <a:t>IoT</a:t>
+            </a:r>
+            <a:r>
+              <a:rPr lang="pt-BR" dirty="0" smtClean="0">
+                <a:effectLst/>
+              </a:rPr>
+              <a:t>.</a:t>
+            </a:r>
+            <a:br>
+              <a:rPr lang="pt-BR" dirty="0" smtClean="0">
+                <a:effectLst/>
+              </a:rPr>
+            </a:br>
+            <a:r>
+              <a:rPr lang="pt-BR" dirty="0" smtClean="0">
+                <a:effectLst/>
+              </a:rPr>
+              <a:t/>
+            </a:r>
+            <a:br>
+              <a:rPr lang="pt-BR" dirty="0" smtClean="0">
+                <a:effectLst/>
+              </a:rPr>
+            </a:br>
+            <a:r>
+              <a:rPr lang="pt-BR" dirty="0" err="1" smtClean="0">
+                <a:effectLst/>
+              </a:rPr>
+              <a:t>Cortex-A</a:t>
+            </a:r>
+            <a:r>
+              <a:rPr lang="pt-BR" dirty="0" smtClean="0">
+                <a:effectLst/>
+              </a:rPr>
+              <a:t>: série projetada para fornecer alto desempenho e é comumente encontrada em smartphones, </a:t>
+            </a:r>
+            <a:r>
+              <a:rPr lang="pt-BR" dirty="0" err="1" smtClean="0">
+                <a:effectLst/>
+              </a:rPr>
+              <a:t>tablets</a:t>
+            </a:r>
+            <a:r>
+              <a:rPr lang="pt-BR" dirty="0" smtClean="0">
+                <a:effectLst/>
+              </a:rPr>
+              <a:t> e dispositivos de computação móvel. Possuem uma arquitetura mais avançada e são capazes de executar sistemas operacionais completos, como </a:t>
+            </a:r>
+            <a:r>
+              <a:rPr lang="pt-BR" dirty="0" err="1" smtClean="0">
+                <a:effectLst/>
+              </a:rPr>
+              <a:t>Android</a:t>
+            </a:r>
+            <a:r>
+              <a:rPr lang="pt-BR" dirty="0" smtClean="0">
+                <a:effectLst/>
+              </a:rPr>
+              <a:t> e Linux. Eles também suportam tecnologias como múltiplos núcleos e virtualização.</a:t>
+            </a:r>
+            <a:br>
+              <a:rPr lang="pt-BR" dirty="0" smtClean="0">
+                <a:effectLst/>
+              </a:rPr>
+            </a:br>
+            <a:r>
+              <a:rPr lang="pt-BR" dirty="0" smtClean="0">
+                <a:effectLst/>
+              </a:rPr>
+              <a:t/>
+            </a:r>
+            <a:br>
+              <a:rPr lang="pt-BR" dirty="0" smtClean="0">
+                <a:effectLst/>
+              </a:rPr>
+            </a:br>
+            <a:r>
+              <a:rPr lang="pt-BR" dirty="0" err="1" smtClean="0">
+                <a:effectLst/>
+              </a:rPr>
+              <a:t>Cortex</a:t>
+            </a:r>
+            <a:r>
+              <a:rPr lang="pt-BR" dirty="0" smtClean="0">
+                <a:effectLst/>
+              </a:rPr>
+              <a:t>-R: série voltada para aplicações em tempo real, onde a previsibilidade e a confiabilidade são essenciais. São comumente usados em sistemas embarcados, como controladores de disco rígido, controladores de motor, sistemas de controle automotivo e outros sistemas críticos. São projetados para garantir uma execução confiável de tarefas em tempo real e possuem recursos de redundância e recuperação de falhas.</a:t>
+            </a:r>
+            <a:br>
+              <a:rPr lang="pt-BR" dirty="0" smtClean="0">
+                <a:effectLst/>
+              </a:rPr>
+            </a:br>
+            <a:r>
+              <a:rPr lang="pt-BR" dirty="0" smtClean="0">
+                <a:effectLst/>
+              </a:rPr>
+              <a:t/>
+            </a:r>
+            <a:br>
+              <a:rPr lang="pt-BR" dirty="0" smtClean="0">
+                <a:effectLst/>
+              </a:rPr>
+            </a:br>
+            <a:r>
+              <a:rPr lang="pt-BR" dirty="0" err="1" smtClean="0">
+                <a:effectLst/>
+              </a:rPr>
+              <a:t>Cortex</a:t>
+            </a:r>
+            <a:r>
+              <a:rPr lang="pt-BR" dirty="0" smtClean="0">
+                <a:effectLst/>
+              </a:rPr>
+              <a:t>-M: série destinada a sistemas de baixa potência e baixo custo, onde a eficiência energética e a área reduzida são importantes. São amplamente utilizados em dispositivos </a:t>
+            </a:r>
+            <a:r>
+              <a:rPr lang="pt-BR" dirty="0" err="1" smtClean="0">
+                <a:effectLst/>
+              </a:rPr>
+              <a:t>IoT</a:t>
+            </a:r>
+            <a:r>
+              <a:rPr lang="pt-BR" dirty="0" smtClean="0">
+                <a:effectLst/>
+              </a:rPr>
+              <a:t>, sensores, dispositivos médicos, microcontroladores e outras aplicações de baixa potência. São projetados para serem altamente eficientes, com recursos de economia de energia e um conjunto básico de instruções para suportar tarefas comuns em sistemas </a:t>
+            </a:r>
+            <a:r>
+              <a:rPr lang="pt-BR" smtClean="0">
+                <a:effectLst/>
+              </a:rPr>
+              <a:t>embarcados.</a:t>
+            </a:r>
+            <a:endParaRPr lang="pt-BR" dirty="0" smtClean="0">
+              <a:effectLst/>
+            </a:endParaRPr>
           </a:p>
         </p:txBody>
       </p:sp>
@@ -1799,7 +2020,7 @@
             <a:spLocks noGrp="1"/>
           </p:cNvSpPr>
           <p:nvPr>
-            <p:ph type="sldNum" sz="quarter" idx="5"/>
+            <p:ph type="sldNum" sz="quarter" idx="10"/>
           </p:nvPr>
         </p:nvSpPr>
         <p:spPr/>
@@ -1809,7 +2030,7 @@
           <a:p>
             <a:fld id="{6FC8D850-966F-45A6-8DE7-15B891E7D40D}" type="slidenum">
               <a:rPr lang="pt-BR" smtClean="0"/>
-              <a:t>15</a:t>
+              <a:t>13</a:t>
             </a:fld>
             <a:endParaRPr lang="pt-BR"/>
           </a:p>
@@ -1818,7 +2039,7 @@
     </p:spTree>
     <p:extLst>
       <p:ext uri="{BB962C8B-B14F-4D97-AF65-F5344CB8AC3E}">
-        <p14:creationId xmlns:p14="http://schemas.microsoft.com/office/powerpoint/2010/main" val="1430310664"/>
+        <p14:creationId xmlns:p14="http://schemas.microsoft.com/office/powerpoint/2010/main" val="378137838"/>
       </p:ext>
     </p:extLst>
   </p:cSld>
@@ -1875,32 +2096,52 @@
             <a:r>
               <a:rPr lang="pt-BR" b="0" i="0" dirty="0">
                 <a:solidFill>
-                  <a:srgbClr val="374151"/>
+                  <a:srgbClr val="E8EAED"/>
                 </a:solidFill>
                 <a:effectLst/>
-                <a:latin typeface="Söhne"/>
+                <a:latin typeface="Google Sans"/>
               </a:rPr>
-              <a:t>O Z80 é um microprocessador de 8 bits desenvolvido pela </a:t>
-            </a:r>
-            <a:r>
-              <a:rPr lang="pt-BR" b="0" i="0" dirty="0" err="1">
+              <a:t>Um bilhão é equivalente a mil milhões (10</a:t>
+            </a:r>
+            <a:r>
+              <a:rPr lang="pt-BR" b="0" i="0" baseline="30000" dirty="0">
                 <a:solidFill>
-                  <a:srgbClr val="374151"/>
+                  <a:srgbClr val="E8EAED"/>
                 </a:solidFill>
                 <a:effectLst/>
-                <a:latin typeface="Söhne"/>
+                <a:latin typeface="Google Sans"/>
               </a:rPr>
-              <a:t>Zilog</a:t>
+              <a:t>9</a:t>
             </a:r>
             <a:r>
               <a:rPr lang="pt-BR" b="0" i="0" dirty="0">
                 <a:solidFill>
-                  <a:srgbClr val="374151"/>
+                  <a:srgbClr val="E8EAED"/>
                 </a:solidFill>
                 <a:effectLst/>
-                <a:latin typeface="Söhne"/>
+                <a:latin typeface="Google Sans"/>
               </a:rPr>
-              <a:t>, lançado pela primeira vez em 1976. Ele foi amplamente utilizado em computadores pessoais, videogames, controladores industriais e outros sistemas embarcados durante a década de 1980. O Z80 foi uma evolução do processador Intel 8080 e se tornou um dos microprocessadores mais populares da época.</a:t>
+              <a:t>), um trilhão é equivalente a mil biliões (10</a:t>
+            </a:r>
+            <a:r>
+              <a:rPr lang="pt-BR" b="0" i="0" baseline="30000" dirty="0">
+                <a:solidFill>
+                  <a:srgbClr val="E8EAED"/>
+                </a:solidFill>
+                <a:effectLst/>
+                <a:latin typeface="Google Sans"/>
+              </a:rPr>
+              <a:t>12</a:t>
+            </a:r>
+            <a:r>
+              <a:rPr lang="pt-BR" b="0" i="0" dirty="0">
+                <a:solidFill>
+                  <a:srgbClr val="E8EAED"/>
+                </a:solidFill>
+                <a:effectLst/>
+                <a:latin typeface="Google Sans"/>
+              </a:rPr>
+              <a:t>)</a:t>
             </a:r>
             <a:endParaRPr lang="pt-BR" dirty="0"/>
           </a:p>
@@ -1923,7 +2164,121 @@
           <a:p>
             <a:fld id="{6FC8D850-966F-45A6-8DE7-15B891E7D40D}" type="slidenum">
               <a:rPr lang="pt-BR" smtClean="0"/>
-              <a:t>19</a:t>
+              <a:t>14</a:t>
+            </a:fld>
+            <a:endParaRPr lang="pt-BR"/>
+          </a:p>
+        </p:txBody>
+      </p:sp>
+    </p:spTree>
+    <p:extLst>
+      <p:ext uri="{BB962C8B-B14F-4D97-AF65-F5344CB8AC3E}">
+        <p14:creationId xmlns:p14="http://schemas.microsoft.com/office/powerpoint/2010/main" val="1430310664"/>
+      </p:ext>
+    </p:extLst>
+  </p:cSld>
+  <p:clrMapOvr>
+    <a:masterClrMapping/>
+  </p:clrMapOvr>
+</p:notes>
+</file>
+
+<file path=ppt/notesSlides/notesSlide9.xml><?xml version="1.0" encoding="utf-8"?>
+<p:notes xmlns:a="http://schemas.openxmlformats.org/drawingml/2006/main" xmlns:r="http://schemas.openxmlformats.org/officeDocument/2006/relationships" xmlns:p="http://schemas.openxmlformats.org/presentationml/2006/main">
+  <p:cSld>
+    <p:spTree>
+      <p:nvGrpSpPr>
+        <p:cNvPr id="1" name=""/>
+        <p:cNvGrpSpPr/>
+        <p:nvPr/>
+      </p:nvGrpSpPr>
+      <p:grpSpPr>
+        <a:xfrm>
+          <a:off x="0" y="0"/>
+          <a:ext cx="0" cy="0"/>
+          <a:chOff x="0" y="0"/>
+          <a:chExt cx="0" cy="0"/>
+        </a:xfrm>
+      </p:grpSpPr>
+      <p:sp>
+        <p:nvSpPr>
+          <p:cNvPr id="2" name="Espaço Reservado para Imagem de Slide 1"/>
+          <p:cNvSpPr>
+            <a:spLocks noGrp="1" noRot="1" noChangeAspect="1"/>
+          </p:cNvSpPr>
+          <p:nvPr>
+            <p:ph type="sldImg"/>
+          </p:nvPr>
+        </p:nvSpPr>
+        <p:spPr/>
+      </p:sp>
+      <p:sp>
+        <p:nvSpPr>
+          <p:cNvPr id="3" name="Espaço Reservado para Anotações 2"/>
+          <p:cNvSpPr>
+            <a:spLocks noGrp="1"/>
+          </p:cNvSpPr>
+          <p:nvPr>
+            <p:ph type="body" idx="1"/>
+          </p:nvPr>
+        </p:nvSpPr>
+        <p:spPr/>
+        <p:txBody>
+          <a:bodyPr/>
+          <a:lstStyle/>
+          <a:p>
+            <a:r>
+              <a:rPr lang="pt-BR" b="0" i="0" dirty="0">
+                <a:solidFill>
+                  <a:srgbClr val="374151"/>
+                </a:solidFill>
+                <a:effectLst/>
+                <a:latin typeface="Söhne"/>
+              </a:rPr>
+              <a:t>O Z80 é um microprocessador de 8 bits desenvolvido pela </a:t>
+            </a:r>
+            <a:r>
+              <a:rPr lang="pt-BR" b="0" i="0" dirty="0" err="1">
+                <a:solidFill>
+                  <a:srgbClr val="374151"/>
+                </a:solidFill>
+                <a:effectLst/>
+                <a:latin typeface="Söhne"/>
+              </a:rPr>
+              <a:t>Zilog</a:t>
+            </a:r>
+            <a:r>
+              <a:rPr lang="pt-BR" b="0" i="0" dirty="0">
+                <a:solidFill>
+                  <a:srgbClr val="374151"/>
+                </a:solidFill>
+                <a:effectLst/>
+                <a:latin typeface="Söhne"/>
+              </a:rPr>
+              <a:t>, lançado pela primeira vez em 1976. Ele foi amplamente utilizado em computadores pessoais, videogames, controladores industriais e outros sistemas embarcados durante a década de 1980. O Z80 foi uma evolução do processador Intel 8080 e se tornou um dos microprocessadores mais populares da época.</a:t>
+            </a:r>
+            <a:endParaRPr lang="pt-BR" dirty="0"/>
+          </a:p>
+        </p:txBody>
+      </p:sp>
+      <p:sp>
+        <p:nvSpPr>
+          <p:cNvPr id="4" name="Espaço Reservado para Número de Slide 3"/>
+          <p:cNvSpPr>
+            <a:spLocks noGrp="1"/>
+          </p:cNvSpPr>
+          <p:nvPr>
+            <p:ph type="sldNum" sz="quarter" idx="5"/>
+          </p:nvPr>
+        </p:nvSpPr>
+        <p:spPr/>
+        <p:txBody>
+          <a:bodyPr/>
+          <a:lstStyle/>
+          <a:p>
+            <a:fld id="{6FC8D850-966F-45A6-8DE7-15B891E7D40D}" type="slidenum">
+              <a:rPr lang="pt-BR" smtClean="0"/>
+              <a:t>18</a:t>
             </a:fld>
             <a:endParaRPr lang="pt-BR"/>
           </a:p>
@@ -1964,7 +2319,7 @@
           <p:cNvPr id="2" name="Título 1">
             <a:extLst>
               <a:ext uri="{FF2B5EF4-FFF2-40B4-BE49-F238E27FC236}">
-                <a16:creationId xmlns:a16="http://schemas.microsoft.com/office/drawing/2014/main" xmlns="" id="{1DB9B4FF-B06E-403C-A326-BDC64D8FF94E}"/>
+                <a16:creationId xmlns="" xmlns:a16="http://schemas.microsoft.com/office/drawing/2014/main" id="{1DB9B4FF-B06E-403C-A326-BDC64D8FF94E}"/>
               </a:ext>
             </a:extLst>
           </p:cNvPr>
@@ -2001,7 +2356,7 @@
           <p:cNvPr id="3" name="Subtítulo 2">
             <a:extLst>
               <a:ext uri="{FF2B5EF4-FFF2-40B4-BE49-F238E27FC236}">
-                <a16:creationId xmlns:a16="http://schemas.microsoft.com/office/drawing/2014/main" xmlns="" id="{247BDFCE-746E-45BF-A319-4733D58D1632}"/>
+                <a16:creationId xmlns="" xmlns:a16="http://schemas.microsoft.com/office/drawing/2014/main" id="{247BDFCE-746E-45BF-A319-4733D58D1632}"/>
               </a:ext>
             </a:extLst>
           </p:cNvPr>
@@ -2071,7 +2426,7 @@
           <p:cNvPr id="4" name="Espaço Reservado para Data 3">
             <a:extLst>
               <a:ext uri="{FF2B5EF4-FFF2-40B4-BE49-F238E27FC236}">
-                <a16:creationId xmlns:a16="http://schemas.microsoft.com/office/drawing/2014/main" xmlns="" id="{9EDE2778-5372-4104-B96D-968184DA8288}"/>
+                <a16:creationId xmlns="" xmlns:a16="http://schemas.microsoft.com/office/drawing/2014/main" id="{9EDE2778-5372-4104-B96D-968184DA8288}"/>
               </a:ext>
             </a:extLst>
           </p:cNvPr>
@@ -2100,7 +2455,7 @@
           <p:cNvPr id="5" name="Espaço Reservado para Rodapé 4">
             <a:extLst>
               <a:ext uri="{FF2B5EF4-FFF2-40B4-BE49-F238E27FC236}">
-                <a16:creationId xmlns:a16="http://schemas.microsoft.com/office/drawing/2014/main" xmlns="" id="{C1DD0F41-C861-4051-988D-3024A37A4B93}"/>
+                <a16:creationId xmlns="" xmlns:a16="http://schemas.microsoft.com/office/drawing/2014/main" id="{C1DD0F41-C861-4051-988D-3024A37A4B93}"/>
               </a:ext>
             </a:extLst>
           </p:cNvPr>
@@ -2125,7 +2480,7 @@
           <p:cNvPr id="6" name="Espaço Reservado para Número de Slide 5">
             <a:extLst>
               <a:ext uri="{FF2B5EF4-FFF2-40B4-BE49-F238E27FC236}">
-                <a16:creationId xmlns:a16="http://schemas.microsoft.com/office/drawing/2014/main" xmlns="" id="{07E5967E-D980-431A-A5DB-3F0C5030A81E}"/>
+                <a16:creationId xmlns="" xmlns:a16="http://schemas.microsoft.com/office/drawing/2014/main" id="{07E5967E-D980-431A-A5DB-3F0C5030A81E}"/>
               </a:ext>
             </a:extLst>
           </p:cNvPr>
@@ -2184,7 +2539,7 @@
           <p:cNvPr id="2" name="Título 1">
             <a:extLst>
               <a:ext uri="{FF2B5EF4-FFF2-40B4-BE49-F238E27FC236}">
-                <a16:creationId xmlns:a16="http://schemas.microsoft.com/office/drawing/2014/main" xmlns="" id="{9036C49F-3E68-4175-81BA-3C3FEE44308A}"/>
+                <a16:creationId xmlns="" xmlns:a16="http://schemas.microsoft.com/office/drawing/2014/main" id="{9036C49F-3E68-4175-81BA-3C3FEE44308A}"/>
               </a:ext>
             </a:extLst>
           </p:cNvPr>
@@ -2212,7 +2567,7 @@
           <p:cNvPr id="3" name="Espaço Reservado para Texto Vertical 2">
             <a:extLst>
               <a:ext uri="{FF2B5EF4-FFF2-40B4-BE49-F238E27FC236}">
-                <a16:creationId xmlns:a16="http://schemas.microsoft.com/office/drawing/2014/main" xmlns="" id="{426FA736-3DD3-4D4E-B57B-BBE1D8F7D424}"/>
+                <a16:creationId xmlns="" xmlns:a16="http://schemas.microsoft.com/office/drawing/2014/main" id="{426FA736-3DD3-4D4E-B57B-BBE1D8F7D424}"/>
               </a:ext>
             </a:extLst>
           </p:cNvPr>
@@ -2269,7 +2624,7 @@
           <p:cNvPr id="4" name="Espaço Reservado para Data 3">
             <a:extLst>
               <a:ext uri="{FF2B5EF4-FFF2-40B4-BE49-F238E27FC236}">
-                <a16:creationId xmlns:a16="http://schemas.microsoft.com/office/drawing/2014/main" xmlns="" id="{99E8855C-D8FD-48F6-B14E-861E0DE4D915}"/>
+                <a16:creationId xmlns="" xmlns:a16="http://schemas.microsoft.com/office/drawing/2014/main" id="{99E8855C-D8FD-48F6-B14E-861E0DE4D915}"/>
               </a:ext>
             </a:extLst>
           </p:cNvPr>
@@ -2298,7 +2653,7 @@
           <p:cNvPr id="5" name="Espaço Reservado para Rodapé 4">
             <a:extLst>
               <a:ext uri="{FF2B5EF4-FFF2-40B4-BE49-F238E27FC236}">
-                <a16:creationId xmlns:a16="http://schemas.microsoft.com/office/drawing/2014/main" xmlns="" id="{97C0BB88-2F21-42A5-ACFF-83DA47F2D340}"/>
+                <a16:creationId xmlns="" xmlns:a16="http://schemas.microsoft.com/office/drawing/2014/main" id="{97C0BB88-2F21-42A5-ACFF-83DA47F2D340}"/>
               </a:ext>
             </a:extLst>
           </p:cNvPr>
@@ -2323,7 +2678,7 @@
           <p:cNvPr id="6" name="Espaço Reservado para Número de Slide 5">
             <a:extLst>
               <a:ext uri="{FF2B5EF4-FFF2-40B4-BE49-F238E27FC236}">
-                <a16:creationId xmlns:a16="http://schemas.microsoft.com/office/drawing/2014/main" xmlns="" id="{6CB462B3-1F22-4C05-B4B8-7A279FB7D5E9}"/>
+                <a16:creationId xmlns="" xmlns:a16="http://schemas.microsoft.com/office/drawing/2014/main" id="{6CB462B3-1F22-4C05-B4B8-7A279FB7D5E9}"/>
               </a:ext>
             </a:extLst>
           </p:cNvPr>
@@ -2382,7 +2737,7 @@
           <p:cNvPr id="2" name="Título Vertical 1">
             <a:extLst>
               <a:ext uri="{FF2B5EF4-FFF2-40B4-BE49-F238E27FC236}">
-                <a16:creationId xmlns:a16="http://schemas.microsoft.com/office/drawing/2014/main" xmlns="" id="{EAEAB728-701C-4207-A9D5-23FF45C60502}"/>
+                <a16:creationId xmlns="" xmlns:a16="http://schemas.microsoft.com/office/drawing/2014/main" id="{EAEAB728-701C-4207-A9D5-23FF45C60502}"/>
               </a:ext>
             </a:extLst>
           </p:cNvPr>
@@ -2415,7 +2770,7 @@
           <p:cNvPr id="3" name="Espaço Reservado para Texto Vertical 2">
             <a:extLst>
               <a:ext uri="{FF2B5EF4-FFF2-40B4-BE49-F238E27FC236}">
-                <a16:creationId xmlns:a16="http://schemas.microsoft.com/office/drawing/2014/main" xmlns="" id="{BA8C8CCF-7823-480A-9A19-0F664DD17E3B}"/>
+                <a16:creationId xmlns="" xmlns:a16="http://schemas.microsoft.com/office/drawing/2014/main" id="{BA8C8CCF-7823-480A-9A19-0F664DD17E3B}"/>
               </a:ext>
             </a:extLst>
           </p:cNvPr>
@@ -2477,7 +2832,7 @@
           <p:cNvPr id="4" name="Espaço Reservado para Data 3">
             <a:extLst>
               <a:ext uri="{FF2B5EF4-FFF2-40B4-BE49-F238E27FC236}">
-                <a16:creationId xmlns:a16="http://schemas.microsoft.com/office/drawing/2014/main" xmlns="" id="{721D5734-7B1F-425D-942F-6EB73344027C}"/>
+                <a16:creationId xmlns="" xmlns:a16="http://schemas.microsoft.com/office/drawing/2014/main" id="{721D5734-7B1F-425D-942F-6EB73344027C}"/>
               </a:ext>
             </a:extLst>
           </p:cNvPr>
@@ -2506,7 +2861,7 @@
           <p:cNvPr id="5" name="Espaço Reservado para Rodapé 4">
             <a:extLst>
               <a:ext uri="{FF2B5EF4-FFF2-40B4-BE49-F238E27FC236}">
-                <a16:creationId xmlns:a16="http://schemas.microsoft.com/office/drawing/2014/main" xmlns="" id="{1E1AAEAC-F08D-45FE-89EC-B1B349A868C9}"/>
+                <a16:creationId xmlns="" xmlns:a16="http://schemas.microsoft.com/office/drawing/2014/main" id="{1E1AAEAC-F08D-45FE-89EC-B1B349A868C9}"/>
               </a:ext>
             </a:extLst>
           </p:cNvPr>
@@ -2531,7 +2886,7 @@
           <p:cNvPr id="6" name="Espaço Reservado para Número de Slide 5">
             <a:extLst>
               <a:ext uri="{FF2B5EF4-FFF2-40B4-BE49-F238E27FC236}">
-                <a16:creationId xmlns:a16="http://schemas.microsoft.com/office/drawing/2014/main" xmlns="" id="{BAA44493-9911-47B2-87A6-C2141A972BC8}"/>
+                <a16:creationId xmlns="" xmlns:a16="http://schemas.microsoft.com/office/drawing/2014/main" id="{BAA44493-9911-47B2-87A6-C2141A972BC8}"/>
               </a:ext>
             </a:extLst>
           </p:cNvPr>
@@ -2590,7 +2945,7 @@
           <p:cNvPr id="2" name="Título 1">
             <a:extLst>
               <a:ext uri="{FF2B5EF4-FFF2-40B4-BE49-F238E27FC236}">
-                <a16:creationId xmlns:a16="http://schemas.microsoft.com/office/drawing/2014/main" xmlns="" id="{71BD44A5-8F21-4626-A01D-48A1C874B1D5}"/>
+                <a16:creationId xmlns="" xmlns:a16="http://schemas.microsoft.com/office/drawing/2014/main" id="{71BD44A5-8F21-4626-A01D-48A1C874B1D5}"/>
               </a:ext>
             </a:extLst>
           </p:cNvPr>
@@ -2618,7 +2973,7 @@
           <p:cNvPr id="3" name="Espaço Reservado para Conteúdo 2">
             <a:extLst>
               <a:ext uri="{FF2B5EF4-FFF2-40B4-BE49-F238E27FC236}">
-                <a16:creationId xmlns:a16="http://schemas.microsoft.com/office/drawing/2014/main" xmlns="" id="{B79E8085-65A9-48AA-951D-71D978BFF4ED}"/>
+                <a16:creationId xmlns="" xmlns:a16="http://schemas.microsoft.com/office/drawing/2014/main" id="{B79E8085-65A9-48AA-951D-71D978BFF4ED}"/>
               </a:ext>
             </a:extLst>
           </p:cNvPr>
@@ -2675,7 +3030,7 @@
           <p:cNvPr id="4" name="Espaço Reservado para Data 3">
             <a:extLst>
               <a:ext uri="{FF2B5EF4-FFF2-40B4-BE49-F238E27FC236}">
-                <a16:creationId xmlns:a16="http://schemas.microsoft.com/office/drawing/2014/main" xmlns="" id="{F05BE1AF-51EA-425D-B188-DE7BD675009F}"/>
+                <a16:creationId xmlns="" xmlns:a16="http://schemas.microsoft.com/office/drawing/2014/main" id="{F05BE1AF-51EA-425D-B188-DE7BD675009F}"/>
               </a:ext>
             </a:extLst>
           </p:cNvPr>
@@ -2704,7 +3059,7 @@
           <p:cNvPr id="5" name="Espaço Reservado para Rodapé 4">
             <a:extLst>
               <a:ext uri="{FF2B5EF4-FFF2-40B4-BE49-F238E27FC236}">
-                <a16:creationId xmlns:a16="http://schemas.microsoft.com/office/drawing/2014/main" xmlns="" id="{121BE632-29CF-4CB9-B365-C9EF38F89BE6}"/>
+                <a16:creationId xmlns="" xmlns:a16="http://schemas.microsoft.com/office/drawing/2014/main" id="{121BE632-29CF-4CB9-B365-C9EF38F89BE6}"/>
               </a:ext>
             </a:extLst>
           </p:cNvPr>
@@ -2729,7 +3084,7 @@
           <p:cNvPr id="6" name="Espaço Reservado para Número de Slide 5">
             <a:extLst>
               <a:ext uri="{FF2B5EF4-FFF2-40B4-BE49-F238E27FC236}">
-                <a16:creationId xmlns:a16="http://schemas.microsoft.com/office/drawing/2014/main" xmlns="" id="{60CF3DD1-9AEC-4A57-B461-4E4DD86FAC18}"/>
+                <a16:creationId xmlns="" xmlns:a16="http://schemas.microsoft.com/office/drawing/2014/main" id="{60CF3DD1-9AEC-4A57-B461-4E4DD86FAC18}"/>
               </a:ext>
             </a:extLst>
           </p:cNvPr>
@@ -2788,7 +3143,7 @@
           <p:cNvPr id="2" name="Título 1">
             <a:extLst>
               <a:ext uri="{FF2B5EF4-FFF2-40B4-BE49-F238E27FC236}">
-                <a16:creationId xmlns:a16="http://schemas.microsoft.com/office/drawing/2014/main" xmlns="" id="{34AB2FF0-A4D7-4E28-991D-FF26140D5988}"/>
+                <a16:creationId xmlns="" xmlns:a16="http://schemas.microsoft.com/office/drawing/2014/main" id="{34AB2FF0-A4D7-4E28-991D-FF26140D5988}"/>
               </a:ext>
             </a:extLst>
           </p:cNvPr>
@@ -2825,7 +3180,7 @@
           <p:cNvPr id="3" name="Espaço Reservado para Texto 2">
             <a:extLst>
               <a:ext uri="{FF2B5EF4-FFF2-40B4-BE49-F238E27FC236}">
-                <a16:creationId xmlns:a16="http://schemas.microsoft.com/office/drawing/2014/main" xmlns="" id="{E2AC45B0-4145-40DB-8E61-105461170604}"/>
+                <a16:creationId xmlns="" xmlns:a16="http://schemas.microsoft.com/office/drawing/2014/main" id="{E2AC45B0-4145-40DB-8E61-105461170604}"/>
               </a:ext>
             </a:extLst>
           </p:cNvPr>
@@ -2950,7 +3305,7 @@
           <p:cNvPr id="4" name="Espaço Reservado para Data 3">
             <a:extLst>
               <a:ext uri="{FF2B5EF4-FFF2-40B4-BE49-F238E27FC236}">
-                <a16:creationId xmlns:a16="http://schemas.microsoft.com/office/drawing/2014/main" xmlns="" id="{50F1D3FB-740A-4EBA-A309-2CE71D12ECFB}"/>
+                <a16:creationId xmlns="" xmlns:a16="http://schemas.microsoft.com/office/drawing/2014/main" id="{50F1D3FB-740A-4EBA-A309-2CE71D12ECFB}"/>
               </a:ext>
             </a:extLst>
           </p:cNvPr>
@@ -2979,7 +3334,7 @@
           <p:cNvPr id="5" name="Espaço Reservado para Rodapé 4">
             <a:extLst>
               <a:ext uri="{FF2B5EF4-FFF2-40B4-BE49-F238E27FC236}">
-                <a16:creationId xmlns:a16="http://schemas.microsoft.com/office/drawing/2014/main" xmlns="" id="{BDCAB18F-8715-4465-A940-F9C193A2ACE9}"/>
+                <a16:creationId xmlns="" xmlns:a16="http://schemas.microsoft.com/office/drawing/2014/main" id="{BDCAB18F-8715-4465-A940-F9C193A2ACE9}"/>
               </a:ext>
             </a:extLst>
           </p:cNvPr>
@@ -3004,7 +3359,7 @@
           <p:cNvPr id="6" name="Espaço Reservado para Número de Slide 5">
             <a:extLst>
               <a:ext uri="{FF2B5EF4-FFF2-40B4-BE49-F238E27FC236}">
-                <a16:creationId xmlns:a16="http://schemas.microsoft.com/office/drawing/2014/main" xmlns="" id="{353466C6-8248-429F-8056-FF040BF509EB}"/>
+                <a16:creationId xmlns="" xmlns:a16="http://schemas.microsoft.com/office/drawing/2014/main" id="{353466C6-8248-429F-8056-FF040BF509EB}"/>
               </a:ext>
             </a:extLst>
           </p:cNvPr>
@@ -3063,7 +3418,7 @@
           <p:cNvPr id="2" name="Título 1">
             <a:extLst>
               <a:ext uri="{FF2B5EF4-FFF2-40B4-BE49-F238E27FC236}">
-                <a16:creationId xmlns:a16="http://schemas.microsoft.com/office/drawing/2014/main" xmlns="" id="{BC7BB9F0-F14B-4A91-B2B7-35BC47FE4DE7}"/>
+                <a16:creationId xmlns="" xmlns:a16="http://schemas.microsoft.com/office/drawing/2014/main" id="{BC7BB9F0-F14B-4A91-B2B7-35BC47FE4DE7}"/>
               </a:ext>
             </a:extLst>
           </p:cNvPr>
@@ -3091,7 +3446,7 @@
           <p:cNvPr id="3" name="Espaço Reservado para Conteúdo 2">
             <a:extLst>
               <a:ext uri="{FF2B5EF4-FFF2-40B4-BE49-F238E27FC236}">
-                <a16:creationId xmlns:a16="http://schemas.microsoft.com/office/drawing/2014/main" xmlns="" id="{EC1FC1C4-73DA-47A6-8496-B0B457F7D39A}"/>
+                <a16:creationId xmlns="" xmlns:a16="http://schemas.microsoft.com/office/drawing/2014/main" id="{EC1FC1C4-73DA-47A6-8496-B0B457F7D39A}"/>
               </a:ext>
             </a:extLst>
           </p:cNvPr>
@@ -3153,7 +3508,7 @@
           <p:cNvPr id="4" name="Espaço Reservado para Conteúdo 3">
             <a:extLst>
               <a:ext uri="{FF2B5EF4-FFF2-40B4-BE49-F238E27FC236}">
-                <a16:creationId xmlns:a16="http://schemas.microsoft.com/office/drawing/2014/main" xmlns="" id="{E92F06A8-A449-4D92-9912-76873E529B38}"/>
+                <a16:creationId xmlns="" xmlns:a16="http://schemas.microsoft.com/office/drawing/2014/main" id="{E92F06A8-A449-4D92-9912-76873E529B38}"/>
               </a:ext>
             </a:extLst>
           </p:cNvPr>
@@ -3215,7 +3570,7 @@
           <p:cNvPr id="5" name="Espaço Reservado para Data 4">
             <a:extLst>
               <a:ext uri="{FF2B5EF4-FFF2-40B4-BE49-F238E27FC236}">
-                <a16:creationId xmlns:a16="http://schemas.microsoft.com/office/drawing/2014/main" xmlns="" id="{938070A4-BC2F-4D55-BD8D-DEAF11BB9EE9}"/>
+                <a16:creationId xmlns="" xmlns:a16="http://schemas.microsoft.com/office/drawing/2014/main" id="{938070A4-BC2F-4D55-BD8D-DEAF11BB9EE9}"/>
               </a:ext>
             </a:extLst>
           </p:cNvPr>
@@ -3244,7 +3599,7 @@
           <p:cNvPr id="6" name="Espaço Reservado para Rodapé 5">
             <a:extLst>
               <a:ext uri="{FF2B5EF4-FFF2-40B4-BE49-F238E27FC236}">
-                <a16:creationId xmlns:a16="http://schemas.microsoft.com/office/drawing/2014/main" xmlns="" id="{45CC2DB8-844A-465F-BA9A-7734C80C7F43}"/>
+                <a16:creationId xmlns="" xmlns:a16="http://schemas.microsoft.com/office/drawing/2014/main" id="{45CC2DB8-844A-465F-BA9A-7734C80C7F43}"/>
               </a:ext>
             </a:extLst>
           </p:cNvPr>
@@ -3269,7 +3624,7 @@
           <p:cNvPr id="7" name="Espaço Reservado para Número de Slide 6">
             <a:extLst>
               <a:ext uri="{FF2B5EF4-FFF2-40B4-BE49-F238E27FC236}">
-                <a16:creationId xmlns:a16="http://schemas.microsoft.com/office/drawing/2014/main" xmlns="" id="{4CC606A8-097B-4040-94E0-CD8C88280D8F}"/>
+                <a16:creationId xmlns="" xmlns:a16="http://schemas.microsoft.com/office/drawing/2014/main" id="{4CC606A8-097B-4040-94E0-CD8C88280D8F}"/>
               </a:ext>
             </a:extLst>
           </p:cNvPr>
@@ -3328,7 +3683,7 @@
           <p:cNvPr id="2" name="Título 1">
             <a:extLst>
               <a:ext uri="{FF2B5EF4-FFF2-40B4-BE49-F238E27FC236}">
-                <a16:creationId xmlns:a16="http://schemas.microsoft.com/office/drawing/2014/main" xmlns="" id="{76D66686-0143-4CB6-8C09-BA326F1E7ACA}"/>
+                <a16:creationId xmlns="" xmlns:a16="http://schemas.microsoft.com/office/drawing/2014/main" id="{76D66686-0143-4CB6-8C09-BA326F1E7ACA}"/>
               </a:ext>
             </a:extLst>
           </p:cNvPr>
@@ -3361,7 +3716,7 @@
           <p:cNvPr id="3" name="Espaço Reservado para Texto 2">
             <a:extLst>
               <a:ext uri="{FF2B5EF4-FFF2-40B4-BE49-F238E27FC236}">
-                <a16:creationId xmlns:a16="http://schemas.microsoft.com/office/drawing/2014/main" xmlns="" id="{0227AB85-F59E-4BCE-B846-4FA0992C2F23}"/>
+                <a16:creationId xmlns="" xmlns:a16="http://schemas.microsoft.com/office/drawing/2014/main" id="{0227AB85-F59E-4BCE-B846-4FA0992C2F23}"/>
               </a:ext>
             </a:extLst>
           </p:cNvPr>
@@ -3432,7 +3787,7 @@
           <p:cNvPr id="4" name="Espaço Reservado para Conteúdo 3">
             <a:extLst>
               <a:ext uri="{FF2B5EF4-FFF2-40B4-BE49-F238E27FC236}">
-                <a16:creationId xmlns:a16="http://schemas.microsoft.com/office/drawing/2014/main" xmlns="" id="{3373456C-7319-4D0A-827D-D29F6B083F5D}"/>
+                <a16:creationId xmlns="" xmlns:a16="http://schemas.microsoft.com/office/drawing/2014/main" id="{3373456C-7319-4D0A-827D-D29F6B083F5D}"/>
               </a:ext>
             </a:extLst>
           </p:cNvPr>
@@ -3494,7 +3849,7 @@
           <p:cNvPr id="5" name="Espaço Reservado para Texto 4">
             <a:extLst>
               <a:ext uri="{FF2B5EF4-FFF2-40B4-BE49-F238E27FC236}">
-                <a16:creationId xmlns:a16="http://schemas.microsoft.com/office/drawing/2014/main" xmlns="" id="{4CD109D0-2E83-4262-8029-A871CEC47406}"/>
+                <a16:creationId xmlns="" xmlns:a16="http://schemas.microsoft.com/office/drawing/2014/main" id="{4CD109D0-2E83-4262-8029-A871CEC47406}"/>
               </a:ext>
             </a:extLst>
           </p:cNvPr>
@@ -3565,7 +3920,7 @@
           <p:cNvPr id="6" name="Espaço Reservado para Conteúdo 5">
             <a:extLst>
               <a:ext uri="{FF2B5EF4-FFF2-40B4-BE49-F238E27FC236}">
-                <a16:creationId xmlns:a16="http://schemas.microsoft.com/office/drawing/2014/main" xmlns="" id="{AD706E3A-CFBB-4A6C-A65F-D0360A9E74FE}"/>
+                <a16:creationId xmlns="" xmlns:a16="http://schemas.microsoft.com/office/drawing/2014/main" id="{AD706E3A-CFBB-4A6C-A65F-D0360A9E74FE}"/>
               </a:ext>
             </a:extLst>
           </p:cNvPr>
@@ -3627,7 +3982,7 @@
           <p:cNvPr id="7" name="Espaço Reservado para Data 6">
             <a:extLst>
               <a:ext uri="{FF2B5EF4-FFF2-40B4-BE49-F238E27FC236}">
-                <a16:creationId xmlns:a16="http://schemas.microsoft.com/office/drawing/2014/main" xmlns="" id="{4172C0E5-5AF0-4805-BB51-443733CD2BD5}"/>
+                <a16:creationId xmlns="" xmlns:a16="http://schemas.microsoft.com/office/drawing/2014/main" id="{4172C0E5-5AF0-4805-BB51-443733CD2BD5}"/>
               </a:ext>
             </a:extLst>
           </p:cNvPr>
@@ -3656,7 +4011,7 @@
           <p:cNvPr id="8" name="Espaço Reservado para Rodapé 7">
             <a:extLst>
               <a:ext uri="{FF2B5EF4-FFF2-40B4-BE49-F238E27FC236}">
-                <a16:creationId xmlns:a16="http://schemas.microsoft.com/office/drawing/2014/main" xmlns="" id="{0E801648-156F-497E-99CF-797DF48051E1}"/>
+                <a16:creationId xmlns="" xmlns:a16="http://schemas.microsoft.com/office/drawing/2014/main" id="{0E801648-156F-497E-99CF-797DF48051E1}"/>
               </a:ext>
             </a:extLst>
           </p:cNvPr>
@@ -3681,7 +4036,7 @@
           <p:cNvPr id="9" name="Espaço Reservado para Número de Slide 8">
             <a:extLst>
               <a:ext uri="{FF2B5EF4-FFF2-40B4-BE49-F238E27FC236}">
-                <a16:creationId xmlns:a16="http://schemas.microsoft.com/office/drawing/2014/main" xmlns="" id="{EEE23D32-80E7-4796-A137-66BF842E4B53}"/>
+                <a16:creationId xmlns="" xmlns:a16="http://schemas.microsoft.com/office/drawing/2014/main" id="{EEE23D32-80E7-4796-A137-66BF842E4B53}"/>
               </a:ext>
             </a:extLst>
           </p:cNvPr>
@@ -3740,7 +4095,7 @@
           <p:cNvPr id="2" name="Título 1">
             <a:extLst>
               <a:ext uri="{FF2B5EF4-FFF2-40B4-BE49-F238E27FC236}">
-                <a16:creationId xmlns:a16="http://schemas.microsoft.com/office/drawing/2014/main" xmlns="" id="{2BCE2379-C78F-47E1-8CFC-B846E7AF148D}"/>
+                <a16:creationId xmlns="" xmlns:a16="http://schemas.microsoft.com/office/drawing/2014/main" id="{2BCE2379-C78F-47E1-8CFC-B846E7AF148D}"/>
               </a:ext>
             </a:extLst>
           </p:cNvPr>
@@ -3768,7 +4123,7 @@
           <p:cNvPr id="3" name="Espaço Reservado para Data 2">
             <a:extLst>
               <a:ext uri="{FF2B5EF4-FFF2-40B4-BE49-F238E27FC236}">
-                <a16:creationId xmlns:a16="http://schemas.microsoft.com/office/drawing/2014/main" xmlns="" id="{342600A9-7F92-4E22-9D94-E4717252A817}"/>
+                <a16:creationId xmlns="" xmlns:a16="http://schemas.microsoft.com/office/drawing/2014/main" id="{342600A9-7F92-4E22-9D94-E4717252A817}"/>
               </a:ext>
             </a:extLst>
           </p:cNvPr>
@@ -3797,7 +4152,7 @@
           <p:cNvPr id="4" name="Espaço Reservado para Rodapé 3">
             <a:extLst>
               <a:ext uri="{FF2B5EF4-FFF2-40B4-BE49-F238E27FC236}">
-                <a16:creationId xmlns:a16="http://schemas.microsoft.com/office/drawing/2014/main" xmlns="" id="{192E6BED-F546-40CC-A2DF-99CBA853654E}"/>
+                <a16:creationId xmlns="" xmlns:a16="http://schemas.microsoft.com/office/drawing/2014/main" id="{192E6BED-F546-40CC-A2DF-99CBA853654E}"/>
               </a:ext>
             </a:extLst>
           </p:cNvPr>
@@ -3822,7 +4177,7 @@
           <p:cNvPr id="5" name="Espaço Reservado para Número de Slide 4">
             <a:extLst>
               <a:ext uri="{FF2B5EF4-FFF2-40B4-BE49-F238E27FC236}">
-                <a16:creationId xmlns:a16="http://schemas.microsoft.com/office/drawing/2014/main" xmlns="" id="{6091CC40-A8C4-4063-80EB-CC5099621678}"/>
+                <a16:creationId xmlns="" xmlns:a16="http://schemas.microsoft.com/office/drawing/2014/main" id="{6091CC40-A8C4-4063-80EB-CC5099621678}"/>
               </a:ext>
             </a:extLst>
           </p:cNvPr>
@@ -3881,7 +4236,7 @@
           <p:cNvPr id="2" name="Espaço Reservado para Data 1">
             <a:extLst>
               <a:ext uri="{FF2B5EF4-FFF2-40B4-BE49-F238E27FC236}">
-                <a16:creationId xmlns:a16="http://schemas.microsoft.com/office/drawing/2014/main" xmlns="" id="{DD19515C-212C-4EAE-84A3-8FF4BC844F1B}"/>
+                <a16:creationId xmlns="" xmlns:a16="http://schemas.microsoft.com/office/drawing/2014/main" id="{DD19515C-212C-4EAE-84A3-8FF4BC844F1B}"/>
               </a:ext>
             </a:extLst>
           </p:cNvPr>
@@ -3910,7 +4265,7 @@
           <p:cNvPr id="3" name="Espaço Reservado para Rodapé 2">
             <a:extLst>
               <a:ext uri="{FF2B5EF4-FFF2-40B4-BE49-F238E27FC236}">
-                <a16:creationId xmlns:a16="http://schemas.microsoft.com/office/drawing/2014/main" xmlns="" id="{94D3D120-B3E8-4C96-861D-7A4F12F49B3A}"/>
+                <a16:creationId xmlns="" xmlns:a16="http://schemas.microsoft.com/office/drawing/2014/main" id="{94D3D120-B3E8-4C96-861D-7A4F12F49B3A}"/>
               </a:ext>
             </a:extLst>
           </p:cNvPr>
@@ -3935,7 +4290,7 @@
           <p:cNvPr id="4" name="Espaço Reservado para Número de Slide 3">
             <a:extLst>
               <a:ext uri="{FF2B5EF4-FFF2-40B4-BE49-F238E27FC236}">
-                <a16:creationId xmlns:a16="http://schemas.microsoft.com/office/drawing/2014/main" xmlns="" id="{42E49B68-FA1B-468B-9F17-D5C09243D454}"/>
+                <a16:creationId xmlns="" xmlns:a16="http://schemas.microsoft.com/office/drawing/2014/main" id="{42E49B68-FA1B-468B-9F17-D5C09243D454}"/>
               </a:ext>
             </a:extLst>
           </p:cNvPr>
@@ -3994,7 +4349,7 @@
           <p:cNvPr id="2" name="Título 1">
             <a:extLst>
               <a:ext uri="{FF2B5EF4-FFF2-40B4-BE49-F238E27FC236}">
-                <a16:creationId xmlns:a16="http://schemas.microsoft.com/office/drawing/2014/main" xmlns="" id="{1C17BCBE-A897-4319-85EC-D87909C24980}"/>
+                <a16:creationId xmlns="" xmlns:a16="http://schemas.microsoft.com/office/drawing/2014/main" id="{1C17BCBE-A897-4319-85EC-D87909C24980}"/>
               </a:ext>
             </a:extLst>
           </p:cNvPr>
@@ -4031,7 +4386,7 @@
           <p:cNvPr id="3" name="Espaço Reservado para Conteúdo 2">
             <a:extLst>
               <a:ext uri="{FF2B5EF4-FFF2-40B4-BE49-F238E27FC236}">
-                <a16:creationId xmlns:a16="http://schemas.microsoft.com/office/drawing/2014/main" xmlns="" id="{4226F885-0204-4913-868B-4B8B82576F17}"/>
+                <a16:creationId xmlns="" xmlns:a16="http://schemas.microsoft.com/office/drawing/2014/main" id="{4226F885-0204-4913-868B-4B8B82576F17}"/>
               </a:ext>
             </a:extLst>
           </p:cNvPr>
@@ -4121,7 +4476,7 @@
           <p:cNvPr id="4" name="Espaço Reservado para Texto 3">
             <a:extLst>
               <a:ext uri="{FF2B5EF4-FFF2-40B4-BE49-F238E27FC236}">
-                <a16:creationId xmlns:a16="http://schemas.microsoft.com/office/drawing/2014/main" xmlns="" id="{00F9F784-A858-441B-8AB5-697098141751}"/>
+                <a16:creationId xmlns="" xmlns:a16="http://schemas.microsoft.com/office/drawing/2014/main" id="{00F9F784-A858-441B-8AB5-697098141751}"/>
               </a:ext>
             </a:extLst>
           </p:cNvPr>
@@ -4192,7 +4547,7 @@
           <p:cNvPr id="5" name="Espaço Reservado para Data 4">
             <a:extLst>
               <a:ext uri="{FF2B5EF4-FFF2-40B4-BE49-F238E27FC236}">
-                <a16:creationId xmlns:a16="http://schemas.microsoft.com/office/drawing/2014/main" xmlns="" id="{A4DC363A-5000-472E-8B17-02E7DCB8840A}"/>
+                <a16:creationId xmlns="" xmlns:a16="http://schemas.microsoft.com/office/drawing/2014/main" id="{A4DC363A-5000-472E-8B17-02E7DCB8840A}"/>
               </a:ext>
             </a:extLst>
           </p:cNvPr>
@@ -4221,7 +4576,7 @@
           <p:cNvPr id="6" name="Espaço Reservado para Rodapé 5">
             <a:extLst>
               <a:ext uri="{FF2B5EF4-FFF2-40B4-BE49-F238E27FC236}">
-                <a16:creationId xmlns:a16="http://schemas.microsoft.com/office/drawing/2014/main" xmlns="" id="{5548425D-2C21-4C56-BAD4-662978775C28}"/>
+                <a16:creationId xmlns="" xmlns:a16="http://schemas.microsoft.com/office/drawing/2014/main" id="{5548425D-2C21-4C56-BAD4-662978775C28}"/>
               </a:ext>
             </a:extLst>
           </p:cNvPr>
@@ -4246,7 +4601,7 @@
           <p:cNvPr id="7" name="Espaço Reservado para Número de Slide 6">
             <a:extLst>
               <a:ext uri="{FF2B5EF4-FFF2-40B4-BE49-F238E27FC236}">
-                <a16:creationId xmlns:a16="http://schemas.microsoft.com/office/drawing/2014/main" xmlns="" id="{C63E9726-E64C-42B2-AE8A-8C235A956B48}"/>
+                <a16:creationId xmlns="" xmlns:a16="http://schemas.microsoft.com/office/drawing/2014/main" id="{C63E9726-E64C-42B2-AE8A-8C235A956B48}"/>
               </a:ext>
             </a:extLst>
           </p:cNvPr>
@@ -4305,7 +4660,7 @@
           <p:cNvPr id="2" name="Título 1">
             <a:extLst>
               <a:ext uri="{FF2B5EF4-FFF2-40B4-BE49-F238E27FC236}">
-                <a16:creationId xmlns:a16="http://schemas.microsoft.com/office/drawing/2014/main" xmlns="" id="{11086A78-3E74-450C-96A6-CA8AC37AF772}"/>
+                <a16:creationId xmlns="" xmlns:a16="http://schemas.microsoft.com/office/drawing/2014/main" id="{11086A78-3E74-450C-96A6-CA8AC37AF772}"/>
               </a:ext>
             </a:extLst>
           </p:cNvPr>
@@ -4342,7 +4697,7 @@
           <p:cNvPr id="3" name="Espaço Reservado para Imagem 2">
             <a:extLst>
               <a:ext uri="{FF2B5EF4-FFF2-40B4-BE49-F238E27FC236}">
-                <a16:creationId xmlns:a16="http://schemas.microsoft.com/office/drawing/2014/main" xmlns="" id="{5F5B7312-975A-4DBC-9B2F-3652ADA006FD}"/>
+                <a16:creationId xmlns="" xmlns:a16="http://schemas.microsoft.com/office/drawing/2014/main" id="{5F5B7312-975A-4DBC-9B2F-3652ADA006FD}"/>
               </a:ext>
             </a:extLst>
           </p:cNvPr>
@@ -4409,7 +4764,7 @@
           <p:cNvPr id="4" name="Espaço Reservado para Texto 3">
             <a:extLst>
               <a:ext uri="{FF2B5EF4-FFF2-40B4-BE49-F238E27FC236}">
-                <a16:creationId xmlns:a16="http://schemas.microsoft.com/office/drawing/2014/main" xmlns="" id="{AAF805F5-1DFF-41C6-944C-7D79FE0D0963}"/>
+                <a16:creationId xmlns="" xmlns:a16="http://schemas.microsoft.com/office/drawing/2014/main" id="{AAF805F5-1DFF-41C6-944C-7D79FE0D0963}"/>
               </a:ext>
             </a:extLst>
           </p:cNvPr>
@@ -4480,7 +4835,7 @@
           <p:cNvPr id="5" name="Espaço Reservado para Data 4">
             <a:extLst>
               <a:ext uri="{FF2B5EF4-FFF2-40B4-BE49-F238E27FC236}">
-                <a16:creationId xmlns:a16="http://schemas.microsoft.com/office/drawing/2014/main" xmlns="" id="{02113D81-8665-4516-BD81-C6A1F254EECD}"/>
+                <a16:creationId xmlns="" xmlns:a16="http://schemas.microsoft.com/office/drawing/2014/main" id="{02113D81-8665-4516-BD81-C6A1F254EECD}"/>
               </a:ext>
             </a:extLst>
           </p:cNvPr>
@@ -4509,7 +4864,7 @@
           <p:cNvPr id="6" name="Espaço Reservado para Rodapé 5">
             <a:extLst>
               <a:ext uri="{FF2B5EF4-FFF2-40B4-BE49-F238E27FC236}">
-                <a16:creationId xmlns:a16="http://schemas.microsoft.com/office/drawing/2014/main" xmlns="" id="{2B00C88B-FF32-40AA-A187-727D96FD7862}"/>
+                <a16:creationId xmlns="" xmlns:a16="http://schemas.microsoft.com/office/drawing/2014/main" id="{2B00C88B-FF32-40AA-A187-727D96FD7862}"/>
               </a:ext>
             </a:extLst>
           </p:cNvPr>
@@ -4534,7 +4889,7 @@
           <p:cNvPr id="7" name="Espaço Reservado para Número de Slide 6">
             <a:extLst>
               <a:ext uri="{FF2B5EF4-FFF2-40B4-BE49-F238E27FC236}">
-                <a16:creationId xmlns:a16="http://schemas.microsoft.com/office/drawing/2014/main" xmlns="" id="{A04D1A2D-69F7-4B8F-A730-BC26DC340BA6}"/>
+                <a16:creationId xmlns="" xmlns:a16="http://schemas.microsoft.com/office/drawing/2014/main" id="{A04D1A2D-69F7-4B8F-A730-BC26DC340BA6}"/>
               </a:ext>
             </a:extLst>
           </p:cNvPr>
@@ -4598,7 +4953,7 @@
           <p:cNvPr id="2" name="Espaço Reservado para Título 1">
             <a:extLst>
               <a:ext uri="{FF2B5EF4-FFF2-40B4-BE49-F238E27FC236}">
-                <a16:creationId xmlns:a16="http://schemas.microsoft.com/office/drawing/2014/main" xmlns="" id="{E69A0273-1966-4A1B-9370-4C1CE5036371}"/>
+                <a16:creationId xmlns="" xmlns:a16="http://schemas.microsoft.com/office/drawing/2014/main" id="{E69A0273-1966-4A1B-9370-4C1CE5036371}"/>
               </a:ext>
             </a:extLst>
           </p:cNvPr>
@@ -4636,7 +4991,7 @@
           <p:cNvPr id="3" name="Espaço Reservado para Texto 2">
             <a:extLst>
               <a:ext uri="{FF2B5EF4-FFF2-40B4-BE49-F238E27FC236}">
-                <a16:creationId xmlns:a16="http://schemas.microsoft.com/office/drawing/2014/main" xmlns="" id="{3B9CF87A-0448-49A7-AB25-EBC1D56A40EF}"/>
+                <a16:creationId xmlns="" xmlns:a16="http://schemas.microsoft.com/office/drawing/2014/main" id="{3B9CF87A-0448-49A7-AB25-EBC1D56A40EF}"/>
               </a:ext>
             </a:extLst>
           </p:cNvPr>
@@ -4703,7 +5058,7 @@
           <p:cNvPr id="4" name="Espaço Reservado para Data 3">
             <a:extLst>
               <a:ext uri="{FF2B5EF4-FFF2-40B4-BE49-F238E27FC236}">
-                <a16:creationId xmlns:a16="http://schemas.microsoft.com/office/drawing/2014/main" xmlns="" id="{2EF7B1F2-BB5A-44D0-816D-16AD2C71430E}"/>
+                <a16:creationId xmlns="" xmlns:a16="http://schemas.microsoft.com/office/drawing/2014/main" id="{2EF7B1F2-BB5A-44D0-816D-16AD2C71430E}"/>
               </a:ext>
             </a:extLst>
           </p:cNvPr>
@@ -4750,7 +5105,7 @@
           <p:cNvPr id="5" name="Espaço Reservado para Rodapé 4">
             <a:extLst>
               <a:ext uri="{FF2B5EF4-FFF2-40B4-BE49-F238E27FC236}">
-                <a16:creationId xmlns:a16="http://schemas.microsoft.com/office/drawing/2014/main" xmlns="" id="{C703F94C-2CC8-4DAA-BC35-14FC3E841DCD}"/>
+                <a16:creationId xmlns="" xmlns:a16="http://schemas.microsoft.com/office/drawing/2014/main" id="{C703F94C-2CC8-4DAA-BC35-14FC3E841DCD}"/>
               </a:ext>
             </a:extLst>
           </p:cNvPr>
@@ -4793,7 +5148,7 @@
           <p:cNvPr id="6" name="Espaço Reservado para Número de Slide 5">
             <a:extLst>
               <a:ext uri="{FF2B5EF4-FFF2-40B4-BE49-F238E27FC236}">
-                <a16:creationId xmlns:a16="http://schemas.microsoft.com/office/drawing/2014/main" xmlns="" id="{64051336-7048-457A-8B61-D94291D71648}"/>
+                <a16:creationId xmlns="" xmlns:a16="http://schemas.microsoft.com/office/drawing/2014/main" id="{64051336-7048-457A-8B61-D94291D71648}"/>
               </a:ext>
             </a:extLst>
           </p:cNvPr>
@@ -5161,7 +5516,7 @@
           <p:cNvPr id="2" name="Título 1">
             <a:extLst>
               <a:ext uri="{FF2B5EF4-FFF2-40B4-BE49-F238E27FC236}">
-                <a16:creationId xmlns:a16="http://schemas.microsoft.com/office/drawing/2014/main" xmlns="" id="{32666AC8-2E17-4DB4-B0F5-60C640CCFD2E}"/>
+                <a16:creationId xmlns="" xmlns:a16="http://schemas.microsoft.com/office/drawing/2014/main" id="{32666AC8-2E17-4DB4-B0F5-60C640CCFD2E}"/>
               </a:ext>
             </a:extLst>
           </p:cNvPr>
@@ -5212,7 +5567,7 @@
           <p:cNvPr id="4" name="CaixaDeTexto 3">
             <a:extLst>
               <a:ext uri="{FF2B5EF4-FFF2-40B4-BE49-F238E27FC236}">
-                <a16:creationId xmlns:a16="http://schemas.microsoft.com/office/drawing/2014/main" xmlns="" id="{430EB894-B7D4-434C-9D1A-A14094D9BEEC}"/>
+                <a16:creationId xmlns="" xmlns:a16="http://schemas.microsoft.com/office/drawing/2014/main" id="{430EB894-B7D4-434C-9D1A-A14094D9BEEC}"/>
               </a:ext>
             </a:extLst>
           </p:cNvPr>
@@ -5253,7 +5608,7 @@
           <p:cNvPr id="1026" name="Picture 2" descr="Logo">
             <a:extLst>
               <a:ext uri="{FF2B5EF4-FFF2-40B4-BE49-F238E27FC236}">
-                <a16:creationId xmlns:a16="http://schemas.microsoft.com/office/drawing/2014/main" xmlns="" id="{3F2642E0-4F6A-4196-8F58-E77D36E9A33F}"/>
+                <a16:creationId xmlns="" xmlns:a16="http://schemas.microsoft.com/office/drawing/2014/main" id="{3F2642E0-4F6A-4196-8F58-E77D36E9A33F}"/>
               </a:ext>
             </a:extLst>
           </p:cNvPr>
@@ -5298,7 +5653,7 @@
           <p:cNvPr id="5122" name="Picture 2" descr="Image result for machine learning">
             <a:extLst>
               <a:ext uri="{FF2B5EF4-FFF2-40B4-BE49-F238E27FC236}">
-                <a16:creationId xmlns:a16="http://schemas.microsoft.com/office/drawing/2014/main" xmlns="" id="{810CE0A2-4102-44A6-A370-175E7896CDCB}"/>
+                <a16:creationId xmlns="" xmlns:a16="http://schemas.microsoft.com/office/drawing/2014/main" id="{810CE0A2-4102-44A6-A370-175E7896CDCB}"/>
               </a:ext>
             </a:extLst>
           </p:cNvPr>
@@ -5343,7 +5698,7 @@
           <p:cNvPr id="3" name="Picture 2" descr="IoT Group">
             <a:extLst>
               <a:ext uri="{FF2B5EF4-FFF2-40B4-BE49-F238E27FC236}">
-                <a16:creationId xmlns:a16="http://schemas.microsoft.com/office/drawing/2014/main" xmlns="" id="{AC034F57-E830-B6E7-6790-12FDBBDB2975}"/>
+                <a16:creationId xmlns="" xmlns:a16="http://schemas.microsoft.com/office/drawing/2014/main" id="{AC034F57-E830-B6E7-6790-12FDBBDB2975}"/>
               </a:ext>
             </a:extLst>
           </p:cNvPr>
@@ -5418,7 +5773,7 @@
           <p:cNvPr id="2" name="Título 1">
             <a:extLst>
               <a:ext uri="{FF2B5EF4-FFF2-40B4-BE49-F238E27FC236}">
-                <a16:creationId xmlns:a16="http://schemas.microsoft.com/office/drawing/2014/main" xmlns="" id="{4B37B57C-5C5B-63F0-3BCA-41D707B14FCF}"/>
+                <a16:creationId xmlns="" xmlns:a16="http://schemas.microsoft.com/office/drawing/2014/main" id="{4B37B57C-5C5B-63F0-3BCA-41D707B14FCF}"/>
               </a:ext>
             </a:extLst>
           </p:cNvPr>
@@ -5448,7 +5803,7 @@
               <p:cNvPr id="7" name="Tabela 7">
                 <a:extLst>
                   <a:ext uri="{FF2B5EF4-FFF2-40B4-BE49-F238E27FC236}">
-                    <a16:creationId xmlns:a16="http://schemas.microsoft.com/office/drawing/2014/main" xmlns="" id="{CF075D20-780E-1792-6D5A-733B2F8F1F7E}"/>
+                    <a16:creationId xmlns="" xmlns:a16="http://schemas.microsoft.com/office/drawing/2014/main" id="{CF075D20-780E-1792-6D5A-733B2F8F1F7E}"/>
                   </a:ext>
                 </a:extLst>
               </p:cNvPr>
@@ -5477,28 +5832,28 @@
                     <a:gridCol w="2099527">
                       <a:extLst>
                         <a:ext uri="{9D8B030D-6E8A-4147-A177-3AD203B41FA5}">
-                          <a16:colId xmlns:a16="http://schemas.microsoft.com/office/drawing/2014/main" xmlns="" val="3494750001"/>
+                          <a16:colId xmlns="" xmlns:a16="http://schemas.microsoft.com/office/drawing/2014/main" val="3494750001"/>
                         </a:ext>
                       </a:extLst>
                     </a:gridCol>
                     <a:gridCol w="2099527">
                       <a:extLst>
                         <a:ext uri="{9D8B030D-6E8A-4147-A177-3AD203B41FA5}">
-                          <a16:colId xmlns:a16="http://schemas.microsoft.com/office/drawing/2014/main" xmlns="" val="3898912472"/>
+                          <a16:colId xmlns="" xmlns:a16="http://schemas.microsoft.com/office/drawing/2014/main" val="3898912472"/>
                         </a:ext>
                       </a:extLst>
                     </a:gridCol>
                     <a:gridCol w="2099527">
                       <a:extLst>
                         <a:ext uri="{9D8B030D-6E8A-4147-A177-3AD203B41FA5}">
-                          <a16:colId xmlns:a16="http://schemas.microsoft.com/office/drawing/2014/main" xmlns="" val="4063873170"/>
+                          <a16:colId xmlns="" xmlns:a16="http://schemas.microsoft.com/office/drawing/2014/main" val="4063873170"/>
                         </a:ext>
                       </a:extLst>
                     </a:gridCol>
                     <a:gridCol w="2099527">
                       <a:extLst>
                         <a:ext uri="{9D8B030D-6E8A-4147-A177-3AD203B41FA5}">
-                          <a16:colId xmlns:a16="http://schemas.microsoft.com/office/drawing/2014/main" xmlns="" val="975674981"/>
+                          <a16:colId xmlns="" xmlns:a16="http://schemas.microsoft.com/office/drawing/2014/main" val="975674981"/>
                         </a:ext>
                       </a:extLst>
                     </a:gridCol>
@@ -5713,7 +6068,7 @@
                     </a:tc>
                     <a:extLst>
                       <a:ext uri="{0D108BD9-81ED-4DB2-BD59-A6C34878D82A}">
-                        <a16:rowId xmlns:a16="http://schemas.microsoft.com/office/drawing/2014/main" xmlns="" val="902427868"/>
+                        <a16:rowId xmlns="" xmlns:a16="http://schemas.microsoft.com/office/drawing/2014/main" val="902427868"/>
                       </a:ext>
                     </a:extLst>
                   </a:tr>
@@ -5940,7 +6295,7 @@
                     </a:tc>
                     <a:extLst>
                       <a:ext uri="{0D108BD9-81ED-4DB2-BD59-A6C34878D82A}">
-                        <a16:rowId xmlns:a16="http://schemas.microsoft.com/office/drawing/2014/main" xmlns="" val="2365239804"/>
+                        <a16:rowId xmlns="" xmlns:a16="http://schemas.microsoft.com/office/drawing/2014/main" val="2365239804"/>
                       </a:ext>
                     </a:extLst>
                   </a:tr>
@@ -6183,7 +6538,7 @@
                     </a:tc>
                     <a:extLst>
                       <a:ext uri="{0D108BD9-81ED-4DB2-BD59-A6C34878D82A}">
-                        <a16:rowId xmlns:a16="http://schemas.microsoft.com/office/drawing/2014/main" xmlns="" val="3290909376"/>
+                        <a16:rowId xmlns="" xmlns:a16="http://schemas.microsoft.com/office/drawing/2014/main" val="3290909376"/>
                       </a:ext>
                     </a:extLst>
                   </a:tr>
@@ -6426,7 +6781,7 @@
                     </a:tc>
                     <a:extLst>
                       <a:ext uri="{0D108BD9-81ED-4DB2-BD59-A6C34878D82A}">
-                        <a16:rowId xmlns:a16="http://schemas.microsoft.com/office/drawing/2014/main" xmlns="" val="1283077546"/>
+                        <a16:rowId xmlns="" xmlns:a16="http://schemas.microsoft.com/office/drawing/2014/main" val="1283077546"/>
                       </a:ext>
                     </a:extLst>
                   </a:tr>
@@ -6681,7 +7036,7 @@
                     </a:tc>
                     <a:extLst>
                       <a:ext uri="{0D108BD9-81ED-4DB2-BD59-A6C34878D82A}">
-                        <a16:rowId xmlns:a16="http://schemas.microsoft.com/office/drawing/2014/main" xmlns="" val="1918420758"/>
+                        <a16:rowId xmlns="" xmlns:a16="http://schemas.microsoft.com/office/drawing/2014/main" val="1918420758"/>
                       </a:ext>
                     </a:extLst>
                   </a:tr>
@@ -7849,7 +8204,7 @@
           <p:cNvPr id="8" name="Tabela 8">
             <a:extLst>
               <a:ext uri="{FF2B5EF4-FFF2-40B4-BE49-F238E27FC236}">
-                <a16:creationId xmlns:a16="http://schemas.microsoft.com/office/drawing/2014/main" xmlns="" id="{39A27E60-111E-513B-FF2B-A0E26FF49C6C}"/>
+                <a16:creationId xmlns="" xmlns:a16="http://schemas.microsoft.com/office/drawing/2014/main" id="{39A27E60-111E-513B-FF2B-A0E26FF49C6C}"/>
               </a:ext>
             </a:extLst>
           </p:cNvPr>
@@ -7878,7 +8233,7 @@
                 <a:gridCol w="1481871">
                   <a:extLst>
                     <a:ext uri="{9D8B030D-6E8A-4147-A177-3AD203B41FA5}">
-                      <a16:colId xmlns:a16="http://schemas.microsoft.com/office/drawing/2014/main" xmlns="" val="2844960681"/>
+                      <a16:colId xmlns="" xmlns:a16="http://schemas.microsoft.com/office/drawing/2014/main" val="2844960681"/>
                     </a:ext>
                   </a:extLst>
                 </a:gridCol>
@@ -7971,7 +8326,7 @@
                 </a:tc>
                 <a:extLst>
                   <a:ext uri="{0D108BD9-81ED-4DB2-BD59-A6C34878D82A}">
-                    <a16:rowId xmlns:a16="http://schemas.microsoft.com/office/drawing/2014/main" xmlns="" val="3418239852"/>
+                    <a16:rowId xmlns="" xmlns:a16="http://schemas.microsoft.com/office/drawing/2014/main" val="3418239852"/>
                   </a:ext>
                 </a:extLst>
               </a:tr>
@@ -8037,7 +8392,7 @@
                 </a:tc>
                 <a:extLst>
                   <a:ext uri="{0D108BD9-81ED-4DB2-BD59-A6C34878D82A}">
-                    <a16:rowId xmlns:a16="http://schemas.microsoft.com/office/drawing/2014/main" xmlns="" val="893748292"/>
+                    <a16:rowId xmlns="" xmlns:a16="http://schemas.microsoft.com/office/drawing/2014/main" val="893748292"/>
                   </a:ext>
                 </a:extLst>
               </a:tr>
@@ -8103,7 +8458,7 @@
                 </a:tc>
                 <a:extLst>
                   <a:ext uri="{0D108BD9-81ED-4DB2-BD59-A6C34878D82A}">
-                    <a16:rowId xmlns:a16="http://schemas.microsoft.com/office/drawing/2014/main" xmlns="" val="4156209873"/>
+                    <a16:rowId xmlns="" xmlns:a16="http://schemas.microsoft.com/office/drawing/2014/main" val="4156209873"/>
                   </a:ext>
                 </a:extLst>
               </a:tr>
@@ -8169,7 +8524,7 @@
                 </a:tc>
                 <a:extLst>
                   <a:ext uri="{0D108BD9-81ED-4DB2-BD59-A6C34878D82A}">
-                    <a16:rowId xmlns:a16="http://schemas.microsoft.com/office/drawing/2014/main" xmlns="" val="4100254665"/>
+                    <a16:rowId xmlns="" xmlns:a16="http://schemas.microsoft.com/office/drawing/2014/main" val="4100254665"/>
                   </a:ext>
                 </a:extLst>
               </a:tr>
@@ -8235,7 +8590,7 @@
                 </a:tc>
                 <a:extLst>
                   <a:ext uri="{0D108BD9-81ED-4DB2-BD59-A6C34878D82A}">
-                    <a16:rowId xmlns:a16="http://schemas.microsoft.com/office/drawing/2014/main" xmlns="" val="4209462053"/>
+                    <a16:rowId xmlns="" xmlns:a16="http://schemas.microsoft.com/office/drawing/2014/main" val="4209462053"/>
                   </a:ext>
                 </a:extLst>
               </a:tr>
@@ -8248,7 +8603,7 @@
           <p:cNvPr id="9" name="Espaço Reservado para Conteúdo 2">
             <a:extLst>
               <a:ext uri="{FF2B5EF4-FFF2-40B4-BE49-F238E27FC236}">
-                <a16:creationId xmlns:a16="http://schemas.microsoft.com/office/drawing/2014/main" xmlns="" id="{26A5A4D5-A500-4307-D0EB-D5526D4FFE5A}"/>
+                <a16:creationId xmlns="" xmlns:a16="http://schemas.microsoft.com/office/drawing/2014/main" id="{26A5A4D5-A500-4307-D0EB-D5526D4FFE5A}"/>
               </a:ext>
             </a:extLst>
           </p:cNvPr>
@@ -8297,7 +8652,7 @@
               <p:cNvPr id="11" name="CaixaDeTexto 10">
                 <a:extLst>
                   <a:ext uri="{FF2B5EF4-FFF2-40B4-BE49-F238E27FC236}">
-                    <a16:creationId xmlns:a16="http://schemas.microsoft.com/office/drawing/2014/main" xmlns="" id="{B4D3C011-DA2F-DE87-DBA7-B129F3A22805}"/>
+                    <a16:creationId xmlns="" xmlns:a16="http://schemas.microsoft.com/office/drawing/2014/main" id="{B4D3C011-DA2F-DE87-DBA7-B129F3A22805}"/>
                   </a:ext>
                 </a:extLst>
               </p:cNvPr>
@@ -8396,7 +8751,7 @@
           <p:cNvPr id="1026" name="Picture 2" descr="Arduino Nano 33 BLE Sense [ABX00031] | Amazon.com.br">
             <a:extLst>
               <a:ext uri="{FF2B5EF4-FFF2-40B4-BE49-F238E27FC236}">
-                <a16:creationId xmlns:a16="http://schemas.microsoft.com/office/drawing/2014/main" xmlns="" id="{E06913D6-32DF-7575-B1B1-C85F498FCBBF}"/>
+                <a16:creationId xmlns="" xmlns:a16="http://schemas.microsoft.com/office/drawing/2014/main" id="{E06913D6-32DF-7575-B1B1-C85F498FCBBF}"/>
               </a:ext>
             </a:extLst>
           </p:cNvPr>
@@ -8473,7 +8828,7 @@
           <p:cNvPr id="2" name="Título 1">
             <a:extLst>
               <a:ext uri="{FF2B5EF4-FFF2-40B4-BE49-F238E27FC236}">
-                <a16:creationId xmlns:a16="http://schemas.microsoft.com/office/drawing/2014/main" xmlns="" id="{D78B31A6-DC93-99FC-D2E7-D4F729B87C66}"/>
+                <a16:creationId xmlns="" xmlns:a16="http://schemas.microsoft.com/office/drawing/2014/main" id="{D78B31A6-DC93-99FC-D2E7-D4F729B87C66}"/>
               </a:ext>
             </a:extLst>
           </p:cNvPr>
@@ -8505,7 +8860,7 @@
           <p:cNvPr id="3" name="Espaço Reservado para Conteúdo 2">
             <a:extLst>
               <a:ext uri="{FF2B5EF4-FFF2-40B4-BE49-F238E27FC236}">
-                <a16:creationId xmlns:a16="http://schemas.microsoft.com/office/drawing/2014/main" xmlns="" id="{D6D4C17C-7FBB-B1A7-C11D-C9008C60A343}"/>
+                <a16:creationId xmlns="" xmlns:a16="http://schemas.microsoft.com/office/drawing/2014/main" id="{D6D4C17C-7FBB-B1A7-C11D-C9008C60A343}"/>
               </a:ext>
             </a:extLst>
           </p:cNvPr>
@@ -8574,7 +8929,7 @@
           <p:cNvPr id="4" name="Tabela 8">
             <a:extLst>
               <a:ext uri="{FF2B5EF4-FFF2-40B4-BE49-F238E27FC236}">
-                <a16:creationId xmlns:a16="http://schemas.microsoft.com/office/drawing/2014/main" xmlns="" id="{10165618-7933-E8ED-F70D-E1EDD7395C9A}"/>
+                <a16:creationId xmlns="" xmlns:a16="http://schemas.microsoft.com/office/drawing/2014/main" id="{10165618-7933-E8ED-F70D-E1EDD7395C9A}"/>
               </a:ext>
             </a:extLst>
           </p:cNvPr>
@@ -8603,7 +8958,7 @@
                 <a:gridCol w="1481871">
                   <a:extLst>
                     <a:ext uri="{9D8B030D-6E8A-4147-A177-3AD203B41FA5}">
-                      <a16:colId xmlns:a16="http://schemas.microsoft.com/office/drawing/2014/main" xmlns="" val="2844960681"/>
+                      <a16:colId xmlns="" xmlns:a16="http://schemas.microsoft.com/office/drawing/2014/main" val="2844960681"/>
                     </a:ext>
                   </a:extLst>
                 </a:gridCol>
@@ -8696,7 +9051,7 @@
                 </a:tc>
                 <a:extLst>
                   <a:ext uri="{0D108BD9-81ED-4DB2-BD59-A6C34878D82A}">
-                    <a16:rowId xmlns:a16="http://schemas.microsoft.com/office/drawing/2014/main" xmlns="" val="3418239852"/>
+                    <a16:rowId xmlns="" xmlns:a16="http://schemas.microsoft.com/office/drawing/2014/main" val="3418239852"/>
                   </a:ext>
                 </a:extLst>
               </a:tr>
@@ -8762,7 +9117,7 @@
                 </a:tc>
                 <a:extLst>
                   <a:ext uri="{0D108BD9-81ED-4DB2-BD59-A6C34878D82A}">
-                    <a16:rowId xmlns:a16="http://schemas.microsoft.com/office/drawing/2014/main" xmlns="" val="893748292"/>
+                    <a16:rowId xmlns="" xmlns:a16="http://schemas.microsoft.com/office/drawing/2014/main" val="893748292"/>
                   </a:ext>
                 </a:extLst>
               </a:tr>
@@ -8828,7 +9183,7 @@
                 </a:tc>
                 <a:extLst>
                   <a:ext uri="{0D108BD9-81ED-4DB2-BD59-A6C34878D82A}">
-                    <a16:rowId xmlns:a16="http://schemas.microsoft.com/office/drawing/2014/main" xmlns="" val="4156209873"/>
+                    <a16:rowId xmlns="" xmlns:a16="http://schemas.microsoft.com/office/drawing/2014/main" val="4156209873"/>
                   </a:ext>
                 </a:extLst>
               </a:tr>
@@ -8894,7 +9249,7 @@
                 </a:tc>
                 <a:extLst>
                   <a:ext uri="{0D108BD9-81ED-4DB2-BD59-A6C34878D82A}">
-                    <a16:rowId xmlns:a16="http://schemas.microsoft.com/office/drawing/2014/main" xmlns="" val="4100254665"/>
+                    <a16:rowId xmlns="" xmlns:a16="http://schemas.microsoft.com/office/drawing/2014/main" val="4100254665"/>
                   </a:ext>
                 </a:extLst>
               </a:tr>
@@ -8960,7 +9315,7 @@
                 </a:tc>
                 <a:extLst>
                   <a:ext uri="{0D108BD9-81ED-4DB2-BD59-A6C34878D82A}">
-                    <a16:rowId xmlns:a16="http://schemas.microsoft.com/office/drawing/2014/main" xmlns="" val="4209462053"/>
+                    <a16:rowId xmlns="" xmlns:a16="http://schemas.microsoft.com/office/drawing/2014/main" val="4209462053"/>
                   </a:ext>
                 </a:extLst>
               </a:tr>
@@ -8973,7 +9328,7 @@
           <p:cNvPr id="6" name="Picture 2" descr="Arduino Nano 33 BLE Sense [ABX00031] | Amazon.com.br">
             <a:extLst>
               <a:ext uri="{FF2B5EF4-FFF2-40B4-BE49-F238E27FC236}">
-                <a16:creationId xmlns:a16="http://schemas.microsoft.com/office/drawing/2014/main" xmlns="" id="{2A64C43F-94D3-BEAF-2634-E9633F80C4AD}"/>
+                <a16:creationId xmlns="" xmlns:a16="http://schemas.microsoft.com/office/drawing/2014/main" id="{2A64C43F-94D3-BEAF-2634-E9633F80C4AD}"/>
               </a:ext>
             </a:extLst>
           </p:cNvPr>
@@ -9050,7 +9405,7 @@
           <p:cNvPr id="2" name="Título 1">
             <a:extLst>
               <a:ext uri="{FF2B5EF4-FFF2-40B4-BE49-F238E27FC236}">
-                <a16:creationId xmlns:a16="http://schemas.microsoft.com/office/drawing/2014/main" xmlns="" id="{7BE1A8EA-433E-ABAA-7239-187400568C28}"/>
+                <a16:creationId xmlns="" xmlns:a16="http://schemas.microsoft.com/office/drawing/2014/main" id="{7BE1A8EA-433E-ABAA-7239-187400568C28}"/>
               </a:ext>
             </a:extLst>
           </p:cNvPr>
@@ -9078,7 +9433,7 @@
           <p:cNvPr id="4" name="Tabela 4">
             <a:extLst>
               <a:ext uri="{FF2B5EF4-FFF2-40B4-BE49-F238E27FC236}">
-                <a16:creationId xmlns:a16="http://schemas.microsoft.com/office/drawing/2014/main" xmlns="" id="{F4B2D296-BDEC-C218-E2B2-76DF5F45B227}"/>
+                <a16:creationId xmlns="" xmlns:a16="http://schemas.microsoft.com/office/drawing/2014/main" id="{F4B2D296-BDEC-C218-E2B2-76DF5F45B227}"/>
               </a:ext>
             </a:extLst>
           </p:cNvPr>
@@ -9108,42 +9463,42 @@
                 <a:gridCol w="1146633">
                   <a:extLst>
                     <a:ext uri="{9D8B030D-6E8A-4147-A177-3AD203B41FA5}">
-                      <a16:colId xmlns:a16="http://schemas.microsoft.com/office/drawing/2014/main" xmlns="" val="1934294912"/>
+                      <a16:colId xmlns="" xmlns:a16="http://schemas.microsoft.com/office/drawing/2014/main" val="1934294912"/>
                     </a:ext>
                   </a:extLst>
                 </a:gridCol>
                 <a:gridCol w="1662974">
                   <a:extLst>
                     <a:ext uri="{9D8B030D-6E8A-4147-A177-3AD203B41FA5}">
-                      <a16:colId xmlns:a16="http://schemas.microsoft.com/office/drawing/2014/main" xmlns="" val="172314416"/>
+                      <a16:colId xmlns="" xmlns:a16="http://schemas.microsoft.com/office/drawing/2014/main" val="172314416"/>
                     </a:ext>
                   </a:extLst>
                 </a:gridCol>
                 <a:gridCol w="1754659">
                   <a:extLst>
                     <a:ext uri="{9D8B030D-6E8A-4147-A177-3AD203B41FA5}">
-                      <a16:colId xmlns:a16="http://schemas.microsoft.com/office/drawing/2014/main" xmlns="" val="1164014426"/>
+                      <a16:colId xmlns="" xmlns:a16="http://schemas.microsoft.com/office/drawing/2014/main" val="1164014426"/>
                     </a:ext>
                   </a:extLst>
                 </a:gridCol>
                 <a:gridCol w="1593485">
                   <a:extLst>
                     <a:ext uri="{9D8B030D-6E8A-4147-A177-3AD203B41FA5}">
-                      <a16:colId xmlns:a16="http://schemas.microsoft.com/office/drawing/2014/main" xmlns="" val="2064211572"/>
+                      <a16:colId xmlns="" xmlns:a16="http://schemas.microsoft.com/office/drawing/2014/main" val="2064211572"/>
                     </a:ext>
                   </a:extLst>
                 </a:gridCol>
                 <a:gridCol w="1593485">
                   <a:extLst>
                     <a:ext uri="{9D8B030D-6E8A-4147-A177-3AD203B41FA5}">
-                      <a16:colId xmlns:a16="http://schemas.microsoft.com/office/drawing/2014/main" xmlns="" val="641811415"/>
+                      <a16:colId xmlns="" xmlns:a16="http://schemas.microsoft.com/office/drawing/2014/main" val="641811415"/>
                     </a:ext>
                   </a:extLst>
                 </a:gridCol>
                 <a:gridCol w="1593485">
                   <a:extLst>
                     <a:ext uri="{9D8B030D-6E8A-4147-A177-3AD203B41FA5}">
-                      <a16:colId xmlns:a16="http://schemas.microsoft.com/office/drawing/2014/main" xmlns="" val="608239403"/>
+                      <a16:colId xmlns="" xmlns:a16="http://schemas.microsoft.com/office/drawing/2014/main" val="608239403"/>
                     </a:ext>
                   </a:extLst>
                 </a:gridCol>
@@ -9269,7 +9624,7 @@
                 </a:tc>
                 <a:extLst>
                   <a:ext uri="{0D108BD9-81ED-4DB2-BD59-A6C34878D82A}">
-                    <a16:rowId xmlns:a16="http://schemas.microsoft.com/office/drawing/2014/main" xmlns="" val="2156804700"/>
+                    <a16:rowId xmlns="" xmlns:a16="http://schemas.microsoft.com/office/drawing/2014/main" val="2156804700"/>
                   </a:ext>
                 </a:extLst>
               </a:tr>
@@ -9400,7 +9755,7 @@
                 </a:tc>
                 <a:extLst>
                   <a:ext uri="{0D108BD9-81ED-4DB2-BD59-A6C34878D82A}">
-                    <a16:rowId xmlns:a16="http://schemas.microsoft.com/office/drawing/2014/main" xmlns="" val="3121812842"/>
+                    <a16:rowId xmlns="" xmlns:a16="http://schemas.microsoft.com/office/drawing/2014/main" val="3121812842"/>
                   </a:ext>
                 </a:extLst>
               </a:tr>
@@ -9492,7 +9847,7 @@
                 </a:tc>
                 <a:extLst>
                   <a:ext uri="{0D108BD9-81ED-4DB2-BD59-A6C34878D82A}">
-                    <a16:rowId xmlns:a16="http://schemas.microsoft.com/office/drawing/2014/main" xmlns="" val="67192086"/>
+                    <a16:rowId xmlns="" xmlns:a16="http://schemas.microsoft.com/office/drawing/2014/main" val="67192086"/>
                   </a:ext>
                 </a:extLst>
               </a:tr>
@@ -9583,7 +9938,7 @@
                 </a:tc>
                 <a:extLst>
                   <a:ext uri="{0D108BD9-81ED-4DB2-BD59-A6C34878D82A}">
-                    <a16:rowId xmlns:a16="http://schemas.microsoft.com/office/drawing/2014/main" xmlns="" val="3060960579"/>
+                    <a16:rowId xmlns="" xmlns:a16="http://schemas.microsoft.com/office/drawing/2014/main" val="3060960579"/>
                   </a:ext>
                 </a:extLst>
               </a:tr>
@@ -9674,7 +10029,7 @@
                 </a:tc>
                 <a:extLst>
                   <a:ext uri="{0D108BD9-81ED-4DB2-BD59-A6C34878D82A}">
-                    <a16:rowId xmlns:a16="http://schemas.microsoft.com/office/drawing/2014/main" xmlns="" val="1230844552"/>
+                    <a16:rowId xmlns="" xmlns:a16="http://schemas.microsoft.com/office/drawing/2014/main" val="1230844552"/>
                   </a:ext>
                 </a:extLst>
               </a:tr>
@@ -9765,7 +10120,7 @@
                 </a:tc>
                 <a:extLst>
                   <a:ext uri="{0D108BD9-81ED-4DB2-BD59-A6C34878D82A}">
-                    <a16:rowId xmlns:a16="http://schemas.microsoft.com/office/drawing/2014/main" xmlns="" val="482253283"/>
+                    <a16:rowId xmlns="" xmlns:a16="http://schemas.microsoft.com/office/drawing/2014/main" val="482253283"/>
                   </a:ext>
                 </a:extLst>
               </a:tr>
@@ -9856,7 +10211,7 @@
                 </a:tc>
                 <a:extLst>
                   <a:ext uri="{0D108BD9-81ED-4DB2-BD59-A6C34878D82A}">
-                    <a16:rowId xmlns:a16="http://schemas.microsoft.com/office/drawing/2014/main" xmlns="" val="4248534087"/>
+                    <a16:rowId xmlns="" xmlns:a16="http://schemas.microsoft.com/office/drawing/2014/main" val="4248534087"/>
                   </a:ext>
                 </a:extLst>
               </a:tr>
@@ -9869,7 +10224,7 @@
           <p:cNvPr id="2050" name="Picture 2">
             <a:extLst>
               <a:ext uri="{FF2B5EF4-FFF2-40B4-BE49-F238E27FC236}">
-                <a16:creationId xmlns:a16="http://schemas.microsoft.com/office/drawing/2014/main" xmlns="" id="{E9B07D62-E6B8-0A9F-4C46-3236B2B0E266}"/>
+                <a16:creationId xmlns="" xmlns:a16="http://schemas.microsoft.com/office/drawing/2014/main" id="{E9B07D62-E6B8-0A9F-4C46-3236B2B0E266}"/>
               </a:ext>
             </a:extLst>
           </p:cNvPr>
@@ -9914,7 +10269,7 @@
           <p:cNvPr id="5" name="Picture 2" descr="Arduino Nano 33 BLE Sense [ABX00031] | Amazon.com.br">
             <a:extLst>
               <a:ext uri="{FF2B5EF4-FFF2-40B4-BE49-F238E27FC236}">
-                <a16:creationId xmlns:a16="http://schemas.microsoft.com/office/drawing/2014/main" xmlns="" id="{69BD64CD-8570-2806-E32F-1B69EF20E10E}"/>
+                <a16:creationId xmlns="" xmlns:a16="http://schemas.microsoft.com/office/drawing/2014/main" id="{69BD64CD-8570-2806-E32F-1B69EF20E10E}"/>
               </a:ext>
             </a:extLst>
           </p:cNvPr>
@@ -9961,7 +10316,7 @@
           <p:cNvPr id="2052" name="Picture 4" descr="Esp32 Esp32 Typc C Placa De Desenvolvimento Wifi + Bluetooth Ultra-baixo  Consumo De Energia Núcleo Duplo Esp-32 Esp-32s Esp 32 Semelhante Esp8266 -  Peças De Reposição - AliExpress">
             <a:extLst>
               <a:ext uri="{FF2B5EF4-FFF2-40B4-BE49-F238E27FC236}">
-                <a16:creationId xmlns:a16="http://schemas.microsoft.com/office/drawing/2014/main" xmlns="" id="{E983D9C4-AB1B-0F40-9F10-5D28AE0F4150}"/>
+                <a16:creationId xmlns="" xmlns:a16="http://schemas.microsoft.com/office/drawing/2014/main" id="{E983D9C4-AB1B-0F40-9F10-5D28AE0F4150}"/>
               </a:ext>
             </a:extLst>
           </p:cNvPr>
@@ -10006,7 +10361,7 @@
           <p:cNvPr id="2054" name="Picture 6" descr="PLACA RASPBERRY PI PICO W - ACEPIC Tecnologia">
             <a:extLst>
               <a:ext uri="{FF2B5EF4-FFF2-40B4-BE49-F238E27FC236}">
-                <a16:creationId xmlns:a16="http://schemas.microsoft.com/office/drawing/2014/main" xmlns="" id="{9C1E59A2-92D3-896D-BAFE-55048A77D662}"/>
+                <a16:creationId xmlns="" xmlns:a16="http://schemas.microsoft.com/office/drawing/2014/main" id="{9C1E59A2-92D3-896D-BAFE-55048A77D662}"/>
               </a:ext>
             </a:extLst>
           </p:cNvPr>
@@ -10053,7 +10408,7 @@
           <p:cNvPr id="2056" name="Picture 8" descr="ABX00042 Arduino | Arduino Portenta H7 Module | 201-1441 | RS Components">
             <a:extLst>
               <a:ext uri="{FF2B5EF4-FFF2-40B4-BE49-F238E27FC236}">
-                <a16:creationId xmlns:a16="http://schemas.microsoft.com/office/drawing/2014/main" xmlns="" id="{4D7F960A-E096-D29C-41B4-CAE0E8590BE9}"/>
+                <a16:creationId xmlns="" xmlns:a16="http://schemas.microsoft.com/office/drawing/2014/main" id="{4D7F960A-E096-D29C-41B4-CAE0E8590BE9}"/>
               </a:ext>
             </a:extLst>
           </p:cNvPr>
@@ -10098,7 +10453,7 @@
           <p:cNvPr id="6" name="CaixaDeTexto 5">
             <a:extLst>
               <a:ext uri="{FF2B5EF4-FFF2-40B4-BE49-F238E27FC236}">
-                <a16:creationId xmlns:a16="http://schemas.microsoft.com/office/drawing/2014/main" xmlns="" id="{DC1D912A-A905-15FA-76C3-045BA036F272}"/>
+                <a16:creationId xmlns="" xmlns:a16="http://schemas.microsoft.com/office/drawing/2014/main" id="{DC1D912A-A905-15FA-76C3-045BA036F272}"/>
               </a:ext>
             </a:extLst>
           </p:cNvPr>
@@ -10137,7 +10492,7 @@
           <p:cNvPr id="8" name="CaixaDeTexto 7">
             <a:extLst>
               <a:ext uri="{FF2B5EF4-FFF2-40B4-BE49-F238E27FC236}">
-                <a16:creationId xmlns:a16="http://schemas.microsoft.com/office/drawing/2014/main" xmlns="" id="{73E94740-FBB8-8B9B-976F-1EEA5624E272}"/>
+                <a16:creationId xmlns="" xmlns:a16="http://schemas.microsoft.com/office/drawing/2014/main" id="{73E94740-FBB8-8B9B-976F-1EEA5624E272}"/>
               </a:ext>
             </a:extLst>
           </p:cNvPr>
@@ -10211,7 +10566,7 @@
           <p:cNvPr id="2" name="Título 1">
             <a:extLst>
               <a:ext uri="{FF2B5EF4-FFF2-40B4-BE49-F238E27FC236}">
-                <a16:creationId xmlns:a16="http://schemas.microsoft.com/office/drawing/2014/main" xmlns="" id="{489485D7-DFAE-F58F-7E1F-7A78693AD39F}"/>
+                <a16:creationId xmlns="" xmlns:a16="http://schemas.microsoft.com/office/drawing/2014/main" id="{02D8A548-721B-2F1C-FA71-406773F1D3EF}"/>
               </a:ext>
             </a:extLst>
           </p:cNvPr>
@@ -10236,7 +10591,7 @@
           <p:cNvPr id="3" name="Espaço Reservado para Conteúdo 2">
             <a:extLst>
               <a:ext uri="{FF2B5EF4-FFF2-40B4-BE49-F238E27FC236}">
-                <a16:creationId xmlns:a16="http://schemas.microsoft.com/office/drawing/2014/main" xmlns="" id="{734D2ADD-D683-3A33-2CAD-E19A144F3CC5}"/>
+                <a16:creationId xmlns="" xmlns:a16="http://schemas.microsoft.com/office/drawing/2014/main" id="{5F8716DE-7ADD-6778-BBE4-F45374A55917}"/>
               </a:ext>
             </a:extLst>
           </p:cNvPr>
@@ -10249,1150 +10604,56 @@
         </p:nvSpPr>
         <p:spPr>
           <a:xfrm>
-            <a:off x="8474926" y="1825625"/>
-            <a:ext cx="2878873" cy="4351338"/>
+            <a:off x="8245642" y="1825624"/>
+            <a:ext cx="3673642" cy="4912059"/>
           </a:xfrm>
         </p:spPr>
         <p:txBody>
           <a:bodyPr/>
           <a:lstStyle/>
           <a:p>
+            <a:r>
+              <a:rPr lang="pt-BR" dirty="0" smtClean="0"/>
+              <a:t>a</a:t>
+            </a:r>
             <a:endParaRPr lang="pt-BR" dirty="0"/>
           </a:p>
         </p:txBody>
       </p:sp>
-      <p:sp>
-        <p:nvSpPr>
-          <p:cNvPr id="4" name="Retângulo 3"/>
-          <p:cNvSpPr/>
+      <p:pic>
+        <p:nvPicPr>
+          <p:cNvPr id="5" name="Imagem 4"/>
+          <p:cNvPicPr>
+            <a:picLocks noChangeAspect="1"/>
+          </p:cNvPicPr>
           <p:nvPr/>
-        </p:nvSpPr>
+        </p:nvPicPr>
+        <p:blipFill>
+          <a:blip r:embed="rId3">
+            <a:extLst>
+              <a:ext uri="{28A0092B-C50C-407E-A947-70E740481C1C}">
+                <a14:useLocalDpi xmlns:a14="http://schemas.microsoft.com/office/drawing/2010/main" val="0"/>
+              </a:ext>
+            </a:extLst>
+          </a:blip>
+          <a:stretch>
+            <a:fillRect/>
+          </a:stretch>
+        </p:blipFill>
         <p:spPr>
           <a:xfrm>
-            <a:off x="8095209" y="1895302"/>
-            <a:ext cx="6517179" cy="3757353"/>
+            <a:off x="731693" y="1690688"/>
+            <a:ext cx="7513949" cy="5213966"/>
           </a:xfrm>
           <a:prstGeom prst="rect">
             <a:avLst/>
           </a:prstGeom>
         </p:spPr>
-        <p:style>
-          <a:lnRef idx="2">
-            <a:schemeClr val="accent1">
-              <a:shade val="50000"/>
-            </a:schemeClr>
-          </a:lnRef>
-          <a:fillRef idx="1">
-            <a:schemeClr val="accent1"/>
-          </a:fillRef>
-          <a:effectRef idx="0">
-            <a:schemeClr val="accent1"/>
-          </a:effectRef>
-          <a:fontRef idx="minor">
-            <a:schemeClr val="lt1"/>
-          </a:fontRef>
-        </p:style>
-        <p:txBody>
-          <a:bodyPr rtlCol="0" anchor="ctr"/>
-          <a:lstStyle/>
-          <a:p>
-            <a:pPr algn="ctr"/>
-            <a:endParaRPr lang="pt-BR"/>
-          </a:p>
-        </p:txBody>
-      </p:sp>
-      <p:cxnSp>
-        <p:nvCxnSpPr>
-          <p:cNvPr id="6" name="Conector de seta reta 5"/>
-          <p:cNvCxnSpPr/>
-          <p:nvPr/>
-        </p:nvCxnSpPr>
-        <p:spPr>
-          <a:xfrm flipV="1">
-            <a:off x="964275" y="2144696"/>
-            <a:ext cx="0" cy="4284000"/>
-          </a:xfrm>
-          <a:prstGeom prst="straightConnector1">
-            <a:avLst/>
-          </a:prstGeom>
-          <a:ln>
-            <a:solidFill>
-              <a:schemeClr val="tx1"/>
-            </a:solidFill>
-            <a:tailEnd type="triangle"/>
-          </a:ln>
-        </p:spPr>
-        <p:style>
-          <a:lnRef idx="1">
-            <a:schemeClr val="accent1"/>
-          </a:lnRef>
-          <a:fillRef idx="0">
-            <a:schemeClr val="accent1"/>
-          </a:fillRef>
-          <a:effectRef idx="0">
-            <a:schemeClr val="accent1"/>
-          </a:effectRef>
-          <a:fontRef idx="minor">
-            <a:schemeClr val="tx1"/>
-          </a:fontRef>
-        </p:style>
-      </p:cxnSp>
-      <p:cxnSp>
-        <p:nvCxnSpPr>
-          <p:cNvPr id="8" name="Conector de seta reta 7"/>
-          <p:cNvCxnSpPr/>
-          <p:nvPr/>
-        </p:nvCxnSpPr>
-        <p:spPr>
-          <a:xfrm>
-            <a:off x="964275" y="6434051"/>
-            <a:ext cx="7128000" cy="0"/>
-          </a:xfrm>
-          <a:prstGeom prst="straightConnector1">
-            <a:avLst/>
-          </a:prstGeom>
-          <a:ln>
-            <a:solidFill>
-              <a:schemeClr val="tx1"/>
-            </a:solidFill>
-            <a:tailEnd type="triangle"/>
-          </a:ln>
-        </p:spPr>
-        <p:style>
-          <a:lnRef idx="1">
-            <a:schemeClr val="accent1"/>
-          </a:lnRef>
-          <a:fillRef idx="0">
-            <a:schemeClr val="accent1"/>
-          </a:fillRef>
-          <a:effectRef idx="0">
-            <a:schemeClr val="accent1"/>
-          </a:effectRef>
-          <a:fontRef idx="minor">
-            <a:schemeClr val="tx1"/>
-          </a:fontRef>
-        </p:style>
-      </p:cxnSp>
-      <p:sp>
-        <p:nvSpPr>
-          <p:cNvPr id="9" name="Retângulo 8"/>
-          <p:cNvSpPr/>
-          <p:nvPr/>
-        </p:nvSpPr>
-        <p:spPr>
-          <a:xfrm>
-            <a:off x="1086196" y="5652655"/>
-            <a:ext cx="781397" cy="695095"/>
-          </a:xfrm>
-          <a:prstGeom prst="rect">
-            <a:avLst/>
-          </a:prstGeom>
-          <a:solidFill>
-            <a:srgbClr val="00B050"/>
-          </a:solidFill>
-          <a:ln>
-            <a:noFill/>
-          </a:ln>
-        </p:spPr>
-        <p:style>
-          <a:lnRef idx="2">
-            <a:schemeClr val="accent1">
-              <a:shade val="50000"/>
-            </a:schemeClr>
-          </a:lnRef>
-          <a:fillRef idx="1">
-            <a:schemeClr val="accent1"/>
-          </a:fillRef>
-          <a:effectRef idx="0">
-            <a:schemeClr val="accent1"/>
-          </a:effectRef>
-          <a:fontRef idx="minor">
-            <a:schemeClr val="lt1"/>
-          </a:fontRef>
-        </p:style>
-        <p:txBody>
-          <a:bodyPr rtlCol="0" anchor="ctr"/>
-          <a:lstStyle/>
-          <a:p>
-            <a:pPr algn="ctr"/>
-            <a:r>
-              <a:rPr lang="pt-BR" dirty="0" smtClean="0"/>
-              <a:t>M0+</a:t>
-            </a:r>
-            <a:endParaRPr lang="pt-BR" dirty="0"/>
-          </a:p>
-        </p:txBody>
-      </p:sp>
-      <p:sp>
-        <p:nvSpPr>
-          <p:cNvPr id="10" name="Retângulo 9"/>
-          <p:cNvSpPr/>
-          <p:nvPr/>
-        </p:nvSpPr>
-        <p:spPr>
-          <a:xfrm>
-            <a:off x="2247310" y="5652654"/>
-            <a:ext cx="781397" cy="695095"/>
-          </a:xfrm>
-          <a:prstGeom prst="rect">
-            <a:avLst/>
-          </a:prstGeom>
-          <a:solidFill>
-            <a:srgbClr val="00B050"/>
-          </a:solidFill>
-          <a:ln>
-            <a:noFill/>
-          </a:ln>
-        </p:spPr>
-        <p:style>
-          <a:lnRef idx="2">
-            <a:schemeClr val="accent1">
-              <a:shade val="50000"/>
-            </a:schemeClr>
-          </a:lnRef>
-          <a:fillRef idx="1">
-            <a:schemeClr val="accent1"/>
-          </a:fillRef>
-          <a:effectRef idx="0">
-            <a:schemeClr val="accent1"/>
-          </a:effectRef>
-          <a:fontRef idx="minor">
-            <a:schemeClr val="lt1"/>
-          </a:fontRef>
-        </p:style>
-        <p:txBody>
-          <a:bodyPr rtlCol="0" anchor="ctr"/>
-          <a:lstStyle/>
-          <a:p>
-            <a:pPr algn="ctr"/>
-            <a:r>
-              <a:rPr lang="pt-BR" dirty="0" smtClean="0"/>
-              <a:t>M0</a:t>
-            </a:r>
-            <a:endParaRPr lang="pt-BR" dirty="0"/>
-          </a:p>
-        </p:txBody>
-      </p:sp>
-      <p:sp>
-        <p:nvSpPr>
-          <p:cNvPr id="11" name="Retângulo 10"/>
-          <p:cNvSpPr/>
-          <p:nvPr/>
-        </p:nvSpPr>
-        <p:spPr>
-          <a:xfrm>
-            <a:off x="2250184" y="4575174"/>
-            <a:ext cx="781397" cy="695095"/>
-          </a:xfrm>
-          <a:prstGeom prst="rect">
-            <a:avLst/>
-          </a:prstGeom>
-          <a:solidFill>
-            <a:srgbClr val="00B050"/>
-          </a:solidFill>
-          <a:ln>
-            <a:noFill/>
-          </a:ln>
-        </p:spPr>
-        <p:style>
-          <a:lnRef idx="2">
-            <a:schemeClr val="accent1">
-              <a:shade val="50000"/>
-            </a:schemeClr>
-          </a:lnRef>
-          <a:fillRef idx="1">
-            <a:schemeClr val="accent1"/>
-          </a:fillRef>
-          <a:effectRef idx="0">
-            <a:schemeClr val="accent1"/>
-          </a:effectRef>
-          <a:fontRef idx="minor">
-            <a:schemeClr val="lt1"/>
-          </a:fontRef>
-        </p:style>
-        <p:txBody>
-          <a:bodyPr rtlCol="0" anchor="ctr"/>
-          <a:lstStyle/>
-          <a:p>
-            <a:pPr algn="ctr"/>
-            <a:r>
-              <a:rPr lang="pt-BR" dirty="0" smtClean="0"/>
-              <a:t>M3</a:t>
-            </a:r>
-            <a:endParaRPr lang="pt-BR" dirty="0"/>
-          </a:p>
-        </p:txBody>
-      </p:sp>
-      <p:sp>
-        <p:nvSpPr>
-          <p:cNvPr id="12" name="Retângulo 11"/>
-          <p:cNvSpPr/>
-          <p:nvPr/>
-        </p:nvSpPr>
-        <p:spPr>
-          <a:xfrm>
-            <a:off x="3374272" y="4538749"/>
-            <a:ext cx="781397" cy="695095"/>
-          </a:xfrm>
-          <a:prstGeom prst="rect">
-            <a:avLst/>
-          </a:prstGeom>
-          <a:solidFill>
-            <a:srgbClr val="00B050"/>
-          </a:solidFill>
-          <a:ln>
-            <a:noFill/>
-          </a:ln>
-        </p:spPr>
-        <p:style>
-          <a:lnRef idx="2">
-            <a:schemeClr val="accent1">
-              <a:shade val="50000"/>
-            </a:schemeClr>
-          </a:lnRef>
-          <a:fillRef idx="1">
-            <a:schemeClr val="accent1"/>
-          </a:fillRef>
-          <a:effectRef idx="0">
-            <a:schemeClr val="accent1"/>
-          </a:effectRef>
-          <a:fontRef idx="minor">
-            <a:schemeClr val="lt1"/>
-          </a:fontRef>
-        </p:style>
-        <p:txBody>
-          <a:bodyPr rtlCol="0" anchor="ctr"/>
-          <a:lstStyle/>
-          <a:p>
-            <a:pPr algn="ctr"/>
-            <a:r>
-              <a:rPr lang="pt-BR" dirty="0" smtClean="0"/>
-              <a:t>M4</a:t>
-            </a:r>
-            <a:endParaRPr lang="pt-BR" dirty="0"/>
-          </a:p>
-        </p:txBody>
-      </p:sp>
-      <p:sp>
-        <p:nvSpPr>
-          <p:cNvPr id="13" name="Retângulo 12"/>
-          <p:cNvSpPr/>
-          <p:nvPr/>
-        </p:nvSpPr>
-        <p:spPr>
-          <a:xfrm>
-            <a:off x="4238796" y="3367274"/>
-            <a:ext cx="781397" cy="695095"/>
-          </a:xfrm>
-          <a:prstGeom prst="rect">
-            <a:avLst/>
-          </a:prstGeom>
-          <a:solidFill>
-            <a:schemeClr val="accent4"/>
-          </a:solidFill>
-          <a:ln>
-            <a:noFill/>
-          </a:ln>
-        </p:spPr>
-        <p:style>
-          <a:lnRef idx="2">
-            <a:schemeClr val="accent1">
-              <a:shade val="50000"/>
-            </a:schemeClr>
-          </a:lnRef>
-          <a:fillRef idx="1">
-            <a:schemeClr val="accent1"/>
-          </a:fillRef>
-          <a:effectRef idx="0">
-            <a:schemeClr val="accent1"/>
-          </a:effectRef>
-          <a:fontRef idx="minor">
-            <a:schemeClr val="lt1"/>
-          </a:fontRef>
-        </p:style>
-        <p:txBody>
-          <a:bodyPr rtlCol="0" anchor="ctr"/>
-          <a:lstStyle/>
-          <a:p>
-            <a:pPr algn="ctr"/>
-            <a:r>
-              <a:rPr lang="pt-BR" dirty="0" smtClean="0"/>
-              <a:t>R4</a:t>
-            </a:r>
-            <a:endParaRPr lang="pt-BR" dirty="0"/>
-          </a:p>
-        </p:txBody>
-      </p:sp>
-      <p:grpSp>
-        <p:nvGrpSpPr>
-          <p:cNvPr id="28" name="Grupo 27"/>
-          <p:cNvGrpSpPr/>
-          <p:nvPr/>
-        </p:nvGrpSpPr>
-        <p:grpSpPr>
-          <a:xfrm>
-            <a:off x="5361118" y="3234889"/>
-            <a:ext cx="897671" cy="827480"/>
-            <a:chOff x="5361118" y="3234889"/>
-            <a:chExt cx="897671" cy="827480"/>
-          </a:xfrm>
-        </p:grpSpPr>
-        <p:sp>
-          <p:nvSpPr>
-            <p:cNvPr id="27" name="Retângulo 26"/>
-            <p:cNvSpPr/>
-            <p:nvPr/>
-          </p:nvSpPr>
-          <p:spPr>
-            <a:xfrm>
-              <a:off x="5477392" y="3234889"/>
-              <a:ext cx="781397" cy="695095"/>
-            </a:xfrm>
-            <a:prstGeom prst="rect">
-              <a:avLst/>
-            </a:prstGeom>
-            <a:solidFill>
-              <a:schemeClr val="accent4">
-                <a:lumMod val="40000"/>
-                <a:lumOff val="60000"/>
-              </a:schemeClr>
-            </a:solidFill>
-            <a:ln>
-              <a:solidFill>
-                <a:schemeClr val="bg1"/>
-              </a:solidFill>
-            </a:ln>
-          </p:spPr>
-          <p:style>
-            <a:lnRef idx="2">
-              <a:schemeClr val="accent1">
-                <a:shade val="50000"/>
-              </a:schemeClr>
-            </a:lnRef>
-            <a:fillRef idx="1">
-              <a:schemeClr val="accent1"/>
-            </a:fillRef>
-            <a:effectRef idx="0">
-              <a:schemeClr val="accent1"/>
-            </a:effectRef>
-            <a:fontRef idx="minor">
-              <a:schemeClr val="lt1"/>
-            </a:fontRef>
-          </p:style>
-          <p:txBody>
-            <a:bodyPr rtlCol="0" anchor="ctr"/>
-            <a:lstStyle/>
-            <a:p>
-              <a:pPr algn="ctr"/>
-              <a:endParaRPr lang="pt-BR" dirty="0"/>
-            </a:p>
-          </p:txBody>
-        </p:sp>
-        <p:sp>
-          <p:nvSpPr>
-            <p:cNvPr id="14" name="Retângulo 13"/>
-            <p:cNvSpPr/>
-            <p:nvPr/>
-          </p:nvSpPr>
-          <p:spPr>
-            <a:xfrm>
-              <a:off x="5361118" y="3367274"/>
-              <a:ext cx="781397" cy="695095"/>
-            </a:xfrm>
-            <a:prstGeom prst="rect">
-              <a:avLst/>
-            </a:prstGeom>
-            <a:solidFill>
-              <a:schemeClr val="accent4"/>
-            </a:solidFill>
-            <a:ln>
-              <a:noFill/>
-            </a:ln>
-          </p:spPr>
-          <p:style>
-            <a:lnRef idx="2">
-              <a:schemeClr val="accent1">
-                <a:shade val="50000"/>
-              </a:schemeClr>
-            </a:lnRef>
-            <a:fillRef idx="1">
-              <a:schemeClr val="accent1"/>
-            </a:fillRef>
-            <a:effectRef idx="0">
-              <a:schemeClr val="accent1"/>
-            </a:effectRef>
-            <a:fontRef idx="minor">
-              <a:schemeClr val="lt1"/>
-            </a:fontRef>
-          </p:style>
-          <p:txBody>
-            <a:bodyPr rtlCol="0" anchor="ctr"/>
-            <a:lstStyle/>
-            <a:p>
-              <a:pPr algn="ctr"/>
-              <a:r>
-                <a:rPr lang="pt-BR" dirty="0" smtClean="0"/>
-                <a:t>R5</a:t>
-              </a:r>
-              <a:endParaRPr lang="pt-BR" dirty="0"/>
-            </a:p>
-          </p:txBody>
-        </p:sp>
-      </p:grpSp>
-      <p:grpSp>
-        <p:nvGrpSpPr>
-          <p:cNvPr id="21" name="Grupo 20"/>
-          <p:cNvGrpSpPr/>
-          <p:nvPr/>
-        </p:nvGrpSpPr>
-        <p:grpSpPr>
-          <a:xfrm>
-            <a:off x="4996638" y="1849165"/>
-            <a:ext cx="1196063" cy="1041730"/>
-            <a:chOff x="4996638" y="1849165"/>
-            <a:chExt cx="1196063" cy="1041730"/>
-          </a:xfrm>
-        </p:grpSpPr>
-        <p:sp>
-          <p:nvSpPr>
-            <p:cNvPr id="20" name="Retângulo 19"/>
-            <p:cNvSpPr/>
-            <p:nvPr/>
-          </p:nvSpPr>
-          <p:spPr>
-            <a:xfrm>
-              <a:off x="5411304" y="1849165"/>
-              <a:ext cx="781397" cy="695095"/>
-            </a:xfrm>
-            <a:prstGeom prst="rect">
-              <a:avLst/>
-            </a:prstGeom>
-            <a:solidFill>
-              <a:schemeClr val="accent1">
-                <a:lumMod val="20000"/>
-                <a:lumOff val="80000"/>
-              </a:schemeClr>
-            </a:solidFill>
-            <a:ln>
-              <a:solidFill>
-                <a:schemeClr val="bg1"/>
-              </a:solidFill>
-            </a:ln>
-          </p:spPr>
-          <p:style>
-            <a:lnRef idx="2">
-              <a:schemeClr val="accent1">
-                <a:shade val="50000"/>
-              </a:schemeClr>
-            </a:lnRef>
-            <a:fillRef idx="1">
-              <a:schemeClr val="accent1"/>
-            </a:fillRef>
-            <a:effectRef idx="0">
-              <a:schemeClr val="accent1"/>
-            </a:effectRef>
-            <a:fontRef idx="minor">
-              <a:schemeClr val="lt1"/>
-            </a:fontRef>
-          </p:style>
-          <p:txBody>
-            <a:bodyPr rtlCol="0" anchor="ctr"/>
-            <a:lstStyle/>
-            <a:p>
-              <a:pPr algn="ctr"/>
-              <a:endParaRPr lang="pt-BR" dirty="0"/>
-            </a:p>
-          </p:txBody>
-        </p:sp>
-        <p:sp>
-          <p:nvSpPr>
-            <p:cNvPr id="19" name="Retângulo 18"/>
-            <p:cNvSpPr/>
-            <p:nvPr/>
-          </p:nvSpPr>
-          <p:spPr>
-            <a:xfrm>
-              <a:off x="5275631" y="1962717"/>
-              <a:ext cx="781397" cy="695095"/>
-            </a:xfrm>
-            <a:prstGeom prst="rect">
-              <a:avLst/>
-            </a:prstGeom>
-            <a:solidFill>
-              <a:schemeClr val="accent1">
-                <a:lumMod val="20000"/>
-                <a:lumOff val="80000"/>
-              </a:schemeClr>
-            </a:solidFill>
-            <a:ln>
-              <a:solidFill>
-                <a:schemeClr val="bg1"/>
-              </a:solidFill>
-            </a:ln>
-          </p:spPr>
-          <p:style>
-            <a:lnRef idx="2">
-              <a:schemeClr val="accent1">
-                <a:shade val="50000"/>
-              </a:schemeClr>
-            </a:lnRef>
-            <a:fillRef idx="1">
-              <a:schemeClr val="accent1"/>
-            </a:fillRef>
-            <a:effectRef idx="0">
-              <a:schemeClr val="accent1"/>
-            </a:effectRef>
-            <a:fontRef idx="minor">
-              <a:schemeClr val="lt1"/>
-            </a:fontRef>
-          </p:style>
-          <p:txBody>
-            <a:bodyPr rtlCol="0" anchor="ctr"/>
-            <a:lstStyle/>
-            <a:p>
-              <a:pPr algn="ctr"/>
-              <a:endParaRPr lang="pt-BR" dirty="0"/>
-            </a:p>
-          </p:txBody>
-        </p:sp>
-        <p:sp>
-          <p:nvSpPr>
-            <p:cNvPr id="18" name="Retângulo 17"/>
-            <p:cNvSpPr/>
-            <p:nvPr/>
-          </p:nvSpPr>
-          <p:spPr>
-            <a:xfrm>
-              <a:off x="5114002" y="2072075"/>
-              <a:ext cx="781397" cy="695095"/>
-            </a:xfrm>
-            <a:prstGeom prst="rect">
-              <a:avLst/>
-            </a:prstGeom>
-            <a:solidFill>
-              <a:schemeClr val="accent1">
-                <a:lumMod val="20000"/>
-                <a:lumOff val="80000"/>
-              </a:schemeClr>
-            </a:solidFill>
-            <a:ln>
-              <a:solidFill>
-                <a:schemeClr val="bg1"/>
-              </a:solidFill>
-            </a:ln>
-          </p:spPr>
-          <p:style>
-            <a:lnRef idx="2">
-              <a:schemeClr val="accent1">
-                <a:shade val="50000"/>
-              </a:schemeClr>
-            </a:lnRef>
-            <a:fillRef idx="1">
-              <a:schemeClr val="accent1"/>
-            </a:fillRef>
-            <a:effectRef idx="0">
-              <a:schemeClr val="accent1"/>
-            </a:effectRef>
-            <a:fontRef idx="minor">
-              <a:schemeClr val="lt1"/>
-            </a:fontRef>
-          </p:style>
-          <p:txBody>
-            <a:bodyPr rtlCol="0" anchor="ctr"/>
-            <a:lstStyle/>
-            <a:p>
-              <a:pPr algn="ctr"/>
-              <a:endParaRPr lang="pt-BR" dirty="0"/>
-            </a:p>
-          </p:txBody>
-        </p:sp>
-        <p:sp>
-          <p:nvSpPr>
-            <p:cNvPr id="16" name="Retângulo 15"/>
-            <p:cNvSpPr/>
-            <p:nvPr/>
-          </p:nvSpPr>
-          <p:spPr>
-            <a:xfrm>
-              <a:off x="4996638" y="2195800"/>
-              <a:ext cx="781397" cy="695095"/>
-            </a:xfrm>
-            <a:prstGeom prst="rect">
-              <a:avLst/>
-            </a:prstGeom>
-            <a:solidFill>
-              <a:srgbClr val="00B0F0"/>
-            </a:solidFill>
-            <a:ln>
-              <a:noFill/>
-            </a:ln>
-          </p:spPr>
-          <p:style>
-            <a:lnRef idx="2">
-              <a:schemeClr val="accent1">
-                <a:shade val="50000"/>
-              </a:schemeClr>
-            </a:lnRef>
-            <a:fillRef idx="1">
-              <a:schemeClr val="accent1"/>
-            </a:fillRef>
-            <a:effectRef idx="0">
-              <a:schemeClr val="accent1"/>
-            </a:effectRef>
-            <a:fontRef idx="minor">
-              <a:schemeClr val="lt1"/>
-            </a:fontRef>
-          </p:style>
-          <p:txBody>
-            <a:bodyPr rtlCol="0" anchor="ctr"/>
-            <a:lstStyle/>
-            <a:p>
-              <a:pPr algn="ctr"/>
-              <a:r>
-                <a:rPr lang="pt-BR" dirty="0" smtClean="0"/>
-                <a:t>A5</a:t>
-              </a:r>
-              <a:endParaRPr lang="pt-BR" dirty="0"/>
-            </a:p>
-          </p:txBody>
-        </p:sp>
-      </p:grpSp>
-      <p:grpSp>
-        <p:nvGrpSpPr>
-          <p:cNvPr id="22" name="Grupo 21"/>
-          <p:cNvGrpSpPr/>
-          <p:nvPr/>
-        </p:nvGrpSpPr>
-        <p:grpSpPr>
-          <a:xfrm>
-            <a:off x="6520549" y="1898757"/>
-            <a:ext cx="1196063" cy="1041730"/>
-            <a:chOff x="4996638" y="1849165"/>
-            <a:chExt cx="1196063" cy="1041730"/>
-          </a:xfrm>
-        </p:grpSpPr>
-        <p:sp>
-          <p:nvSpPr>
-            <p:cNvPr id="23" name="Retângulo 22"/>
-            <p:cNvSpPr/>
-            <p:nvPr/>
-          </p:nvSpPr>
-          <p:spPr>
-            <a:xfrm>
-              <a:off x="5411304" y="1849165"/>
-              <a:ext cx="781397" cy="695095"/>
-            </a:xfrm>
-            <a:prstGeom prst="rect">
-              <a:avLst/>
-            </a:prstGeom>
-            <a:solidFill>
-              <a:schemeClr val="accent1">
-                <a:lumMod val="20000"/>
-                <a:lumOff val="80000"/>
-              </a:schemeClr>
-            </a:solidFill>
-            <a:ln>
-              <a:solidFill>
-                <a:schemeClr val="bg1"/>
-              </a:solidFill>
-            </a:ln>
-          </p:spPr>
-          <p:style>
-            <a:lnRef idx="2">
-              <a:schemeClr val="accent1">
-                <a:shade val="50000"/>
-              </a:schemeClr>
-            </a:lnRef>
-            <a:fillRef idx="1">
-              <a:schemeClr val="accent1"/>
-            </a:fillRef>
-            <a:effectRef idx="0">
-              <a:schemeClr val="accent1"/>
-            </a:effectRef>
-            <a:fontRef idx="minor">
-              <a:schemeClr val="lt1"/>
-            </a:fontRef>
-          </p:style>
-          <p:txBody>
-            <a:bodyPr rtlCol="0" anchor="ctr"/>
-            <a:lstStyle/>
-            <a:p>
-              <a:pPr algn="ctr"/>
-              <a:endParaRPr lang="pt-BR" dirty="0"/>
-            </a:p>
-          </p:txBody>
-        </p:sp>
-        <p:sp>
-          <p:nvSpPr>
-            <p:cNvPr id="24" name="Retângulo 23"/>
-            <p:cNvSpPr/>
-            <p:nvPr/>
-          </p:nvSpPr>
-          <p:spPr>
-            <a:xfrm>
-              <a:off x="5275631" y="1962717"/>
-              <a:ext cx="781397" cy="695095"/>
-            </a:xfrm>
-            <a:prstGeom prst="rect">
-              <a:avLst/>
-            </a:prstGeom>
-            <a:solidFill>
-              <a:schemeClr val="accent1">
-                <a:lumMod val="20000"/>
-                <a:lumOff val="80000"/>
-              </a:schemeClr>
-            </a:solidFill>
-            <a:ln>
-              <a:solidFill>
-                <a:schemeClr val="bg1"/>
-              </a:solidFill>
-            </a:ln>
-          </p:spPr>
-          <p:style>
-            <a:lnRef idx="2">
-              <a:schemeClr val="accent1">
-                <a:shade val="50000"/>
-              </a:schemeClr>
-            </a:lnRef>
-            <a:fillRef idx="1">
-              <a:schemeClr val="accent1"/>
-            </a:fillRef>
-            <a:effectRef idx="0">
-              <a:schemeClr val="accent1"/>
-            </a:effectRef>
-            <a:fontRef idx="minor">
-              <a:schemeClr val="lt1"/>
-            </a:fontRef>
-          </p:style>
-          <p:txBody>
-            <a:bodyPr rtlCol="0" anchor="ctr"/>
-            <a:lstStyle/>
-            <a:p>
-              <a:pPr algn="ctr"/>
-              <a:endParaRPr lang="pt-BR" dirty="0"/>
-            </a:p>
-          </p:txBody>
-        </p:sp>
-        <p:sp>
-          <p:nvSpPr>
-            <p:cNvPr id="25" name="Retângulo 24"/>
-            <p:cNvSpPr/>
-            <p:nvPr/>
-          </p:nvSpPr>
-          <p:spPr>
-            <a:xfrm>
-              <a:off x="5114002" y="2072075"/>
-              <a:ext cx="781397" cy="695095"/>
-            </a:xfrm>
-            <a:prstGeom prst="rect">
-              <a:avLst/>
-            </a:prstGeom>
-            <a:solidFill>
-              <a:schemeClr val="accent1">
-                <a:lumMod val="20000"/>
-                <a:lumOff val="80000"/>
-              </a:schemeClr>
-            </a:solidFill>
-            <a:ln>
-              <a:solidFill>
-                <a:schemeClr val="bg1"/>
-              </a:solidFill>
-            </a:ln>
-          </p:spPr>
-          <p:style>
-            <a:lnRef idx="2">
-              <a:schemeClr val="accent1">
-                <a:shade val="50000"/>
-              </a:schemeClr>
-            </a:lnRef>
-            <a:fillRef idx="1">
-              <a:schemeClr val="accent1"/>
-            </a:fillRef>
-            <a:effectRef idx="0">
-              <a:schemeClr val="accent1"/>
-            </a:effectRef>
-            <a:fontRef idx="minor">
-              <a:schemeClr val="lt1"/>
-            </a:fontRef>
-          </p:style>
-          <p:txBody>
-            <a:bodyPr rtlCol="0" anchor="ctr"/>
-            <a:lstStyle/>
-            <a:p>
-              <a:pPr algn="ctr"/>
-              <a:endParaRPr lang="pt-BR" dirty="0"/>
-            </a:p>
-          </p:txBody>
-        </p:sp>
-        <p:sp>
-          <p:nvSpPr>
-            <p:cNvPr id="26" name="Retângulo 25"/>
-            <p:cNvSpPr/>
-            <p:nvPr/>
-          </p:nvSpPr>
-          <p:spPr>
-            <a:xfrm>
-              <a:off x="4996638" y="2195800"/>
-              <a:ext cx="781397" cy="695095"/>
-            </a:xfrm>
-            <a:prstGeom prst="rect">
-              <a:avLst/>
-            </a:prstGeom>
-            <a:solidFill>
-              <a:srgbClr val="00B0F0"/>
-            </a:solidFill>
-            <a:ln>
-              <a:noFill/>
-            </a:ln>
-          </p:spPr>
-          <p:style>
-            <a:lnRef idx="2">
-              <a:schemeClr val="accent1">
-                <a:shade val="50000"/>
-              </a:schemeClr>
-            </a:lnRef>
-            <a:fillRef idx="1">
-              <a:schemeClr val="accent1"/>
-            </a:fillRef>
-            <a:effectRef idx="0">
-              <a:schemeClr val="accent1"/>
-            </a:effectRef>
-            <a:fontRef idx="minor">
-              <a:schemeClr val="lt1"/>
-            </a:fontRef>
-          </p:style>
-          <p:txBody>
-            <a:bodyPr rtlCol="0" anchor="ctr"/>
-            <a:lstStyle/>
-            <a:p>
-              <a:pPr algn="ctr"/>
-              <a:r>
-                <a:rPr lang="pt-BR" dirty="0" smtClean="0"/>
-                <a:t>A9</a:t>
-              </a:r>
-              <a:endParaRPr lang="pt-BR" dirty="0"/>
-            </a:p>
-          </p:txBody>
-        </p:sp>
-      </p:grpSp>
-      <p:grpSp>
-        <p:nvGrpSpPr>
-          <p:cNvPr id="29" name="Grupo 28"/>
-          <p:cNvGrpSpPr/>
-          <p:nvPr/>
-        </p:nvGrpSpPr>
-        <p:grpSpPr>
-          <a:xfrm>
-            <a:off x="6579775" y="3189489"/>
-            <a:ext cx="897671" cy="827480"/>
-            <a:chOff x="5361118" y="3234889"/>
-            <a:chExt cx="897671" cy="827480"/>
-          </a:xfrm>
-        </p:grpSpPr>
-        <p:sp>
-          <p:nvSpPr>
-            <p:cNvPr id="30" name="Retângulo 29"/>
-            <p:cNvSpPr/>
-            <p:nvPr/>
-          </p:nvSpPr>
-          <p:spPr>
-            <a:xfrm>
-              <a:off x="5477392" y="3234889"/>
-              <a:ext cx="781397" cy="695095"/>
-            </a:xfrm>
-            <a:prstGeom prst="rect">
-              <a:avLst/>
-            </a:prstGeom>
-            <a:solidFill>
-              <a:schemeClr val="accent4">
-                <a:lumMod val="40000"/>
-                <a:lumOff val="60000"/>
-              </a:schemeClr>
-            </a:solidFill>
-            <a:ln>
-              <a:solidFill>
-                <a:schemeClr val="bg1"/>
-              </a:solidFill>
-            </a:ln>
-          </p:spPr>
-          <p:style>
-            <a:lnRef idx="2">
-              <a:schemeClr val="accent1">
-                <a:shade val="50000"/>
-              </a:schemeClr>
-            </a:lnRef>
-            <a:fillRef idx="1">
-              <a:schemeClr val="accent1"/>
-            </a:fillRef>
-            <a:effectRef idx="0">
-              <a:schemeClr val="accent1"/>
-            </a:effectRef>
-            <a:fontRef idx="minor">
-              <a:schemeClr val="lt1"/>
-            </a:fontRef>
-          </p:style>
-          <p:txBody>
-            <a:bodyPr rtlCol="0" anchor="ctr"/>
-            <a:lstStyle/>
-            <a:p>
-              <a:pPr algn="ctr"/>
-              <a:endParaRPr lang="pt-BR" dirty="0"/>
-            </a:p>
-          </p:txBody>
-        </p:sp>
-        <p:sp>
-          <p:nvSpPr>
-            <p:cNvPr id="31" name="Retângulo 30"/>
-            <p:cNvSpPr/>
-            <p:nvPr/>
-          </p:nvSpPr>
-          <p:spPr>
-            <a:xfrm>
-              <a:off x="5361118" y="3367274"/>
-              <a:ext cx="781397" cy="695095"/>
-            </a:xfrm>
-            <a:prstGeom prst="rect">
-              <a:avLst/>
-            </a:prstGeom>
-            <a:solidFill>
-              <a:schemeClr val="accent4"/>
-            </a:solidFill>
-            <a:ln>
-              <a:noFill/>
-            </a:ln>
-          </p:spPr>
-          <p:style>
-            <a:lnRef idx="2">
-              <a:schemeClr val="accent1">
-                <a:shade val="50000"/>
-              </a:schemeClr>
-            </a:lnRef>
-            <a:fillRef idx="1">
-              <a:schemeClr val="accent1"/>
-            </a:fillRef>
-            <a:effectRef idx="0">
-              <a:schemeClr val="accent1"/>
-            </a:effectRef>
-            <a:fontRef idx="minor">
-              <a:schemeClr val="lt1"/>
-            </a:fontRef>
-          </p:style>
-          <p:txBody>
-            <a:bodyPr rtlCol="0" anchor="ctr"/>
-            <a:lstStyle/>
-            <a:p>
-              <a:pPr algn="ctr"/>
-              <a:r>
-                <a:rPr lang="pt-BR" dirty="0" smtClean="0"/>
-                <a:t>R7</a:t>
-              </a:r>
-              <a:endParaRPr lang="pt-BR" dirty="0"/>
-            </a:p>
-          </p:txBody>
-        </p:sp>
-      </p:grpSp>
-      <p:cxnSp>
-        <p:nvCxnSpPr>
-          <p:cNvPr id="37" name="Conector de seta reta 36"/>
-          <p:cNvCxnSpPr/>
-          <p:nvPr/>
-        </p:nvCxnSpPr>
-        <p:spPr>
-          <a:xfrm flipV="1">
-            <a:off x="2047700" y="2119974"/>
-            <a:ext cx="0" cy="4284000"/>
-          </a:xfrm>
-          <a:prstGeom prst="straightConnector1">
-            <a:avLst/>
-          </a:prstGeom>
-          <a:ln>
-            <a:solidFill>
-              <a:schemeClr val="tx1"/>
-            </a:solidFill>
-            <a:headEnd type="none" w="med" len="med"/>
-            <a:tailEnd type="none" w="med" len="med"/>
-          </a:ln>
-        </p:spPr>
-        <p:style>
-          <a:lnRef idx="1">
-            <a:schemeClr val="accent1"/>
-          </a:lnRef>
-          <a:fillRef idx="0">
-            <a:schemeClr val="accent1"/>
-          </a:fillRef>
-          <a:effectRef idx="0">
-            <a:schemeClr val="accent1"/>
-          </a:effectRef>
-          <a:fontRef idx="minor">
-            <a:schemeClr val="tx1"/>
-          </a:fontRef>
-        </p:style>
-      </p:cxnSp>
-      <p:sp>
-        <p:nvSpPr>
-          <p:cNvPr id="38" name="CaixaDeTexto 37"/>
-          <p:cNvSpPr txBox="1"/>
-          <p:nvPr/>
-        </p:nvSpPr>
-        <p:spPr>
-          <a:xfrm rot="16200000">
-            <a:off x="177452" y="2251267"/>
-            <a:ext cx="1204313" cy="400110"/>
-          </a:xfrm>
-          <a:prstGeom prst="rect">
-            <a:avLst/>
-          </a:prstGeom>
-          <a:noFill/>
-        </p:spPr>
-        <p:txBody>
-          <a:bodyPr wrap="square" rtlCol="0">
-            <a:spAutoFit/>
-          </a:bodyPr>
-          <a:lstStyle/>
-          <a:p>
-            <a:pPr algn="ctr"/>
-            <a:r>
-              <a:rPr lang="pt-BR" sz="2000" dirty="0" smtClean="0"/>
-              <a:t>Potência</a:t>
-            </a:r>
-            <a:endParaRPr lang="pt-BR" sz="2000" dirty="0"/>
-          </a:p>
-        </p:txBody>
-      </p:sp>
-      <p:sp>
-        <p:nvSpPr>
-          <p:cNvPr id="39" name="CaixaDeTexto 38"/>
-          <p:cNvSpPr txBox="1"/>
-          <p:nvPr/>
-        </p:nvSpPr>
-        <p:spPr>
-          <a:xfrm>
-            <a:off x="6492160" y="6483643"/>
-            <a:ext cx="1738023" cy="400110"/>
-          </a:xfrm>
-          <a:prstGeom prst="rect">
-            <a:avLst/>
-          </a:prstGeom>
-          <a:noFill/>
-        </p:spPr>
-        <p:txBody>
-          <a:bodyPr wrap="square" rtlCol="0">
-            <a:spAutoFit/>
-          </a:bodyPr>
-          <a:lstStyle/>
-          <a:p>
-            <a:pPr algn="ctr"/>
-            <a:r>
-              <a:rPr lang="pt-BR" sz="2000" b="1" dirty="0" smtClean="0"/>
-              <a:t>Complexidade</a:t>
-            </a:r>
-          </a:p>
-        </p:txBody>
-      </p:sp>
+      </p:pic>
     </p:spTree>
     <p:extLst>
       <p:ext uri="{BB962C8B-B14F-4D97-AF65-F5344CB8AC3E}">
-        <p14:creationId xmlns:p14="http://schemas.microsoft.com/office/powerpoint/2010/main" val="1193882912"/>
+        <p14:creationId xmlns:p14="http://schemas.microsoft.com/office/powerpoint/2010/main" val="2663931904"/>
       </p:ext>
     </p:extLst>
   </p:cSld>
@@ -11424,7 +10685,7 @@
           <p:cNvPr id="2" name="Título 1">
             <a:extLst>
               <a:ext uri="{FF2B5EF4-FFF2-40B4-BE49-F238E27FC236}">
-                <a16:creationId xmlns:a16="http://schemas.microsoft.com/office/drawing/2014/main" xmlns="" id="{02D8A548-721B-2F1C-FA71-406773F1D3EF}"/>
+                <a16:creationId xmlns="" xmlns:a16="http://schemas.microsoft.com/office/drawing/2014/main" id="{5E923D7D-8B57-D441-D87B-7EEACD14D218}"/>
               </a:ext>
             </a:extLst>
           </p:cNvPr>
@@ -11440,7 +10701,7 @@
           <a:bodyPr/>
           <a:lstStyle/>
           <a:p>
-            <a:endParaRPr lang="pt-BR"/>
+            <a:endParaRPr lang="pt-BR" dirty="0"/>
           </a:p>
         </p:txBody>
       </p:sp>
@@ -11449,87 +10710,7 @@
           <p:cNvPr id="3" name="Espaço Reservado para Conteúdo 2">
             <a:extLst>
               <a:ext uri="{FF2B5EF4-FFF2-40B4-BE49-F238E27FC236}">
-                <a16:creationId xmlns:a16="http://schemas.microsoft.com/office/drawing/2014/main" xmlns="" id="{5F8716DE-7ADD-6778-BBE4-F45374A55917}"/>
-              </a:ext>
-            </a:extLst>
-          </p:cNvPr>
-          <p:cNvSpPr>
-            <a:spLocks noGrp="1"/>
-          </p:cNvSpPr>
-          <p:nvPr>
-            <p:ph idx="1"/>
-          </p:nvPr>
-        </p:nvSpPr>
-        <p:spPr/>
-        <p:txBody>
-          <a:bodyPr/>
-          <a:lstStyle/>
-          <a:p>
-            <a:endParaRPr lang="pt-BR"/>
-          </a:p>
-        </p:txBody>
-      </p:sp>
-    </p:spTree>
-    <p:extLst>
-      <p:ext uri="{BB962C8B-B14F-4D97-AF65-F5344CB8AC3E}">
-        <p14:creationId xmlns:p14="http://schemas.microsoft.com/office/powerpoint/2010/main" val="2663931904"/>
-      </p:ext>
-    </p:extLst>
-  </p:cSld>
-  <p:clrMapOvr>
-    <a:masterClrMapping/>
-  </p:clrMapOvr>
-</p:sld>
-</file>
-
-<file path=ppt/slides/slide15.xml><?xml version="1.0" encoding="utf-8"?>
-<p:sld xmlns:a="http://schemas.openxmlformats.org/drawingml/2006/main" xmlns:r="http://schemas.openxmlformats.org/officeDocument/2006/relationships" xmlns:p="http://schemas.openxmlformats.org/presentationml/2006/main">
-  <p:cSld>
-    <p:spTree>
-      <p:nvGrpSpPr>
-        <p:cNvPr id="1" name=""/>
-        <p:cNvGrpSpPr/>
-        <p:nvPr/>
-      </p:nvGrpSpPr>
-      <p:grpSpPr>
-        <a:xfrm>
-          <a:off x="0" y="0"/>
-          <a:ext cx="0" cy="0"/>
-          <a:chOff x="0" y="0"/>
-          <a:chExt cx="0" cy="0"/>
-        </a:xfrm>
-      </p:grpSpPr>
-      <p:sp>
-        <p:nvSpPr>
-          <p:cNvPr id="2" name="Título 1">
-            <a:extLst>
-              <a:ext uri="{FF2B5EF4-FFF2-40B4-BE49-F238E27FC236}">
-                <a16:creationId xmlns:a16="http://schemas.microsoft.com/office/drawing/2014/main" xmlns="" id="{5E923D7D-8B57-D441-D87B-7EEACD14D218}"/>
-              </a:ext>
-            </a:extLst>
-          </p:cNvPr>
-          <p:cNvSpPr>
-            <a:spLocks noGrp="1"/>
-          </p:cNvSpPr>
-          <p:nvPr>
-            <p:ph type="title"/>
-          </p:nvPr>
-        </p:nvSpPr>
-        <p:spPr/>
-        <p:txBody>
-          <a:bodyPr/>
-          <a:lstStyle/>
-          <a:p>
-            <a:endParaRPr lang="pt-BR" dirty="0"/>
-          </a:p>
-        </p:txBody>
-      </p:sp>
-      <p:sp>
-        <p:nvSpPr>
-          <p:cNvPr id="3" name="Espaço Reservado para Conteúdo 2">
-            <a:extLst>
-              <a:ext uri="{FF2B5EF4-FFF2-40B4-BE49-F238E27FC236}">
-                <a16:creationId xmlns:a16="http://schemas.microsoft.com/office/drawing/2014/main" xmlns="" id="{542CC6B8-02C1-95EA-D3E9-7719295587C5}"/>
+                <a16:creationId xmlns="" xmlns:a16="http://schemas.microsoft.com/office/drawing/2014/main" id="{542CC6B8-02C1-95EA-D3E9-7719295587C5}"/>
               </a:ext>
             </a:extLst>
           </p:cNvPr>
@@ -11562,7 +10743,7 @@
           <p:cNvPr id="1026" name="Picture 2" descr="Number of parameters, i.e., weights, in recent landmark neural... |  Download Scientific Diagram">
             <a:extLst>
               <a:ext uri="{FF2B5EF4-FFF2-40B4-BE49-F238E27FC236}">
-                <a16:creationId xmlns:a16="http://schemas.microsoft.com/office/drawing/2014/main" xmlns="" id="{5A5BB404-8485-9993-5295-82E3C48E0532}"/>
+                <a16:creationId xmlns="" xmlns:a16="http://schemas.microsoft.com/office/drawing/2014/main" id="{5A5BB404-8485-9993-5295-82E3C48E0532}"/>
               </a:ext>
             </a:extLst>
           </p:cNvPr>
@@ -11617,7 +10798,7 @@
 </p:sld>
 </file>
 
-<file path=ppt/slides/slide16.xml><?xml version="1.0" encoding="utf-8"?>
+<file path=ppt/slides/slide15.xml><?xml version="1.0" encoding="utf-8"?>
 <p:sld xmlns:a="http://schemas.openxmlformats.org/drawingml/2006/main" xmlns:r="http://schemas.openxmlformats.org/officeDocument/2006/relationships" xmlns:p="http://schemas.openxmlformats.org/presentationml/2006/main">
   <p:cSld>
     <p:spTree>
@@ -11639,7 +10820,7 @@
           <p:cNvPr id="2" name="Título 1">
             <a:extLst>
               <a:ext uri="{FF2B5EF4-FFF2-40B4-BE49-F238E27FC236}">
-                <a16:creationId xmlns:a16="http://schemas.microsoft.com/office/drawing/2014/main" xmlns="" id="{2755BD9F-A5F9-C006-2D60-3988AFB742AA}"/>
+                <a16:creationId xmlns="" xmlns:a16="http://schemas.microsoft.com/office/drawing/2014/main" id="{2755BD9F-A5F9-C006-2D60-3988AFB742AA}"/>
               </a:ext>
             </a:extLst>
           </p:cNvPr>
@@ -11667,7 +10848,7 @@
           <p:cNvPr id="3" name="Espaço Reservado para Conteúdo 2">
             <a:extLst>
               <a:ext uri="{FF2B5EF4-FFF2-40B4-BE49-F238E27FC236}">
-                <a16:creationId xmlns:a16="http://schemas.microsoft.com/office/drawing/2014/main" xmlns="" id="{DE398648-3AD3-9986-3010-6210876DC9B1}"/>
+                <a16:creationId xmlns="" xmlns:a16="http://schemas.microsoft.com/office/drawing/2014/main" id="{DE398648-3AD3-9986-3010-6210876DC9B1}"/>
               </a:ext>
             </a:extLst>
           </p:cNvPr>
@@ -11703,7 +10884,7 @@
 </p:sld>
 </file>
 
-<file path=ppt/slides/slide17.xml><?xml version="1.0" encoding="utf-8"?>
+<file path=ppt/slides/slide16.xml><?xml version="1.0" encoding="utf-8"?>
 <p:sld xmlns:a="http://schemas.openxmlformats.org/drawingml/2006/main" xmlns:r="http://schemas.openxmlformats.org/officeDocument/2006/relationships" xmlns:p="http://schemas.openxmlformats.org/presentationml/2006/main">
   <p:cSld>
     <p:spTree>
@@ -11725,7 +10906,7 @@
           <p:cNvPr id="4" name="Título 1">
             <a:extLst>
               <a:ext uri="{FF2B5EF4-FFF2-40B4-BE49-F238E27FC236}">
-                <a16:creationId xmlns:a16="http://schemas.microsoft.com/office/drawing/2014/main" xmlns="" id="{32666AC8-2E17-4DB4-B0F5-60C640CCFD2E}"/>
+                <a16:creationId xmlns="" xmlns:a16="http://schemas.microsoft.com/office/drawing/2014/main" id="{32666AC8-2E17-4DB4-B0F5-60C640CCFD2E}"/>
               </a:ext>
             </a:extLst>
           </p:cNvPr>
@@ -11789,7 +10970,7 @@
 </p:sld>
 </file>
 
-<file path=ppt/slides/slide18.xml><?xml version="1.0" encoding="utf-8"?>
+<file path=ppt/slides/slide17.xml><?xml version="1.0" encoding="utf-8"?>
 <p:sld xmlns:a="http://schemas.openxmlformats.org/drawingml/2006/main" xmlns:r="http://schemas.openxmlformats.org/officeDocument/2006/relationships" xmlns:p="http://schemas.openxmlformats.org/presentationml/2006/main">
   <p:cSld>
     <p:spTree>
@@ -11811,7 +10992,7 @@
           <p:cNvPr id="4" name="Título 1">
             <a:extLst>
               <a:ext uri="{FF2B5EF4-FFF2-40B4-BE49-F238E27FC236}">
-                <a16:creationId xmlns:a16="http://schemas.microsoft.com/office/drawing/2014/main" xmlns="" id="{32666AC8-2E17-4DB4-B0F5-60C640CCFD2E}"/>
+                <a16:creationId xmlns="" xmlns:a16="http://schemas.microsoft.com/office/drawing/2014/main" id="{32666AC8-2E17-4DB4-B0F5-60C640CCFD2E}"/>
               </a:ext>
             </a:extLst>
           </p:cNvPr>
@@ -11875,7 +11056,7 @@
 </p:sld>
 </file>
 
-<file path=ppt/slides/slide19.xml><?xml version="1.0" encoding="utf-8"?>
+<file path=ppt/slides/slide18.xml><?xml version="1.0" encoding="utf-8"?>
 <p:sld xmlns:a="http://schemas.openxmlformats.org/drawingml/2006/main" xmlns:r="http://schemas.openxmlformats.org/officeDocument/2006/relationships" xmlns:p="http://schemas.openxmlformats.org/presentationml/2006/main">
   <p:cSld>
     <p:spTree>
@@ -11897,7 +11078,7 @@
           <p:cNvPr id="28" name="Agrupar 27">
             <a:extLst>
               <a:ext uri="{FF2B5EF4-FFF2-40B4-BE49-F238E27FC236}">
-                <a16:creationId xmlns:a16="http://schemas.microsoft.com/office/drawing/2014/main" xmlns="" id="{29C9F480-45E3-4B94-C1BB-EE8A52794F03}"/>
+                <a16:creationId xmlns="" xmlns:a16="http://schemas.microsoft.com/office/drawing/2014/main" id="{29C9F480-45E3-4B94-C1BB-EE8A52794F03}"/>
               </a:ext>
             </a:extLst>
           </p:cNvPr>
@@ -11917,7 +11098,7 @@
             <p:cNvPr id="4100" name="Picture 4" descr="Buy NEW NUVOTON NPCE795GAODX NPCE795GA0DX QFP IC CHIPS Online in India at  Lowest Prices - Price in India - buysnip.com">
               <a:extLst>
                 <a:ext uri="{FF2B5EF4-FFF2-40B4-BE49-F238E27FC236}">
-                  <a16:creationId xmlns:a16="http://schemas.microsoft.com/office/drawing/2014/main" xmlns="" id="{D81877C1-85FA-57F8-9108-B6031CA59A0A}"/>
+                  <a16:creationId xmlns="" xmlns:a16="http://schemas.microsoft.com/office/drawing/2014/main" id="{D81877C1-85FA-57F8-9108-B6031CA59A0A}"/>
                 </a:ext>
               </a:extLst>
             </p:cNvPr>
@@ -11962,7 +11143,7 @@
             <p:cNvPr id="4116" name="Picture 20" descr="130+ Computer Chip Semiconductor Cpu White Background Illustrations,  Royalty-Free Vector Graphics &amp; Clip Art - iStock">
               <a:extLst>
                 <a:ext uri="{FF2B5EF4-FFF2-40B4-BE49-F238E27FC236}">
-                  <a16:creationId xmlns:a16="http://schemas.microsoft.com/office/drawing/2014/main" xmlns="" id="{029EAF6D-2AEA-CED3-B3D9-A4696B394D7E}"/>
+                  <a16:creationId xmlns="" xmlns:a16="http://schemas.microsoft.com/office/drawing/2014/main" id="{029EAF6D-2AEA-CED3-B3D9-A4696B394D7E}"/>
                 </a:ext>
               </a:extLst>
             </p:cNvPr>
@@ -12007,7 +11188,7 @@
             <p:cNvPr id="4122" name="Picture 26" descr="Free STL file Z80 CPU・3D printing design to download・Cults">
               <a:extLst>
                 <a:ext uri="{FF2B5EF4-FFF2-40B4-BE49-F238E27FC236}">
-                  <a16:creationId xmlns:a16="http://schemas.microsoft.com/office/drawing/2014/main" xmlns="" id="{4B25CE6D-84EF-35A9-9454-53DE60435558}"/>
+                  <a16:creationId xmlns="" xmlns:a16="http://schemas.microsoft.com/office/drawing/2014/main" id="{4B25CE6D-84EF-35A9-9454-53DE60435558}"/>
                 </a:ext>
               </a:extLst>
             </p:cNvPr>
@@ -12052,7 +11233,7 @@
             <p:cNvPr id="12" name="Agrupar 11">
               <a:extLst>
                 <a:ext uri="{FF2B5EF4-FFF2-40B4-BE49-F238E27FC236}">
-                  <a16:creationId xmlns:a16="http://schemas.microsoft.com/office/drawing/2014/main" xmlns="" id="{3CAB4DF6-E1D9-A065-9F33-3CE0025A97B8}"/>
+                  <a16:creationId xmlns="" xmlns:a16="http://schemas.microsoft.com/office/drawing/2014/main" id="{3CAB4DF6-E1D9-A065-9F33-3CE0025A97B8}"/>
                 </a:ext>
               </a:extLst>
             </p:cNvPr>
@@ -12072,7 +11253,7 @@
               <p:cNvPr id="8" name="Picture 10" descr="Computer Chip On A White Background Stock Photo - Download Image Now -  Circuit Board, Computer Chip, Cut Out - iStock">
                 <a:extLst>
                   <a:ext uri="{FF2B5EF4-FFF2-40B4-BE49-F238E27FC236}">
-                    <a16:creationId xmlns:a16="http://schemas.microsoft.com/office/drawing/2014/main" xmlns="" id="{21F4A9EC-B955-1668-6A97-FB28882C0141}"/>
+                    <a16:creationId xmlns="" xmlns:a16="http://schemas.microsoft.com/office/drawing/2014/main" id="{21F4A9EC-B955-1668-6A97-FB28882C0141}"/>
                   </a:ext>
                 </a:extLst>
               </p:cNvPr>
@@ -12117,7 +11298,7 @@
               <p:cNvPr id="4106" name="Picture 10" descr="Computer Chip On A White Background Stock Photo - Download Image Now -  Circuit Board, Computer Chip, Cut Out - iStock">
                 <a:extLst>
                   <a:ext uri="{FF2B5EF4-FFF2-40B4-BE49-F238E27FC236}">
-                    <a16:creationId xmlns:a16="http://schemas.microsoft.com/office/drawing/2014/main" xmlns="" id="{7AF0804B-41AA-922F-E69D-C29F93BD5D12}"/>
+                    <a16:creationId xmlns="" xmlns:a16="http://schemas.microsoft.com/office/drawing/2014/main" id="{7AF0804B-41AA-922F-E69D-C29F93BD5D12}"/>
                   </a:ext>
                 </a:extLst>
               </p:cNvPr>
@@ -12163,7 +11344,7 @@
             <p:cNvPr id="16" name="CaixaDeTexto 15">
               <a:extLst>
                 <a:ext uri="{FF2B5EF4-FFF2-40B4-BE49-F238E27FC236}">
-                  <a16:creationId xmlns:a16="http://schemas.microsoft.com/office/drawing/2014/main" xmlns="" id="{1F2C85C1-EE40-786A-4AC7-9BB2BE065123}"/>
+                  <a16:creationId xmlns="" xmlns:a16="http://schemas.microsoft.com/office/drawing/2014/main" id="{1F2C85C1-EE40-786A-4AC7-9BB2BE065123}"/>
                 </a:ext>
               </a:extLst>
             </p:cNvPr>
@@ -12198,7 +11379,7 @@
             <p:cNvPr id="17" name="CaixaDeTexto 16">
               <a:extLst>
                 <a:ext uri="{FF2B5EF4-FFF2-40B4-BE49-F238E27FC236}">
-                  <a16:creationId xmlns:a16="http://schemas.microsoft.com/office/drawing/2014/main" xmlns="" id="{7B5D2344-A502-58BF-C99D-D919284D4BF2}"/>
+                  <a16:creationId xmlns="" xmlns:a16="http://schemas.microsoft.com/office/drawing/2014/main" id="{7B5D2344-A502-58BF-C99D-D919284D4BF2}"/>
                 </a:ext>
               </a:extLst>
             </p:cNvPr>
@@ -12233,7 +11414,7 @@
             <p:cNvPr id="18" name="CaixaDeTexto 17">
               <a:extLst>
                 <a:ext uri="{FF2B5EF4-FFF2-40B4-BE49-F238E27FC236}">
-                  <a16:creationId xmlns:a16="http://schemas.microsoft.com/office/drawing/2014/main" xmlns="" id="{5A22C3F8-09F4-CCD2-69C3-F158403A0337}"/>
+                  <a16:creationId xmlns="" xmlns:a16="http://schemas.microsoft.com/office/drawing/2014/main" id="{5A22C3F8-09F4-CCD2-69C3-F158403A0337}"/>
                 </a:ext>
               </a:extLst>
             </p:cNvPr>
@@ -12268,7 +11449,7 @@
             <p:cNvPr id="19" name="CaixaDeTexto 18">
               <a:extLst>
                 <a:ext uri="{FF2B5EF4-FFF2-40B4-BE49-F238E27FC236}">
-                  <a16:creationId xmlns:a16="http://schemas.microsoft.com/office/drawing/2014/main" xmlns="" id="{188B7BDC-BD48-38C7-81EA-6242032AC50D}"/>
+                  <a16:creationId xmlns="" xmlns:a16="http://schemas.microsoft.com/office/drawing/2014/main" id="{188B7BDC-BD48-38C7-81EA-6242032AC50D}"/>
                 </a:ext>
               </a:extLst>
             </p:cNvPr>
@@ -12303,7 +11484,7 @@
             <p:cNvPr id="20" name="CaixaDeTexto 19">
               <a:extLst>
                 <a:ext uri="{FF2B5EF4-FFF2-40B4-BE49-F238E27FC236}">
-                  <a16:creationId xmlns:a16="http://schemas.microsoft.com/office/drawing/2014/main" xmlns="" id="{A18E9168-FC64-70ED-44DA-7E66B133868D}"/>
+                  <a16:creationId xmlns="" xmlns:a16="http://schemas.microsoft.com/office/drawing/2014/main" id="{A18E9168-FC64-70ED-44DA-7E66B133868D}"/>
                 </a:ext>
               </a:extLst>
             </p:cNvPr>
@@ -12338,7 +11519,7 @@
             <p:cNvPr id="21" name="CaixaDeTexto 20">
               <a:extLst>
                 <a:ext uri="{FF2B5EF4-FFF2-40B4-BE49-F238E27FC236}">
-                  <a16:creationId xmlns:a16="http://schemas.microsoft.com/office/drawing/2014/main" xmlns="" id="{3158F7DE-DE75-5608-D56D-32A708BBFBFA}"/>
+                  <a16:creationId xmlns="" xmlns:a16="http://schemas.microsoft.com/office/drawing/2014/main" id="{3158F7DE-DE75-5608-D56D-32A708BBFBFA}"/>
                 </a:ext>
               </a:extLst>
             </p:cNvPr>
@@ -12373,7 +11554,7 @@
             <p:cNvPr id="22" name="CaixaDeTexto 21">
               <a:extLst>
                 <a:ext uri="{FF2B5EF4-FFF2-40B4-BE49-F238E27FC236}">
-                  <a16:creationId xmlns:a16="http://schemas.microsoft.com/office/drawing/2014/main" xmlns="" id="{42F7AACA-31C9-F439-507B-FE1B62CEEBBB}"/>
+                  <a16:creationId xmlns="" xmlns:a16="http://schemas.microsoft.com/office/drawing/2014/main" id="{42F7AACA-31C9-F439-507B-FE1B62CEEBBB}"/>
                 </a:ext>
               </a:extLst>
             </p:cNvPr>
@@ -12409,7 +11590,7 @@
             <p:cNvPr id="23" name="CaixaDeTexto 22">
               <a:extLst>
                 <a:ext uri="{FF2B5EF4-FFF2-40B4-BE49-F238E27FC236}">
-                  <a16:creationId xmlns:a16="http://schemas.microsoft.com/office/drawing/2014/main" xmlns="" id="{E249FF25-C54B-7370-F3D5-9559BA8F5034}"/>
+                  <a16:creationId xmlns="" xmlns:a16="http://schemas.microsoft.com/office/drawing/2014/main" id="{E249FF25-C54B-7370-F3D5-9559BA8F5034}"/>
                 </a:ext>
               </a:extLst>
             </p:cNvPr>
@@ -12444,7 +11625,7 @@
             <p:cNvPr id="24" name="Chave Direita 23">
               <a:extLst>
                 <a:ext uri="{FF2B5EF4-FFF2-40B4-BE49-F238E27FC236}">
-                  <a16:creationId xmlns:a16="http://schemas.microsoft.com/office/drawing/2014/main" xmlns="" id="{A86E62BB-C03C-F12C-00C4-0E575BF1C24C}"/>
+                  <a16:creationId xmlns="" xmlns:a16="http://schemas.microsoft.com/office/drawing/2014/main" id="{A86E62BB-C03C-F12C-00C4-0E575BF1C24C}"/>
                 </a:ext>
               </a:extLst>
             </p:cNvPr>
@@ -12489,7 +11670,7 @@
             <p:cNvPr id="27" name="CaixaDeTexto 26">
               <a:extLst>
                 <a:ext uri="{FF2B5EF4-FFF2-40B4-BE49-F238E27FC236}">
-                  <a16:creationId xmlns:a16="http://schemas.microsoft.com/office/drawing/2014/main" xmlns="" id="{CAC20CFE-F425-591E-B548-09B78A119EF2}"/>
+                  <a16:creationId xmlns="" xmlns:a16="http://schemas.microsoft.com/office/drawing/2014/main" id="{CAC20CFE-F425-591E-B548-09B78A119EF2}"/>
                 </a:ext>
               </a:extLst>
             </p:cNvPr>
@@ -12530,6 +11711,1709 @@
   <p:clrMapOvr>
     <a:masterClrMapping/>
   </p:clrMapOvr>
+  <p:timing>
+    <p:tnLst>
+      <p:par>
+        <p:cTn id="1" dur="indefinite" restart="never" nodeType="tmRoot"/>
+      </p:par>
+    </p:tnLst>
+  </p:timing>
+</p:sld>
+</file>
+
+<file path=ppt/slides/slide19.xml><?xml version="1.0" encoding="utf-8"?>
+<p:sld xmlns:a="http://schemas.openxmlformats.org/drawingml/2006/main" xmlns:r="http://schemas.openxmlformats.org/officeDocument/2006/relationships" xmlns:p="http://schemas.openxmlformats.org/presentationml/2006/main">
+  <p:cSld>
+    <p:spTree>
+      <p:nvGrpSpPr>
+        <p:cNvPr id="1" name=""/>
+        <p:cNvGrpSpPr/>
+        <p:nvPr/>
+      </p:nvGrpSpPr>
+      <p:grpSpPr>
+        <a:xfrm>
+          <a:off x="0" y="0"/>
+          <a:ext cx="0" cy="0"/>
+          <a:chOff x="0" y="0"/>
+          <a:chExt cx="0" cy="0"/>
+        </a:xfrm>
+      </p:grpSpPr>
+      <p:grpSp>
+        <p:nvGrpSpPr>
+          <p:cNvPr id="3" name="Grupo 2"/>
+          <p:cNvGrpSpPr/>
+          <p:nvPr/>
+        </p:nvGrpSpPr>
+        <p:grpSpPr>
+          <a:xfrm>
+            <a:off x="1305718" y="364027"/>
+            <a:ext cx="9007675" cy="6134027"/>
+            <a:chOff x="1305718" y="364027"/>
+            <a:chExt cx="9007675" cy="6134027"/>
+          </a:xfrm>
+        </p:grpSpPr>
+        <p:sp>
+          <p:nvSpPr>
+            <p:cNvPr id="33" name="Retângulo 32"/>
+            <p:cNvSpPr/>
+            <p:nvPr/>
+          </p:nvSpPr>
+          <p:spPr>
+            <a:xfrm>
+              <a:off x="1695100" y="2417042"/>
+              <a:ext cx="8455230" cy="1872000"/>
+            </a:xfrm>
+            <a:prstGeom prst="rect">
+              <a:avLst/>
+            </a:prstGeom>
+            <a:solidFill>
+              <a:schemeClr val="bg2">
+                <a:lumMod val="90000"/>
+              </a:schemeClr>
+            </a:solidFill>
+            <a:ln>
+              <a:noFill/>
+            </a:ln>
+          </p:spPr>
+          <p:style>
+            <a:lnRef idx="2">
+              <a:schemeClr val="accent1">
+                <a:shade val="50000"/>
+              </a:schemeClr>
+            </a:lnRef>
+            <a:fillRef idx="1">
+              <a:schemeClr val="accent1"/>
+            </a:fillRef>
+            <a:effectRef idx="0">
+              <a:schemeClr val="accent1"/>
+            </a:effectRef>
+            <a:fontRef idx="minor">
+              <a:schemeClr val="lt1"/>
+            </a:fontRef>
+          </p:style>
+          <p:txBody>
+            <a:bodyPr rtlCol="0" anchor="ctr"/>
+            <a:lstStyle/>
+            <a:p>
+              <a:pPr algn="ctr"/>
+              <a:endParaRPr lang="pt-BR"/>
+            </a:p>
+          </p:txBody>
+        </p:sp>
+        <p:sp>
+          <p:nvSpPr>
+            <p:cNvPr id="34" name="Retângulo 33"/>
+            <p:cNvSpPr/>
+            <p:nvPr/>
+          </p:nvSpPr>
+          <p:spPr>
+            <a:xfrm>
+              <a:off x="1695100" y="4290776"/>
+              <a:ext cx="8455230" cy="1807168"/>
+            </a:xfrm>
+            <a:prstGeom prst="rect">
+              <a:avLst/>
+            </a:prstGeom>
+            <a:solidFill>
+              <a:schemeClr val="bg2"/>
+            </a:solidFill>
+            <a:ln>
+              <a:noFill/>
+            </a:ln>
+          </p:spPr>
+          <p:style>
+            <a:lnRef idx="2">
+              <a:schemeClr val="accent1">
+                <a:shade val="50000"/>
+              </a:schemeClr>
+            </a:lnRef>
+            <a:fillRef idx="1">
+              <a:schemeClr val="accent1"/>
+            </a:fillRef>
+            <a:effectRef idx="0">
+              <a:schemeClr val="accent1"/>
+            </a:effectRef>
+            <a:fontRef idx="minor">
+              <a:schemeClr val="lt1"/>
+            </a:fontRef>
+          </p:style>
+          <p:txBody>
+            <a:bodyPr rtlCol="0" anchor="ctr"/>
+            <a:lstStyle/>
+            <a:p>
+              <a:pPr algn="ctr"/>
+              <a:endParaRPr lang="pt-BR"/>
+            </a:p>
+          </p:txBody>
+        </p:sp>
+        <p:sp>
+          <p:nvSpPr>
+            <p:cNvPr id="4" name="Retângulo 3"/>
+            <p:cNvSpPr/>
+            <p:nvPr/>
+          </p:nvSpPr>
+          <p:spPr>
+            <a:xfrm>
+              <a:off x="1695100" y="544429"/>
+              <a:ext cx="8455231" cy="1872000"/>
+            </a:xfrm>
+            <a:prstGeom prst="rect">
+              <a:avLst/>
+            </a:prstGeom>
+            <a:solidFill>
+              <a:schemeClr val="bg2">
+                <a:lumMod val="75000"/>
+              </a:schemeClr>
+            </a:solidFill>
+            <a:ln>
+              <a:noFill/>
+            </a:ln>
+          </p:spPr>
+          <p:style>
+            <a:lnRef idx="2">
+              <a:schemeClr val="accent1">
+                <a:shade val="50000"/>
+              </a:schemeClr>
+            </a:lnRef>
+            <a:fillRef idx="1">
+              <a:schemeClr val="accent1"/>
+            </a:fillRef>
+            <a:effectRef idx="0">
+              <a:schemeClr val="accent1"/>
+            </a:effectRef>
+            <a:fontRef idx="minor">
+              <a:schemeClr val="lt1"/>
+            </a:fontRef>
+          </p:style>
+          <p:txBody>
+            <a:bodyPr rtlCol="0" anchor="ctr"/>
+            <a:lstStyle/>
+            <a:p>
+              <a:pPr algn="ctr"/>
+              <a:endParaRPr lang="pt-BR"/>
+            </a:p>
+          </p:txBody>
+        </p:sp>
+        <p:cxnSp>
+          <p:nvCxnSpPr>
+            <p:cNvPr id="6" name="Conector de seta reta 5"/>
+            <p:cNvCxnSpPr/>
+            <p:nvPr/>
+          </p:nvCxnSpPr>
+          <p:spPr>
+            <a:xfrm flipV="1">
+              <a:off x="1654083" y="364027"/>
+              <a:ext cx="0" cy="5760000"/>
+            </a:xfrm>
+            <a:prstGeom prst="straightConnector1">
+              <a:avLst/>
+            </a:prstGeom>
+            <a:ln>
+              <a:solidFill>
+                <a:schemeClr val="tx1"/>
+              </a:solidFill>
+              <a:tailEnd type="triangle"/>
+            </a:ln>
+          </p:spPr>
+          <p:style>
+            <a:lnRef idx="1">
+              <a:schemeClr val="accent1"/>
+            </a:lnRef>
+            <a:fillRef idx="0">
+              <a:schemeClr val="accent1"/>
+            </a:fillRef>
+            <a:effectRef idx="0">
+              <a:schemeClr val="accent1"/>
+            </a:effectRef>
+            <a:fontRef idx="minor">
+              <a:schemeClr val="tx1"/>
+            </a:fontRef>
+          </p:style>
+        </p:cxnSp>
+        <p:cxnSp>
+          <p:nvCxnSpPr>
+            <p:cNvPr id="8" name="Conector de seta reta 7"/>
+            <p:cNvCxnSpPr/>
+            <p:nvPr/>
+          </p:nvCxnSpPr>
+          <p:spPr>
+            <a:xfrm>
+              <a:off x="1654083" y="6124027"/>
+              <a:ext cx="8640000" cy="0"/>
+            </a:xfrm>
+            <a:prstGeom prst="straightConnector1">
+              <a:avLst/>
+            </a:prstGeom>
+            <a:ln>
+              <a:solidFill>
+                <a:schemeClr val="tx1"/>
+              </a:solidFill>
+              <a:tailEnd type="triangle"/>
+            </a:ln>
+          </p:spPr>
+          <p:style>
+            <a:lnRef idx="1">
+              <a:schemeClr val="accent1"/>
+            </a:lnRef>
+            <a:fillRef idx="0">
+              <a:schemeClr val="accent1"/>
+            </a:fillRef>
+            <a:effectRef idx="0">
+              <a:schemeClr val="accent1"/>
+            </a:effectRef>
+            <a:fontRef idx="minor">
+              <a:schemeClr val="tx1"/>
+            </a:fontRef>
+          </p:style>
+        </p:cxnSp>
+        <p:sp>
+          <p:nvSpPr>
+            <p:cNvPr id="9" name="Retângulo 8"/>
+            <p:cNvSpPr/>
+            <p:nvPr/>
+          </p:nvSpPr>
+          <p:spPr>
+            <a:xfrm>
+              <a:off x="1855500" y="5272272"/>
+              <a:ext cx="781397" cy="695095"/>
+            </a:xfrm>
+            <a:prstGeom prst="rect">
+              <a:avLst/>
+            </a:prstGeom>
+            <a:solidFill>
+              <a:srgbClr val="00B050"/>
+            </a:solidFill>
+            <a:ln>
+              <a:noFill/>
+            </a:ln>
+          </p:spPr>
+          <p:style>
+            <a:lnRef idx="2">
+              <a:schemeClr val="accent1">
+                <a:shade val="50000"/>
+              </a:schemeClr>
+            </a:lnRef>
+            <a:fillRef idx="1">
+              <a:schemeClr val="accent1"/>
+            </a:fillRef>
+            <a:effectRef idx="0">
+              <a:schemeClr val="accent1"/>
+            </a:effectRef>
+            <a:fontRef idx="minor">
+              <a:schemeClr val="lt1"/>
+            </a:fontRef>
+          </p:style>
+          <p:txBody>
+            <a:bodyPr rtlCol="0" anchor="ctr"/>
+            <a:lstStyle/>
+            <a:p>
+              <a:pPr algn="ctr"/>
+              <a:r>
+                <a:rPr lang="pt-BR" dirty="0" smtClean="0"/>
+                <a:t>M0+</a:t>
+              </a:r>
+              <a:endParaRPr lang="pt-BR" dirty="0"/>
+            </a:p>
+          </p:txBody>
+        </p:sp>
+        <p:sp>
+          <p:nvSpPr>
+            <p:cNvPr id="10" name="Retângulo 9"/>
+            <p:cNvSpPr/>
+            <p:nvPr/>
+          </p:nvSpPr>
+          <p:spPr>
+            <a:xfrm>
+              <a:off x="3038833" y="5272271"/>
+              <a:ext cx="781397" cy="695095"/>
+            </a:xfrm>
+            <a:prstGeom prst="rect">
+              <a:avLst/>
+            </a:prstGeom>
+            <a:solidFill>
+              <a:srgbClr val="00B050"/>
+            </a:solidFill>
+            <a:ln>
+              <a:noFill/>
+            </a:ln>
+          </p:spPr>
+          <p:style>
+            <a:lnRef idx="2">
+              <a:schemeClr val="accent1">
+                <a:shade val="50000"/>
+              </a:schemeClr>
+            </a:lnRef>
+            <a:fillRef idx="1">
+              <a:schemeClr val="accent1"/>
+            </a:fillRef>
+            <a:effectRef idx="0">
+              <a:schemeClr val="accent1"/>
+            </a:effectRef>
+            <a:fontRef idx="minor">
+              <a:schemeClr val="lt1"/>
+            </a:fontRef>
+          </p:style>
+          <p:txBody>
+            <a:bodyPr rtlCol="0" anchor="ctr"/>
+            <a:lstStyle/>
+            <a:p>
+              <a:pPr algn="ctr"/>
+              <a:r>
+                <a:rPr lang="pt-BR" dirty="0" smtClean="0"/>
+                <a:t>M0</a:t>
+              </a:r>
+              <a:endParaRPr lang="pt-BR" dirty="0"/>
+            </a:p>
+          </p:txBody>
+        </p:sp>
+        <p:sp>
+          <p:nvSpPr>
+            <p:cNvPr id="11" name="Retângulo 10"/>
+            <p:cNvSpPr/>
+            <p:nvPr/>
+          </p:nvSpPr>
+          <p:spPr>
+            <a:xfrm>
+              <a:off x="3038832" y="4412505"/>
+              <a:ext cx="781397" cy="695095"/>
+            </a:xfrm>
+            <a:prstGeom prst="rect">
+              <a:avLst/>
+            </a:prstGeom>
+            <a:solidFill>
+              <a:srgbClr val="00B050"/>
+            </a:solidFill>
+            <a:ln>
+              <a:noFill/>
+            </a:ln>
+          </p:spPr>
+          <p:style>
+            <a:lnRef idx="2">
+              <a:schemeClr val="accent1">
+                <a:shade val="50000"/>
+              </a:schemeClr>
+            </a:lnRef>
+            <a:fillRef idx="1">
+              <a:schemeClr val="accent1"/>
+            </a:fillRef>
+            <a:effectRef idx="0">
+              <a:schemeClr val="accent1"/>
+            </a:effectRef>
+            <a:fontRef idx="minor">
+              <a:schemeClr val="lt1"/>
+            </a:fontRef>
+          </p:style>
+          <p:txBody>
+            <a:bodyPr rtlCol="0" anchor="ctr"/>
+            <a:lstStyle/>
+            <a:p>
+              <a:pPr algn="ctr"/>
+              <a:r>
+                <a:rPr lang="pt-BR" dirty="0" smtClean="0"/>
+                <a:t>M3</a:t>
+              </a:r>
+              <a:endParaRPr lang="pt-BR" dirty="0"/>
+            </a:p>
+          </p:txBody>
+        </p:sp>
+        <p:sp>
+          <p:nvSpPr>
+            <p:cNvPr id="12" name="Retângulo 11"/>
+            <p:cNvSpPr/>
+            <p:nvPr/>
+          </p:nvSpPr>
+          <p:spPr>
+            <a:xfrm>
+              <a:off x="4220848" y="4412505"/>
+              <a:ext cx="781397" cy="695095"/>
+            </a:xfrm>
+            <a:prstGeom prst="rect">
+              <a:avLst/>
+            </a:prstGeom>
+            <a:solidFill>
+              <a:srgbClr val="00B050"/>
+            </a:solidFill>
+            <a:ln>
+              <a:noFill/>
+            </a:ln>
+          </p:spPr>
+          <p:style>
+            <a:lnRef idx="2">
+              <a:schemeClr val="accent1">
+                <a:shade val="50000"/>
+              </a:schemeClr>
+            </a:lnRef>
+            <a:fillRef idx="1">
+              <a:schemeClr val="accent1"/>
+            </a:fillRef>
+            <a:effectRef idx="0">
+              <a:schemeClr val="accent1"/>
+            </a:effectRef>
+            <a:fontRef idx="minor">
+              <a:schemeClr val="lt1"/>
+            </a:fontRef>
+          </p:style>
+          <p:txBody>
+            <a:bodyPr rtlCol="0" anchor="ctr"/>
+            <a:lstStyle/>
+            <a:p>
+              <a:pPr algn="ctr"/>
+              <a:r>
+                <a:rPr lang="pt-BR" dirty="0" smtClean="0"/>
+                <a:t>M4</a:t>
+              </a:r>
+            </a:p>
+            <a:p>
+              <a:pPr algn="ctr"/>
+              <a:endParaRPr lang="pt-BR" dirty="0" smtClean="0"/>
+            </a:p>
+          </p:txBody>
+        </p:sp>
+        <p:sp>
+          <p:nvSpPr>
+            <p:cNvPr id="13" name="Retângulo 12"/>
+            <p:cNvSpPr/>
+            <p:nvPr/>
+          </p:nvSpPr>
+          <p:spPr>
+            <a:xfrm>
+              <a:off x="5420979" y="3115857"/>
+              <a:ext cx="781397" cy="695095"/>
+            </a:xfrm>
+            <a:prstGeom prst="rect">
+              <a:avLst/>
+            </a:prstGeom>
+            <a:solidFill>
+              <a:schemeClr val="accent4"/>
+            </a:solidFill>
+            <a:ln>
+              <a:noFill/>
+            </a:ln>
+          </p:spPr>
+          <p:style>
+            <a:lnRef idx="2">
+              <a:schemeClr val="accent1">
+                <a:shade val="50000"/>
+              </a:schemeClr>
+            </a:lnRef>
+            <a:fillRef idx="1">
+              <a:schemeClr val="accent1"/>
+            </a:fillRef>
+            <a:effectRef idx="0">
+              <a:schemeClr val="accent1"/>
+            </a:effectRef>
+            <a:fontRef idx="minor">
+              <a:schemeClr val="lt1"/>
+            </a:fontRef>
+          </p:style>
+          <p:txBody>
+            <a:bodyPr rtlCol="0" anchor="ctr"/>
+            <a:lstStyle/>
+            <a:p>
+              <a:pPr algn="ctr"/>
+              <a:r>
+                <a:rPr lang="pt-BR" dirty="0" smtClean="0"/>
+                <a:t>R4</a:t>
+              </a:r>
+            </a:p>
+            <a:p>
+              <a:pPr algn="ctr"/>
+              <a:endParaRPr lang="pt-BR" dirty="0"/>
+            </a:p>
+          </p:txBody>
+        </p:sp>
+        <p:grpSp>
+          <p:nvGrpSpPr>
+            <p:cNvPr id="28" name="Grupo 27"/>
+            <p:cNvGrpSpPr/>
+            <p:nvPr/>
+          </p:nvGrpSpPr>
+          <p:grpSpPr>
+            <a:xfrm>
+              <a:off x="6651426" y="2983472"/>
+              <a:ext cx="897671" cy="827480"/>
+              <a:chOff x="5361118" y="3234889"/>
+              <a:chExt cx="897671" cy="827480"/>
+            </a:xfrm>
+          </p:grpSpPr>
+          <p:sp>
+            <p:nvSpPr>
+              <p:cNvPr id="27" name="Retângulo 26"/>
+              <p:cNvSpPr/>
+              <p:nvPr/>
+            </p:nvSpPr>
+            <p:spPr>
+              <a:xfrm>
+                <a:off x="5477392" y="3234889"/>
+                <a:ext cx="781397" cy="695095"/>
+              </a:xfrm>
+              <a:prstGeom prst="rect">
+                <a:avLst/>
+              </a:prstGeom>
+              <a:solidFill>
+                <a:schemeClr val="accent4">
+                  <a:lumMod val="40000"/>
+                  <a:lumOff val="60000"/>
+                </a:schemeClr>
+              </a:solidFill>
+              <a:ln>
+                <a:solidFill>
+                  <a:schemeClr val="bg1"/>
+                </a:solidFill>
+              </a:ln>
+            </p:spPr>
+            <p:style>
+              <a:lnRef idx="2">
+                <a:schemeClr val="accent1">
+                  <a:shade val="50000"/>
+                </a:schemeClr>
+              </a:lnRef>
+              <a:fillRef idx="1">
+                <a:schemeClr val="accent1"/>
+              </a:fillRef>
+              <a:effectRef idx="0">
+                <a:schemeClr val="accent1"/>
+              </a:effectRef>
+              <a:fontRef idx="minor">
+                <a:schemeClr val="lt1"/>
+              </a:fontRef>
+            </p:style>
+            <p:txBody>
+              <a:bodyPr rtlCol="0" anchor="ctr"/>
+              <a:lstStyle/>
+              <a:p>
+                <a:pPr algn="ctr"/>
+                <a:endParaRPr lang="pt-BR" dirty="0"/>
+              </a:p>
+            </p:txBody>
+          </p:sp>
+          <p:sp>
+            <p:nvSpPr>
+              <p:cNvPr id="14" name="Retângulo 13"/>
+              <p:cNvSpPr/>
+              <p:nvPr/>
+            </p:nvSpPr>
+            <p:spPr>
+              <a:xfrm>
+                <a:off x="5361118" y="3367274"/>
+                <a:ext cx="781397" cy="695095"/>
+              </a:xfrm>
+              <a:prstGeom prst="rect">
+                <a:avLst/>
+              </a:prstGeom>
+              <a:solidFill>
+                <a:schemeClr val="accent4"/>
+              </a:solidFill>
+              <a:ln>
+                <a:noFill/>
+              </a:ln>
+            </p:spPr>
+            <p:style>
+              <a:lnRef idx="2">
+                <a:schemeClr val="accent1">
+                  <a:shade val="50000"/>
+                </a:schemeClr>
+              </a:lnRef>
+              <a:fillRef idx="1">
+                <a:schemeClr val="accent1"/>
+              </a:fillRef>
+              <a:effectRef idx="0">
+                <a:schemeClr val="accent1"/>
+              </a:effectRef>
+              <a:fontRef idx="minor">
+                <a:schemeClr val="lt1"/>
+              </a:fontRef>
+            </p:style>
+            <p:txBody>
+              <a:bodyPr rtlCol="0" anchor="ctr"/>
+              <a:lstStyle/>
+              <a:p>
+                <a:pPr algn="ctr"/>
+                <a:r>
+                  <a:rPr lang="pt-BR" dirty="0" smtClean="0"/>
+                  <a:t>R5</a:t>
+                </a:r>
+              </a:p>
+              <a:p>
+                <a:pPr algn="ctr"/>
+                <a:endParaRPr lang="pt-BR" dirty="0"/>
+              </a:p>
+            </p:txBody>
+          </p:sp>
+        </p:grpSp>
+        <p:grpSp>
+          <p:nvGrpSpPr>
+            <p:cNvPr id="21" name="Grupo 20"/>
+            <p:cNvGrpSpPr/>
+            <p:nvPr/>
+          </p:nvGrpSpPr>
+          <p:grpSpPr>
+            <a:xfrm>
+              <a:off x="6051967" y="968926"/>
+              <a:ext cx="1196063" cy="1041730"/>
+              <a:chOff x="4996638" y="1849165"/>
+              <a:chExt cx="1196063" cy="1041730"/>
+            </a:xfrm>
+          </p:grpSpPr>
+          <p:sp>
+            <p:nvSpPr>
+              <p:cNvPr id="20" name="Retângulo 19"/>
+              <p:cNvSpPr/>
+              <p:nvPr/>
+            </p:nvSpPr>
+            <p:spPr>
+              <a:xfrm>
+                <a:off x="5411304" y="1849165"/>
+                <a:ext cx="781397" cy="695095"/>
+              </a:xfrm>
+              <a:prstGeom prst="rect">
+                <a:avLst/>
+              </a:prstGeom>
+              <a:solidFill>
+                <a:schemeClr val="accent1">
+                  <a:lumMod val="20000"/>
+                  <a:lumOff val="80000"/>
+                </a:schemeClr>
+              </a:solidFill>
+              <a:ln>
+                <a:solidFill>
+                  <a:schemeClr val="bg1"/>
+                </a:solidFill>
+              </a:ln>
+            </p:spPr>
+            <p:style>
+              <a:lnRef idx="2">
+                <a:schemeClr val="accent1">
+                  <a:shade val="50000"/>
+                </a:schemeClr>
+              </a:lnRef>
+              <a:fillRef idx="1">
+                <a:schemeClr val="accent1"/>
+              </a:fillRef>
+              <a:effectRef idx="0">
+                <a:schemeClr val="accent1"/>
+              </a:effectRef>
+              <a:fontRef idx="minor">
+                <a:schemeClr val="lt1"/>
+              </a:fontRef>
+            </p:style>
+            <p:txBody>
+              <a:bodyPr rtlCol="0" anchor="ctr"/>
+              <a:lstStyle/>
+              <a:p>
+                <a:pPr algn="ctr"/>
+                <a:endParaRPr lang="pt-BR" dirty="0"/>
+              </a:p>
+            </p:txBody>
+          </p:sp>
+          <p:sp>
+            <p:nvSpPr>
+              <p:cNvPr id="19" name="Retângulo 18"/>
+              <p:cNvSpPr/>
+              <p:nvPr/>
+            </p:nvSpPr>
+            <p:spPr>
+              <a:xfrm>
+                <a:off x="5275631" y="1962717"/>
+                <a:ext cx="781397" cy="695095"/>
+              </a:xfrm>
+              <a:prstGeom prst="rect">
+                <a:avLst/>
+              </a:prstGeom>
+              <a:solidFill>
+                <a:schemeClr val="accent1">
+                  <a:lumMod val="20000"/>
+                  <a:lumOff val="80000"/>
+                </a:schemeClr>
+              </a:solidFill>
+              <a:ln>
+                <a:solidFill>
+                  <a:schemeClr val="bg1"/>
+                </a:solidFill>
+              </a:ln>
+            </p:spPr>
+            <p:style>
+              <a:lnRef idx="2">
+                <a:schemeClr val="accent1">
+                  <a:shade val="50000"/>
+                </a:schemeClr>
+              </a:lnRef>
+              <a:fillRef idx="1">
+                <a:schemeClr val="accent1"/>
+              </a:fillRef>
+              <a:effectRef idx="0">
+                <a:schemeClr val="accent1"/>
+              </a:effectRef>
+              <a:fontRef idx="minor">
+                <a:schemeClr val="lt1"/>
+              </a:fontRef>
+            </p:style>
+            <p:txBody>
+              <a:bodyPr rtlCol="0" anchor="ctr"/>
+              <a:lstStyle/>
+              <a:p>
+                <a:pPr algn="ctr"/>
+                <a:endParaRPr lang="pt-BR" dirty="0"/>
+              </a:p>
+            </p:txBody>
+          </p:sp>
+          <p:sp>
+            <p:nvSpPr>
+              <p:cNvPr id="18" name="Retângulo 17"/>
+              <p:cNvSpPr/>
+              <p:nvPr/>
+            </p:nvSpPr>
+            <p:spPr>
+              <a:xfrm>
+                <a:off x="5114002" y="2072075"/>
+                <a:ext cx="781397" cy="695095"/>
+              </a:xfrm>
+              <a:prstGeom prst="rect">
+                <a:avLst/>
+              </a:prstGeom>
+              <a:solidFill>
+                <a:schemeClr val="accent1">
+                  <a:lumMod val="20000"/>
+                  <a:lumOff val="80000"/>
+                </a:schemeClr>
+              </a:solidFill>
+              <a:ln>
+                <a:solidFill>
+                  <a:schemeClr val="bg1"/>
+                </a:solidFill>
+              </a:ln>
+            </p:spPr>
+            <p:style>
+              <a:lnRef idx="2">
+                <a:schemeClr val="accent1">
+                  <a:shade val="50000"/>
+                </a:schemeClr>
+              </a:lnRef>
+              <a:fillRef idx="1">
+                <a:schemeClr val="accent1"/>
+              </a:fillRef>
+              <a:effectRef idx="0">
+                <a:schemeClr val="accent1"/>
+              </a:effectRef>
+              <a:fontRef idx="minor">
+                <a:schemeClr val="lt1"/>
+              </a:fontRef>
+            </p:style>
+            <p:txBody>
+              <a:bodyPr rtlCol="0" anchor="ctr"/>
+              <a:lstStyle/>
+              <a:p>
+                <a:pPr algn="ctr"/>
+                <a:endParaRPr lang="pt-BR" dirty="0"/>
+              </a:p>
+            </p:txBody>
+          </p:sp>
+          <p:sp>
+            <p:nvSpPr>
+              <p:cNvPr id="16" name="Retângulo 15"/>
+              <p:cNvSpPr/>
+              <p:nvPr/>
+            </p:nvSpPr>
+            <p:spPr>
+              <a:xfrm>
+                <a:off x="4996638" y="2195800"/>
+                <a:ext cx="781397" cy="695095"/>
+              </a:xfrm>
+              <a:prstGeom prst="rect">
+                <a:avLst/>
+              </a:prstGeom>
+              <a:solidFill>
+                <a:srgbClr val="00B0F0"/>
+              </a:solidFill>
+              <a:ln>
+                <a:noFill/>
+              </a:ln>
+            </p:spPr>
+            <p:style>
+              <a:lnRef idx="2">
+                <a:schemeClr val="accent1">
+                  <a:shade val="50000"/>
+                </a:schemeClr>
+              </a:lnRef>
+              <a:fillRef idx="1">
+                <a:schemeClr val="accent1"/>
+              </a:fillRef>
+              <a:effectRef idx="0">
+                <a:schemeClr val="accent1"/>
+              </a:effectRef>
+              <a:fontRef idx="minor">
+                <a:schemeClr val="lt1"/>
+              </a:fontRef>
+            </p:style>
+            <p:txBody>
+              <a:bodyPr rtlCol="0" anchor="ctr"/>
+              <a:lstStyle/>
+              <a:p>
+                <a:pPr algn="ctr"/>
+                <a:r>
+                  <a:rPr lang="pt-BR" dirty="0" smtClean="0"/>
+                  <a:t>A5</a:t>
+                </a:r>
+              </a:p>
+              <a:p>
+                <a:pPr algn="ctr"/>
+                <a:endParaRPr lang="pt-BR" dirty="0"/>
+              </a:p>
+            </p:txBody>
+          </p:sp>
+        </p:grpSp>
+        <p:grpSp>
+          <p:nvGrpSpPr>
+            <p:cNvPr id="22" name="Grupo 21"/>
+            <p:cNvGrpSpPr/>
+            <p:nvPr/>
+          </p:nvGrpSpPr>
+          <p:grpSpPr>
+            <a:xfrm>
+              <a:off x="8007011" y="968926"/>
+              <a:ext cx="1196063" cy="1041730"/>
+              <a:chOff x="4996638" y="1849165"/>
+              <a:chExt cx="1196063" cy="1041730"/>
+            </a:xfrm>
+          </p:grpSpPr>
+          <p:sp>
+            <p:nvSpPr>
+              <p:cNvPr id="23" name="Retângulo 22"/>
+              <p:cNvSpPr/>
+              <p:nvPr/>
+            </p:nvSpPr>
+            <p:spPr>
+              <a:xfrm>
+                <a:off x="5411304" y="1849165"/>
+                <a:ext cx="781397" cy="695095"/>
+              </a:xfrm>
+              <a:prstGeom prst="rect">
+                <a:avLst/>
+              </a:prstGeom>
+              <a:solidFill>
+                <a:schemeClr val="accent1">
+                  <a:lumMod val="20000"/>
+                  <a:lumOff val="80000"/>
+                </a:schemeClr>
+              </a:solidFill>
+              <a:ln>
+                <a:solidFill>
+                  <a:schemeClr val="bg1"/>
+                </a:solidFill>
+              </a:ln>
+            </p:spPr>
+            <p:style>
+              <a:lnRef idx="2">
+                <a:schemeClr val="accent1">
+                  <a:shade val="50000"/>
+                </a:schemeClr>
+              </a:lnRef>
+              <a:fillRef idx="1">
+                <a:schemeClr val="accent1"/>
+              </a:fillRef>
+              <a:effectRef idx="0">
+                <a:schemeClr val="accent1"/>
+              </a:effectRef>
+              <a:fontRef idx="minor">
+                <a:schemeClr val="lt1"/>
+              </a:fontRef>
+            </p:style>
+            <p:txBody>
+              <a:bodyPr rtlCol="0" anchor="ctr"/>
+              <a:lstStyle/>
+              <a:p>
+                <a:pPr algn="ctr"/>
+                <a:endParaRPr lang="pt-BR" dirty="0"/>
+              </a:p>
+            </p:txBody>
+          </p:sp>
+          <p:sp>
+            <p:nvSpPr>
+              <p:cNvPr id="24" name="Retângulo 23"/>
+              <p:cNvSpPr/>
+              <p:nvPr/>
+            </p:nvSpPr>
+            <p:spPr>
+              <a:xfrm>
+                <a:off x="5275631" y="1962717"/>
+                <a:ext cx="781397" cy="695095"/>
+              </a:xfrm>
+              <a:prstGeom prst="rect">
+                <a:avLst/>
+              </a:prstGeom>
+              <a:solidFill>
+                <a:schemeClr val="accent1">
+                  <a:lumMod val="20000"/>
+                  <a:lumOff val="80000"/>
+                </a:schemeClr>
+              </a:solidFill>
+              <a:ln>
+                <a:solidFill>
+                  <a:schemeClr val="bg1"/>
+                </a:solidFill>
+              </a:ln>
+            </p:spPr>
+            <p:style>
+              <a:lnRef idx="2">
+                <a:schemeClr val="accent1">
+                  <a:shade val="50000"/>
+                </a:schemeClr>
+              </a:lnRef>
+              <a:fillRef idx="1">
+                <a:schemeClr val="accent1"/>
+              </a:fillRef>
+              <a:effectRef idx="0">
+                <a:schemeClr val="accent1"/>
+              </a:effectRef>
+              <a:fontRef idx="minor">
+                <a:schemeClr val="lt1"/>
+              </a:fontRef>
+            </p:style>
+            <p:txBody>
+              <a:bodyPr rtlCol="0" anchor="ctr"/>
+              <a:lstStyle/>
+              <a:p>
+                <a:pPr algn="ctr"/>
+                <a:endParaRPr lang="pt-BR" dirty="0"/>
+              </a:p>
+            </p:txBody>
+          </p:sp>
+          <p:sp>
+            <p:nvSpPr>
+              <p:cNvPr id="25" name="Retângulo 24"/>
+              <p:cNvSpPr/>
+              <p:nvPr/>
+            </p:nvSpPr>
+            <p:spPr>
+              <a:xfrm>
+                <a:off x="5114002" y="2072075"/>
+                <a:ext cx="781397" cy="695095"/>
+              </a:xfrm>
+              <a:prstGeom prst="rect">
+                <a:avLst/>
+              </a:prstGeom>
+              <a:solidFill>
+                <a:schemeClr val="accent1">
+                  <a:lumMod val="20000"/>
+                  <a:lumOff val="80000"/>
+                </a:schemeClr>
+              </a:solidFill>
+              <a:ln>
+                <a:solidFill>
+                  <a:schemeClr val="bg1"/>
+                </a:solidFill>
+              </a:ln>
+            </p:spPr>
+            <p:style>
+              <a:lnRef idx="2">
+                <a:schemeClr val="accent1">
+                  <a:shade val="50000"/>
+                </a:schemeClr>
+              </a:lnRef>
+              <a:fillRef idx="1">
+                <a:schemeClr val="accent1"/>
+              </a:fillRef>
+              <a:effectRef idx="0">
+                <a:schemeClr val="accent1"/>
+              </a:effectRef>
+              <a:fontRef idx="minor">
+                <a:schemeClr val="lt1"/>
+              </a:fontRef>
+            </p:style>
+            <p:txBody>
+              <a:bodyPr rtlCol="0" anchor="ctr"/>
+              <a:lstStyle/>
+              <a:p>
+                <a:pPr algn="ctr"/>
+                <a:endParaRPr lang="pt-BR" dirty="0"/>
+              </a:p>
+            </p:txBody>
+          </p:sp>
+          <p:sp>
+            <p:nvSpPr>
+              <p:cNvPr id="26" name="Retângulo 25"/>
+              <p:cNvSpPr/>
+              <p:nvPr/>
+            </p:nvSpPr>
+            <p:spPr>
+              <a:xfrm>
+                <a:off x="4996638" y="2195800"/>
+                <a:ext cx="781397" cy="695095"/>
+              </a:xfrm>
+              <a:prstGeom prst="rect">
+                <a:avLst/>
+              </a:prstGeom>
+              <a:solidFill>
+                <a:srgbClr val="00B0F0"/>
+              </a:solidFill>
+              <a:ln>
+                <a:noFill/>
+              </a:ln>
+            </p:spPr>
+            <p:style>
+              <a:lnRef idx="2">
+                <a:schemeClr val="accent1">
+                  <a:shade val="50000"/>
+                </a:schemeClr>
+              </a:lnRef>
+              <a:fillRef idx="1">
+                <a:schemeClr val="accent1"/>
+              </a:fillRef>
+              <a:effectRef idx="0">
+                <a:schemeClr val="accent1"/>
+              </a:effectRef>
+              <a:fontRef idx="minor">
+                <a:schemeClr val="lt1"/>
+              </a:fontRef>
+            </p:style>
+            <p:txBody>
+              <a:bodyPr rtlCol="0" anchor="ctr"/>
+              <a:lstStyle/>
+              <a:p>
+                <a:pPr algn="ctr"/>
+                <a:r>
+                  <a:rPr lang="pt-BR" dirty="0" smtClean="0"/>
+                  <a:t>A9</a:t>
+                </a:r>
+              </a:p>
+              <a:p>
+                <a:pPr algn="ctr"/>
+                <a:endParaRPr lang="pt-BR" dirty="0"/>
+              </a:p>
+            </p:txBody>
+          </p:sp>
+        </p:grpSp>
+        <p:grpSp>
+          <p:nvGrpSpPr>
+            <p:cNvPr id="29" name="Grupo 28"/>
+            <p:cNvGrpSpPr/>
+            <p:nvPr/>
+          </p:nvGrpSpPr>
+          <p:grpSpPr>
+            <a:xfrm>
+              <a:off x="8001124" y="2977554"/>
+              <a:ext cx="897671" cy="827480"/>
+              <a:chOff x="5361118" y="3234889"/>
+              <a:chExt cx="897671" cy="827480"/>
+            </a:xfrm>
+          </p:grpSpPr>
+          <p:sp>
+            <p:nvSpPr>
+              <p:cNvPr id="30" name="Retângulo 29"/>
+              <p:cNvSpPr/>
+              <p:nvPr/>
+            </p:nvSpPr>
+            <p:spPr>
+              <a:xfrm>
+                <a:off x="5477392" y="3234889"/>
+                <a:ext cx="781397" cy="695095"/>
+              </a:xfrm>
+              <a:prstGeom prst="rect">
+                <a:avLst/>
+              </a:prstGeom>
+              <a:solidFill>
+                <a:schemeClr val="accent4">
+                  <a:lumMod val="40000"/>
+                  <a:lumOff val="60000"/>
+                </a:schemeClr>
+              </a:solidFill>
+              <a:ln>
+                <a:solidFill>
+                  <a:schemeClr val="bg1"/>
+                </a:solidFill>
+              </a:ln>
+            </p:spPr>
+            <p:style>
+              <a:lnRef idx="2">
+                <a:schemeClr val="accent1">
+                  <a:shade val="50000"/>
+                </a:schemeClr>
+              </a:lnRef>
+              <a:fillRef idx="1">
+                <a:schemeClr val="accent1"/>
+              </a:fillRef>
+              <a:effectRef idx="0">
+                <a:schemeClr val="accent1"/>
+              </a:effectRef>
+              <a:fontRef idx="minor">
+                <a:schemeClr val="lt1"/>
+              </a:fontRef>
+            </p:style>
+            <p:txBody>
+              <a:bodyPr rtlCol="0" anchor="ctr"/>
+              <a:lstStyle/>
+              <a:p>
+                <a:pPr algn="ctr"/>
+                <a:endParaRPr lang="pt-BR" dirty="0"/>
+              </a:p>
+            </p:txBody>
+          </p:sp>
+          <p:sp>
+            <p:nvSpPr>
+              <p:cNvPr id="31" name="Retângulo 30"/>
+              <p:cNvSpPr/>
+              <p:nvPr/>
+            </p:nvSpPr>
+            <p:spPr>
+              <a:xfrm>
+                <a:off x="5361118" y="3367274"/>
+                <a:ext cx="781397" cy="695095"/>
+              </a:xfrm>
+              <a:prstGeom prst="rect">
+                <a:avLst/>
+              </a:prstGeom>
+              <a:solidFill>
+                <a:schemeClr val="accent4"/>
+              </a:solidFill>
+              <a:ln>
+                <a:noFill/>
+              </a:ln>
+            </p:spPr>
+            <p:style>
+              <a:lnRef idx="2">
+                <a:schemeClr val="accent1">
+                  <a:shade val="50000"/>
+                </a:schemeClr>
+              </a:lnRef>
+              <a:fillRef idx="1">
+                <a:schemeClr val="accent1"/>
+              </a:fillRef>
+              <a:effectRef idx="0">
+                <a:schemeClr val="accent1"/>
+              </a:effectRef>
+              <a:fontRef idx="minor">
+                <a:schemeClr val="lt1"/>
+              </a:fontRef>
+            </p:style>
+            <p:txBody>
+              <a:bodyPr rtlCol="0" anchor="ctr"/>
+              <a:lstStyle/>
+              <a:p>
+                <a:pPr algn="ctr"/>
+                <a:r>
+                  <a:rPr lang="pt-BR" dirty="0" smtClean="0"/>
+                  <a:t>R7</a:t>
+                </a:r>
+              </a:p>
+              <a:p>
+                <a:pPr algn="ctr"/>
+                <a:endParaRPr lang="pt-BR" dirty="0"/>
+              </a:p>
+            </p:txBody>
+          </p:sp>
+        </p:grpSp>
+        <p:sp>
+          <p:nvSpPr>
+            <p:cNvPr id="38" name="CaixaDeTexto 37"/>
+            <p:cNvSpPr txBox="1"/>
+            <p:nvPr/>
+          </p:nvSpPr>
+          <p:spPr>
+            <a:xfrm rot="16200000">
+              <a:off x="903616" y="766918"/>
+              <a:ext cx="1204313" cy="400110"/>
+            </a:xfrm>
+            <a:prstGeom prst="rect">
+              <a:avLst/>
+            </a:prstGeom>
+            <a:noFill/>
+          </p:spPr>
+          <p:txBody>
+            <a:bodyPr wrap="square" rtlCol="0">
+              <a:spAutoFit/>
+            </a:bodyPr>
+            <a:lstStyle/>
+            <a:p>
+              <a:pPr algn="ctr"/>
+              <a:r>
+                <a:rPr lang="pt-BR" sz="2000" dirty="0" smtClean="0"/>
+                <a:t>Consumo</a:t>
+              </a:r>
+              <a:endParaRPr lang="pt-BR" sz="2000" dirty="0"/>
+            </a:p>
+          </p:txBody>
+        </p:sp>
+        <p:sp>
+          <p:nvSpPr>
+            <p:cNvPr id="39" name="CaixaDeTexto 38"/>
+            <p:cNvSpPr txBox="1"/>
+            <p:nvPr/>
+          </p:nvSpPr>
+          <p:spPr>
+            <a:xfrm>
+              <a:off x="7861245" y="6097944"/>
+              <a:ext cx="2452148" cy="400110"/>
+            </a:xfrm>
+            <a:prstGeom prst="rect">
+              <a:avLst/>
+            </a:prstGeom>
+            <a:noFill/>
+          </p:spPr>
+          <p:txBody>
+            <a:bodyPr wrap="square" rtlCol="0">
+              <a:spAutoFit/>
+            </a:bodyPr>
+            <a:lstStyle/>
+            <a:p>
+              <a:pPr algn="ctr"/>
+              <a:r>
+                <a:rPr lang="pt-BR" sz="2000" b="1" dirty="0" smtClean="0"/>
+                <a:t>Poder computacional</a:t>
+              </a:r>
+              <a:endParaRPr lang="pt-BR" sz="2000" b="1" dirty="0" smtClean="0"/>
+            </a:p>
+          </p:txBody>
+        </p:sp>
+        <p:cxnSp>
+          <p:nvCxnSpPr>
+            <p:cNvPr id="41" name="Conector de seta reta 40"/>
+            <p:cNvCxnSpPr/>
+            <p:nvPr/>
+          </p:nvCxnSpPr>
+          <p:spPr>
+            <a:xfrm flipV="1">
+              <a:off x="2823146" y="524577"/>
+              <a:ext cx="0" cy="5580000"/>
+            </a:xfrm>
+            <a:prstGeom prst="straightConnector1">
+              <a:avLst/>
+            </a:prstGeom>
+            <a:ln w="19050">
+              <a:solidFill>
+                <a:schemeClr val="bg1"/>
+              </a:solidFill>
+              <a:headEnd type="none" w="med" len="med"/>
+              <a:tailEnd type="none" w="med" len="med"/>
+            </a:ln>
+          </p:spPr>
+          <p:style>
+            <a:lnRef idx="1">
+              <a:schemeClr val="accent1"/>
+            </a:lnRef>
+            <a:fillRef idx="0">
+              <a:schemeClr val="accent1"/>
+            </a:fillRef>
+            <a:effectRef idx="0">
+              <a:schemeClr val="accent1"/>
+            </a:effectRef>
+            <a:fontRef idx="minor">
+              <a:schemeClr val="tx1"/>
+            </a:fontRef>
+          </p:style>
+        </p:cxnSp>
+        <p:sp>
+          <p:nvSpPr>
+            <p:cNvPr id="5" name="CaixaDeTexto 4"/>
+            <p:cNvSpPr txBox="1"/>
+            <p:nvPr/>
+          </p:nvSpPr>
+          <p:spPr>
+            <a:xfrm rot="5400000">
+              <a:off x="8921941" y="1188042"/>
+              <a:ext cx="1872001" cy="584775"/>
+            </a:xfrm>
+            <a:prstGeom prst="rect">
+              <a:avLst/>
+            </a:prstGeom>
+            <a:noFill/>
+          </p:spPr>
+          <p:txBody>
+            <a:bodyPr wrap="square" rtlCol="0">
+              <a:spAutoFit/>
+            </a:bodyPr>
+            <a:lstStyle/>
+            <a:p>
+              <a:pPr algn="ctr"/>
+              <a:r>
+                <a:rPr lang="pt-BR" sz="1600" dirty="0" smtClean="0"/>
+                <a:t>Processadores de Aplicação</a:t>
+              </a:r>
+              <a:endParaRPr lang="pt-BR" sz="1600" dirty="0"/>
+            </a:p>
+          </p:txBody>
+        </p:sp>
+        <p:sp>
+          <p:nvSpPr>
+            <p:cNvPr id="42" name="CaixaDeTexto 41"/>
+            <p:cNvSpPr txBox="1"/>
+            <p:nvPr/>
+          </p:nvSpPr>
+          <p:spPr>
+            <a:xfrm rot="5400000">
+              <a:off x="8930620" y="3060654"/>
+              <a:ext cx="1872001" cy="584775"/>
+            </a:xfrm>
+            <a:prstGeom prst="rect">
+              <a:avLst/>
+            </a:prstGeom>
+            <a:noFill/>
+          </p:spPr>
+          <p:txBody>
+            <a:bodyPr wrap="square" rtlCol="0">
+              <a:spAutoFit/>
+            </a:bodyPr>
+            <a:lstStyle/>
+            <a:p>
+              <a:pPr algn="ctr"/>
+              <a:r>
+                <a:rPr lang="pt-BR" sz="1600" dirty="0" smtClean="0"/>
+                <a:t>Processadores de Tempo Real</a:t>
+              </a:r>
+              <a:endParaRPr lang="pt-BR" sz="1600" dirty="0"/>
+            </a:p>
+          </p:txBody>
+        </p:sp>
+        <p:sp>
+          <p:nvSpPr>
+            <p:cNvPr id="43" name="CaixaDeTexto 42"/>
+            <p:cNvSpPr txBox="1"/>
+            <p:nvPr/>
+          </p:nvSpPr>
+          <p:spPr>
+            <a:xfrm rot="5400000">
+              <a:off x="8990759" y="5013807"/>
+              <a:ext cx="1980585" cy="338554"/>
+            </a:xfrm>
+            <a:prstGeom prst="rect">
+              <a:avLst/>
+            </a:prstGeom>
+            <a:noFill/>
+          </p:spPr>
+          <p:txBody>
+            <a:bodyPr wrap="square" rtlCol="0">
+              <a:spAutoFit/>
+            </a:bodyPr>
+            <a:lstStyle/>
+            <a:p>
+              <a:pPr algn="ctr"/>
+              <a:r>
+                <a:rPr lang="pt-BR" sz="1600" dirty="0" smtClean="0"/>
+                <a:t>Microcontroladores</a:t>
+              </a:r>
+              <a:endParaRPr lang="pt-BR" sz="1600" dirty="0"/>
+            </a:p>
+          </p:txBody>
+        </p:sp>
+        <p:cxnSp>
+          <p:nvCxnSpPr>
+            <p:cNvPr id="37" name="Conector de seta reta 36"/>
+            <p:cNvCxnSpPr/>
+            <p:nvPr/>
+          </p:nvCxnSpPr>
+          <p:spPr>
+            <a:xfrm flipV="1">
+              <a:off x="5221443" y="500515"/>
+              <a:ext cx="0" cy="5580000"/>
+            </a:xfrm>
+            <a:prstGeom prst="straightConnector1">
+              <a:avLst/>
+            </a:prstGeom>
+            <a:ln w="19050">
+              <a:solidFill>
+                <a:schemeClr val="bg1"/>
+              </a:solidFill>
+              <a:headEnd type="none" w="med" len="med"/>
+              <a:tailEnd type="none" w="med" len="med"/>
+            </a:ln>
+          </p:spPr>
+          <p:style>
+            <a:lnRef idx="1">
+              <a:schemeClr val="accent1"/>
+            </a:lnRef>
+            <a:fillRef idx="0">
+              <a:schemeClr val="accent1"/>
+            </a:fillRef>
+            <a:effectRef idx="0">
+              <a:schemeClr val="accent1"/>
+            </a:effectRef>
+            <a:fontRef idx="minor">
+              <a:schemeClr val="tx1"/>
+            </a:fontRef>
+          </p:style>
+        </p:cxnSp>
+        <p:cxnSp>
+          <p:nvCxnSpPr>
+            <p:cNvPr id="44" name="Conector de seta reta 43"/>
+            <p:cNvCxnSpPr/>
+            <p:nvPr/>
+          </p:nvCxnSpPr>
+          <p:spPr>
+            <a:xfrm flipV="1">
+              <a:off x="7812243" y="516557"/>
+              <a:ext cx="0" cy="5580000"/>
+            </a:xfrm>
+            <a:prstGeom prst="straightConnector1">
+              <a:avLst/>
+            </a:prstGeom>
+            <a:ln w="19050">
+              <a:solidFill>
+                <a:schemeClr val="bg1"/>
+              </a:solidFill>
+              <a:headEnd type="none" w="med" len="med"/>
+              <a:tailEnd type="none" w="med" len="med"/>
+            </a:ln>
+          </p:spPr>
+          <p:style>
+            <a:lnRef idx="1">
+              <a:schemeClr val="accent1"/>
+            </a:lnRef>
+            <a:fillRef idx="0">
+              <a:schemeClr val="accent1"/>
+            </a:fillRef>
+            <a:effectRef idx="0">
+              <a:schemeClr val="accent1"/>
+            </a:effectRef>
+            <a:fontRef idx="minor">
+              <a:schemeClr val="tx1"/>
+            </a:fontRef>
+          </p:style>
+        </p:cxnSp>
+        <p:sp>
+          <p:nvSpPr>
+            <p:cNvPr id="2" name="Retângulo 1"/>
+            <p:cNvSpPr/>
+            <p:nvPr/>
+          </p:nvSpPr>
+          <p:spPr>
+            <a:xfrm>
+              <a:off x="4150690" y="4723649"/>
+              <a:ext cx="881873" cy="400110"/>
+            </a:xfrm>
+            <a:prstGeom prst="rect">
+              <a:avLst/>
+            </a:prstGeom>
+          </p:spPr>
+          <p:txBody>
+            <a:bodyPr wrap="square">
+              <a:spAutoFit/>
+            </a:bodyPr>
+            <a:lstStyle/>
+            <a:p>
+              <a:pPr algn="ctr"/>
+              <a:r>
+                <a:rPr lang="pt-BR" sz="1000" b="1" dirty="0">
+                  <a:solidFill>
+                    <a:schemeClr val="bg1"/>
+                  </a:solidFill>
+                </a:rPr>
+                <a:t>(FPU, SIMD, DSP)</a:t>
+              </a:r>
+              <a:endParaRPr lang="pt-BR" sz="1000" b="1" dirty="0">
+                <a:solidFill>
+                  <a:schemeClr val="bg1"/>
+                </a:solidFill>
+              </a:endParaRPr>
+            </a:p>
+          </p:txBody>
+        </p:sp>
+        <p:sp>
+          <p:nvSpPr>
+            <p:cNvPr id="45" name="Retângulo 44"/>
+            <p:cNvSpPr/>
+            <p:nvPr/>
+          </p:nvSpPr>
+          <p:spPr>
+            <a:xfrm>
+              <a:off x="5370740" y="3415384"/>
+              <a:ext cx="881873" cy="400110"/>
+            </a:xfrm>
+            <a:prstGeom prst="rect">
+              <a:avLst/>
+            </a:prstGeom>
+          </p:spPr>
+          <p:txBody>
+            <a:bodyPr wrap="square">
+              <a:spAutoFit/>
+            </a:bodyPr>
+            <a:lstStyle/>
+            <a:p>
+              <a:pPr algn="ctr"/>
+              <a:r>
+                <a:rPr lang="pt-BR" sz="1000" b="1" dirty="0">
+                  <a:solidFill>
+                    <a:schemeClr val="bg1"/>
+                  </a:solidFill>
+                </a:rPr>
+                <a:t>(FPU, SIMD, DSP)</a:t>
+              </a:r>
+              <a:endParaRPr lang="pt-BR" sz="1000" b="1" dirty="0">
+                <a:solidFill>
+                  <a:schemeClr val="bg1"/>
+                </a:solidFill>
+              </a:endParaRPr>
+            </a:p>
+          </p:txBody>
+        </p:sp>
+        <p:sp>
+          <p:nvSpPr>
+            <p:cNvPr id="46" name="Retângulo 45"/>
+            <p:cNvSpPr/>
+            <p:nvPr/>
+          </p:nvSpPr>
+          <p:spPr>
+            <a:xfrm>
+              <a:off x="6601187" y="3415384"/>
+              <a:ext cx="881873" cy="400110"/>
+            </a:xfrm>
+            <a:prstGeom prst="rect">
+              <a:avLst/>
+            </a:prstGeom>
+          </p:spPr>
+          <p:txBody>
+            <a:bodyPr wrap="square">
+              <a:spAutoFit/>
+            </a:bodyPr>
+            <a:lstStyle/>
+            <a:p>
+              <a:pPr algn="ctr"/>
+              <a:r>
+                <a:rPr lang="pt-BR" sz="1000" b="1" dirty="0">
+                  <a:solidFill>
+                    <a:schemeClr val="bg1"/>
+                  </a:solidFill>
+                </a:rPr>
+                <a:t>(FPU, SIMD, DSP)</a:t>
+              </a:r>
+              <a:endParaRPr lang="pt-BR" sz="1000" b="1" dirty="0">
+                <a:solidFill>
+                  <a:schemeClr val="bg1"/>
+                </a:solidFill>
+              </a:endParaRPr>
+            </a:p>
+          </p:txBody>
+        </p:sp>
+        <p:sp>
+          <p:nvSpPr>
+            <p:cNvPr id="47" name="Retângulo 46"/>
+            <p:cNvSpPr/>
+            <p:nvPr/>
+          </p:nvSpPr>
+          <p:spPr>
+            <a:xfrm>
+              <a:off x="7950885" y="3415384"/>
+              <a:ext cx="881873" cy="400110"/>
+            </a:xfrm>
+            <a:prstGeom prst="rect">
+              <a:avLst/>
+            </a:prstGeom>
+          </p:spPr>
+          <p:txBody>
+            <a:bodyPr wrap="square">
+              <a:spAutoFit/>
+            </a:bodyPr>
+            <a:lstStyle/>
+            <a:p>
+              <a:pPr algn="ctr"/>
+              <a:r>
+                <a:rPr lang="pt-BR" sz="1000" b="1" dirty="0">
+                  <a:solidFill>
+                    <a:schemeClr val="bg1"/>
+                  </a:solidFill>
+                </a:rPr>
+                <a:t>(FPU, SIMD, DSP)</a:t>
+              </a:r>
+              <a:endParaRPr lang="pt-BR" sz="1000" b="1" dirty="0">
+                <a:solidFill>
+                  <a:schemeClr val="bg1"/>
+                </a:solidFill>
+              </a:endParaRPr>
+            </a:p>
+          </p:txBody>
+        </p:sp>
+        <p:sp>
+          <p:nvSpPr>
+            <p:cNvPr id="48" name="Retângulo 47"/>
+            <p:cNvSpPr/>
+            <p:nvPr/>
+          </p:nvSpPr>
+          <p:spPr>
+            <a:xfrm>
+              <a:off x="6005189" y="1603137"/>
+              <a:ext cx="881873" cy="400110"/>
+            </a:xfrm>
+            <a:prstGeom prst="rect">
+              <a:avLst/>
+            </a:prstGeom>
+          </p:spPr>
+          <p:txBody>
+            <a:bodyPr wrap="square">
+              <a:spAutoFit/>
+            </a:bodyPr>
+            <a:lstStyle/>
+            <a:p>
+              <a:pPr algn="ctr"/>
+              <a:r>
+                <a:rPr lang="pt-BR" sz="1000" b="1" dirty="0">
+                  <a:solidFill>
+                    <a:schemeClr val="bg1"/>
+                  </a:solidFill>
+                </a:rPr>
+                <a:t>(FPU, SIMD, DSP)</a:t>
+              </a:r>
+              <a:endParaRPr lang="pt-BR" sz="1000" b="1" dirty="0">
+                <a:solidFill>
+                  <a:schemeClr val="bg1"/>
+                </a:solidFill>
+              </a:endParaRPr>
+            </a:p>
+          </p:txBody>
+        </p:sp>
+        <p:sp>
+          <p:nvSpPr>
+            <p:cNvPr id="49" name="Retângulo 48"/>
+            <p:cNvSpPr/>
+            <p:nvPr/>
+          </p:nvSpPr>
+          <p:spPr>
+            <a:xfrm>
+              <a:off x="7976024" y="1603137"/>
+              <a:ext cx="881873" cy="400110"/>
+            </a:xfrm>
+            <a:prstGeom prst="rect">
+              <a:avLst/>
+            </a:prstGeom>
+          </p:spPr>
+          <p:txBody>
+            <a:bodyPr wrap="square">
+              <a:spAutoFit/>
+            </a:bodyPr>
+            <a:lstStyle/>
+            <a:p>
+              <a:pPr algn="ctr"/>
+              <a:r>
+                <a:rPr lang="pt-BR" sz="1000" b="1" dirty="0">
+                  <a:solidFill>
+                    <a:schemeClr val="bg1"/>
+                  </a:solidFill>
+                </a:rPr>
+                <a:t>(FPU, SIMD, DSP)</a:t>
+              </a:r>
+              <a:endParaRPr lang="pt-BR" sz="1000" b="1" dirty="0">
+                <a:solidFill>
+                  <a:schemeClr val="bg1"/>
+                </a:solidFill>
+              </a:endParaRPr>
+            </a:p>
+          </p:txBody>
+        </p:sp>
+      </p:grpSp>
+    </p:spTree>
+    <p:extLst>
+      <p:ext uri="{BB962C8B-B14F-4D97-AF65-F5344CB8AC3E}">
+        <p14:creationId xmlns:p14="http://schemas.microsoft.com/office/powerpoint/2010/main" val="615207705"/>
+      </p:ext>
+    </p:extLst>
+  </p:cSld>
+  <p:clrMapOvr>
+    <a:masterClrMapping/>
+  </p:clrMapOvr>
+  <p:timing>
+    <p:tnLst>
+      <p:par>
+        <p:cTn id="1" dur="indefinite" restart="never" nodeType="tmRoot"/>
+      </p:par>
+    </p:tnLst>
+  </p:timing>
 </p:sld>
 </file>
 
@@ -12555,7 +13439,7 @@
           <p:cNvPr id="3" name="Espaço Reservado para Conteúdo 2">
             <a:extLst>
               <a:ext uri="{FF2B5EF4-FFF2-40B4-BE49-F238E27FC236}">
-                <a16:creationId xmlns:a16="http://schemas.microsoft.com/office/drawing/2014/main" xmlns="" id="{E593D060-375B-0AE6-38F7-37726F1E60C1}"/>
+                <a16:creationId xmlns="" xmlns:a16="http://schemas.microsoft.com/office/drawing/2014/main" id="{E593D060-375B-0AE6-38F7-37726F1E60C1}"/>
               </a:ext>
             </a:extLst>
           </p:cNvPr>
@@ -12631,7 +13515,7 @@
           <p:cNvPr id="2" name="Título 1">
             <a:extLst>
               <a:ext uri="{FF2B5EF4-FFF2-40B4-BE49-F238E27FC236}">
-                <a16:creationId xmlns:a16="http://schemas.microsoft.com/office/drawing/2014/main" xmlns="" id="{EECB3FED-5D1A-7084-5333-A3B2FA75F608}"/>
+                <a16:creationId xmlns="" xmlns:a16="http://schemas.microsoft.com/office/drawing/2014/main" id="{EECB3FED-5D1A-7084-5333-A3B2FA75F608}"/>
               </a:ext>
             </a:extLst>
           </p:cNvPr>
@@ -12660,7 +13544,7 @@
           <p:cNvPr id="10" name="Espaço Reservado para Conteúdo 9">
             <a:extLst>
               <a:ext uri="{FF2B5EF4-FFF2-40B4-BE49-F238E27FC236}">
-                <a16:creationId xmlns:a16="http://schemas.microsoft.com/office/drawing/2014/main" xmlns="" id="{CAD93E95-B9C0-F72A-DC66-5932B3365C00}"/>
+                <a16:creationId xmlns="" xmlns:a16="http://schemas.microsoft.com/office/drawing/2014/main" id="{CAD93E95-B9C0-F72A-DC66-5932B3365C00}"/>
               </a:ext>
             </a:extLst>
           </p:cNvPr>
@@ -12721,7 +13605,7 @@
           <p:cNvPr id="12" name="Imagem 11">
             <a:extLst>
               <a:ext uri="{FF2B5EF4-FFF2-40B4-BE49-F238E27FC236}">
-                <a16:creationId xmlns:a16="http://schemas.microsoft.com/office/drawing/2014/main" xmlns="" id="{CEA739A8-9DDE-54DC-65C2-46F29815DD7C}"/>
+                <a16:creationId xmlns="" xmlns:a16="http://schemas.microsoft.com/office/drawing/2014/main" id="{CEA739A8-9DDE-54DC-65C2-46F29815DD7C}"/>
               </a:ext>
             </a:extLst>
           </p:cNvPr>
@@ -12750,7 +13634,7 @@
           <p:cNvPr id="13" name="Seta: para a Direita 12">
             <a:extLst>
               <a:ext uri="{FF2B5EF4-FFF2-40B4-BE49-F238E27FC236}">
-                <a16:creationId xmlns:a16="http://schemas.microsoft.com/office/drawing/2014/main" xmlns="" id="{A58B0515-7EE2-661F-8CF7-159A3180611C}"/>
+                <a16:creationId xmlns="" xmlns:a16="http://schemas.microsoft.com/office/drawing/2014/main" id="{A58B0515-7EE2-661F-8CF7-159A3180611C}"/>
               </a:ext>
             </a:extLst>
           </p:cNvPr>
@@ -12799,7 +13683,7 @@
           <p:cNvPr id="15" name="CaixaDeTexto 14">
             <a:extLst>
               <a:ext uri="{FF2B5EF4-FFF2-40B4-BE49-F238E27FC236}">
-                <a16:creationId xmlns:a16="http://schemas.microsoft.com/office/drawing/2014/main" xmlns="" id="{28114B5B-9C22-66F7-D654-04DADEBD308B}"/>
+                <a16:creationId xmlns="" xmlns:a16="http://schemas.microsoft.com/office/drawing/2014/main" id="{28114B5B-9C22-66F7-D654-04DADEBD308B}"/>
               </a:ext>
             </a:extLst>
           </p:cNvPr>
@@ -12874,7 +13758,7 @@
           <p:cNvPr id="2" name="Título 1">
             <a:extLst>
               <a:ext uri="{FF2B5EF4-FFF2-40B4-BE49-F238E27FC236}">
-                <a16:creationId xmlns:a16="http://schemas.microsoft.com/office/drawing/2014/main" xmlns="" id="{4EDD6D47-4125-BA5B-D927-ED65C2DF1AC5}"/>
+                <a16:creationId xmlns="" xmlns:a16="http://schemas.microsoft.com/office/drawing/2014/main" id="{4EDD6D47-4125-BA5B-D927-ED65C2DF1AC5}"/>
               </a:ext>
             </a:extLst>
           </p:cNvPr>
@@ -12902,7 +13786,7 @@
           <p:cNvPr id="3" name="Espaço Reservado para Conteúdo 2">
             <a:extLst>
               <a:ext uri="{FF2B5EF4-FFF2-40B4-BE49-F238E27FC236}">
-                <a16:creationId xmlns:a16="http://schemas.microsoft.com/office/drawing/2014/main" xmlns="" id="{C263FDBF-63E9-16B3-C03D-904806025257}"/>
+                <a16:creationId xmlns="" xmlns:a16="http://schemas.microsoft.com/office/drawing/2014/main" id="{C263FDBF-63E9-16B3-C03D-904806025257}"/>
               </a:ext>
             </a:extLst>
           </p:cNvPr>
@@ -12941,7 +13825,7 @@
           <p:cNvPr id="12" name="Agrupar 11">
             <a:extLst>
               <a:ext uri="{FF2B5EF4-FFF2-40B4-BE49-F238E27FC236}">
-                <a16:creationId xmlns:a16="http://schemas.microsoft.com/office/drawing/2014/main" xmlns="" id="{2EDC408E-09E5-406C-3A23-771CF37E8451}"/>
+                <a16:creationId xmlns="" xmlns:a16="http://schemas.microsoft.com/office/drawing/2014/main" id="{2EDC408E-09E5-406C-3A23-771CF37E8451}"/>
               </a:ext>
             </a:extLst>
           </p:cNvPr>
@@ -12961,7 +13845,7 @@
             <p:cNvPr id="4" name="Retângulo 3">
               <a:extLst>
                 <a:ext uri="{FF2B5EF4-FFF2-40B4-BE49-F238E27FC236}">
-                  <a16:creationId xmlns:a16="http://schemas.microsoft.com/office/drawing/2014/main" xmlns="" id="{F7CD0A75-52D7-601B-3548-7DD16507AC55}"/>
+                  <a16:creationId xmlns="" xmlns:a16="http://schemas.microsoft.com/office/drawing/2014/main" id="{F7CD0A75-52D7-601B-3548-7DD16507AC55}"/>
                 </a:ext>
               </a:extLst>
             </p:cNvPr>
@@ -13010,7 +13894,7 @@
             <p:cNvPr id="5" name="Retângulo 4">
               <a:extLst>
                 <a:ext uri="{FF2B5EF4-FFF2-40B4-BE49-F238E27FC236}">
-                  <a16:creationId xmlns:a16="http://schemas.microsoft.com/office/drawing/2014/main" xmlns="" id="{FB694568-DD33-C872-DC61-5F3350652B58}"/>
+                  <a16:creationId xmlns="" xmlns:a16="http://schemas.microsoft.com/office/drawing/2014/main" id="{FB694568-DD33-C872-DC61-5F3350652B58}"/>
                 </a:ext>
               </a:extLst>
             </p:cNvPr>
@@ -13059,7 +13943,7 @@
             <p:cNvPr id="6" name="Retângulo 5">
               <a:extLst>
                 <a:ext uri="{FF2B5EF4-FFF2-40B4-BE49-F238E27FC236}">
-                  <a16:creationId xmlns:a16="http://schemas.microsoft.com/office/drawing/2014/main" xmlns="" id="{CC32C5C9-CC2F-29AC-5FD2-C22A71D93240}"/>
+                  <a16:creationId xmlns="" xmlns:a16="http://schemas.microsoft.com/office/drawing/2014/main" id="{CC32C5C9-CC2F-29AC-5FD2-C22A71D93240}"/>
                 </a:ext>
               </a:extLst>
             </p:cNvPr>
@@ -13108,7 +13992,7 @@
             <p:cNvPr id="7" name="Retângulo 6">
               <a:extLst>
                 <a:ext uri="{FF2B5EF4-FFF2-40B4-BE49-F238E27FC236}">
-                  <a16:creationId xmlns:a16="http://schemas.microsoft.com/office/drawing/2014/main" xmlns="" id="{B42C7A3A-9373-8002-2AD3-B85163BAF440}"/>
+                  <a16:creationId xmlns="" xmlns:a16="http://schemas.microsoft.com/office/drawing/2014/main" id="{B42C7A3A-9373-8002-2AD3-B85163BAF440}"/>
                 </a:ext>
               </a:extLst>
             </p:cNvPr>
@@ -13160,7 +14044,7 @@
             <p:cNvPr id="10" name="CaixaDeTexto 9">
               <a:extLst>
                 <a:ext uri="{FF2B5EF4-FFF2-40B4-BE49-F238E27FC236}">
-                  <a16:creationId xmlns:a16="http://schemas.microsoft.com/office/drawing/2014/main" xmlns="" id="{7CA0E8A3-3CC7-3AD4-BAB3-28F3BEAE4EB9}"/>
+                  <a16:creationId xmlns="" xmlns:a16="http://schemas.microsoft.com/office/drawing/2014/main" id="{7CA0E8A3-3CC7-3AD4-BAB3-28F3BEAE4EB9}"/>
                 </a:ext>
               </a:extLst>
             </p:cNvPr>
@@ -13199,7 +14083,7 @@
             <p:cNvPr id="11" name="Retângulo 10">
               <a:extLst>
                 <a:ext uri="{FF2B5EF4-FFF2-40B4-BE49-F238E27FC236}">
-                  <a16:creationId xmlns:a16="http://schemas.microsoft.com/office/drawing/2014/main" xmlns="" id="{087FEC47-0CCA-81EA-5F83-D0A7A41D9F77}"/>
+                  <a16:creationId xmlns="" xmlns:a16="http://schemas.microsoft.com/office/drawing/2014/main" id="{087FEC47-0CCA-81EA-5F83-D0A7A41D9F77}"/>
                 </a:ext>
               </a:extLst>
             </p:cNvPr>
@@ -13282,7 +14166,7 @@
           <p:cNvPr id="2" name="Título 1">
             <a:extLst>
               <a:ext uri="{FF2B5EF4-FFF2-40B4-BE49-F238E27FC236}">
-                <a16:creationId xmlns:a16="http://schemas.microsoft.com/office/drawing/2014/main" xmlns="" id="{3AD5B010-D389-9F24-88DD-ABD819024EF4}"/>
+                <a16:creationId xmlns="" xmlns:a16="http://schemas.microsoft.com/office/drawing/2014/main" id="{3AD5B010-D389-9F24-88DD-ABD819024EF4}"/>
               </a:ext>
             </a:extLst>
           </p:cNvPr>
@@ -13310,7 +14194,7 @@
           <p:cNvPr id="3" name="Espaço Reservado para Conteúdo 2">
             <a:extLst>
               <a:ext uri="{FF2B5EF4-FFF2-40B4-BE49-F238E27FC236}">
-                <a16:creationId xmlns:a16="http://schemas.microsoft.com/office/drawing/2014/main" xmlns="" id="{89919961-CFD1-9874-E040-C32CC360CB7B}"/>
+                <a16:creationId xmlns="" xmlns:a16="http://schemas.microsoft.com/office/drawing/2014/main" id="{89919961-CFD1-9874-E040-C32CC360CB7B}"/>
               </a:ext>
             </a:extLst>
           </p:cNvPr>
@@ -13429,7 +14313,7 @@
           <p:cNvPr id="3076" name="Picture 4" descr="Intel PNG Images Transparent Free Download | PNGMart">
             <a:extLst>
               <a:ext uri="{FF2B5EF4-FFF2-40B4-BE49-F238E27FC236}">
-                <a16:creationId xmlns:a16="http://schemas.microsoft.com/office/drawing/2014/main" xmlns="" id="{E0D6BF7A-CBA0-FFC0-CE24-D00179B2B114}"/>
+                <a16:creationId xmlns="" xmlns:a16="http://schemas.microsoft.com/office/drawing/2014/main" id="{E0D6BF7A-CBA0-FFC0-CE24-D00179B2B114}"/>
               </a:ext>
             </a:extLst>
           </p:cNvPr>
@@ -13476,7 +14360,7 @@
           <p:cNvPr id="3078" name="Picture 6" descr="Ram white background Stock Photos, Royalty Free Ram white background Images  | Depositphotos">
             <a:extLst>
               <a:ext uri="{FF2B5EF4-FFF2-40B4-BE49-F238E27FC236}">
-                <a16:creationId xmlns:a16="http://schemas.microsoft.com/office/drawing/2014/main" xmlns="" id="{B4E42250-58D2-E294-1B36-D464E3119D9B}"/>
+                <a16:creationId xmlns="" xmlns:a16="http://schemas.microsoft.com/office/drawing/2014/main" id="{B4E42250-58D2-E294-1B36-D464E3119D9B}"/>
               </a:ext>
             </a:extLst>
           </p:cNvPr>
@@ -13521,7 +14405,7 @@
           <p:cNvPr id="3080" name="Picture 8" descr="Ssd Background Png - Samsung It 1tb 2.5&quot; 840 Evo Sataiii Ssd Transparent  PNG - 876x420 - Free Download on NicePNG">
             <a:extLst>
               <a:ext uri="{FF2B5EF4-FFF2-40B4-BE49-F238E27FC236}">
-                <a16:creationId xmlns:a16="http://schemas.microsoft.com/office/drawing/2014/main" xmlns="" id="{AEB344B2-8DEA-A8F9-7E58-15A6044E3C56}"/>
+                <a16:creationId xmlns="" xmlns:a16="http://schemas.microsoft.com/office/drawing/2014/main" id="{AEB344B2-8DEA-A8F9-7E58-15A6044E3C56}"/>
               </a:ext>
             </a:extLst>
           </p:cNvPr>
@@ -13566,7 +14450,7 @@
           <p:cNvPr id="5" name="CaixaDeTexto 4">
             <a:extLst>
               <a:ext uri="{FF2B5EF4-FFF2-40B4-BE49-F238E27FC236}">
-                <a16:creationId xmlns:a16="http://schemas.microsoft.com/office/drawing/2014/main" xmlns="" id="{15B09719-877B-0B03-8617-606D5CDBFDB1}"/>
+                <a16:creationId xmlns="" xmlns:a16="http://schemas.microsoft.com/office/drawing/2014/main" id="{15B09719-877B-0B03-8617-606D5CDBFDB1}"/>
               </a:ext>
             </a:extLst>
           </p:cNvPr>
@@ -13602,7 +14486,7 @@
           <p:cNvPr id="6" name="CaixaDeTexto 5">
             <a:extLst>
               <a:ext uri="{FF2B5EF4-FFF2-40B4-BE49-F238E27FC236}">
-                <a16:creationId xmlns:a16="http://schemas.microsoft.com/office/drawing/2014/main" xmlns="" id="{508D7EF1-8E4B-B507-D5FE-56EF8EF5C9C9}"/>
+                <a16:creationId xmlns="" xmlns:a16="http://schemas.microsoft.com/office/drawing/2014/main" id="{508D7EF1-8E4B-B507-D5FE-56EF8EF5C9C9}"/>
               </a:ext>
             </a:extLst>
           </p:cNvPr>
@@ -13638,7 +14522,7 @@
           <p:cNvPr id="7" name="CaixaDeTexto 6">
             <a:extLst>
               <a:ext uri="{FF2B5EF4-FFF2-40B4-BE49-F238E27FC236}">
-                <a16:creationId xmlns:a16="http://schemas.microsoft.com/office/drawing/2014/main" xmlns="" id="{AA7F6C35-840A-E9AF-DB8B-4AFC270AC1D9}"/>
+                <a16:creationId xmlns="" xmlns:a16="http://schemas.microsoft.com/office/drawing/2014/main" id="{AA7F6C35-840A-E9AF-DB8B-4AFC270AC1D9}"/>
               </a:ext>
             </a:extLst>
           </p:cNvPr>
@@ -13704,7 +14588,7 @@
           <p:cNvPr id="3" name="Espaço Reservado para Conteúdo 2">
             <a:extLst>
               <a:ext uri="{FF2B5EF4-FFF2-40B4-BE49-F238E27FC236}">
-                <a16:creationId xmlns:a16="http://schemas.microsoft.com/office/drawing/2014/main" xmlns="" id="{D9FEA643-8A9F-77B8-9B0B-66484FEBBB9D}"/>
+                <a16:creationId xmlns="" xmlns:a16="http://schemas.microsoft.com/office/drawing/2014/main" id="{D9FEA643-8A9F-77B8-9B0B-66484FEBBB9D}"/>
               </a:ext>
             </a:extLst>
           </p:cNvPr>
@@ -13776,7 +14660,7 @@
           <p:cNvPr id="4" name="CaixaDeTexto 3">
             <a:extLst>
               <a:ext uri="{FF2B5EF4-FFF2-40B4-BE49-F238E27FC236}">
-                <a16:creationId xmlns:a16="http://schemas.microsoft.com/office/drawing/2014/main" xmlns="" id="{F01124C2-BEEA-CB7C-E7BC-97FC8DC97112}"/>
+                <a16:creationId xmlns="" xmlns:a16="http://schemas.microsoft.com/office/drawing/2014/main" id="{F01124C2-BEEA-CB7C-E7BC-97FC8DC97112}"/>
               </a:ext>
             </a:extLst>
           </p:cNvPr>
@@ -13846,7 +14730,7 @@
           <p:cNvPr id="2" name="Título 1">
             <a:extLst>
               <a:ext uri="{FF2B5EF4-FFF2-40B4-BE49-F238E27FC236}">
-                <a16:creationId xmlns:a16="http://schemas.microsoft.com/office/drawing/2014/main" xmlns="" id="{CBD0973F-D2B2-1D1F-BABA-5460CE496DC0}"/>
+                <a16:creationId xmlns="" xmlns:a16="http://schemas.microsoft.com/office/drawing/2014/main" id="{CBD0973F-D2B2-1D1F-BABA-5460CE496DC0}"/>
               </a:ext>
             </a:extLst>
           </p:cNvPr>
@@ -13874,7 +14758,7 @@
           <p:cNvPr id="3" name="Espaço Reservado para Conteúdo 2">
             <a:extLst>
               <a:ext uri="{FF2B5EF4-FFF2-40B4-BE49-F238E27FC236}">
-                <a16:creationId xmlns:a16="http://schemas.microsoft.com/office/drawing/2014/main" xmlns="" id="{C03DD8FA-22C9-F5AB-A6A8-FF66C22C6933}"/>
+                <a16:creationId xmlns="" xmlns:a16="http://schemas.microsoft.com/office/drawing/2014/main" id="{C03DD8FA-22C9-F5AB-A6A8-FF66C22C6933}"/>
               </a:ext>
             </a:extLst>
           </p:cNvPr>
@@ -13913,7 +14797,7 @@
           <p:cNvPr id="14" name="Agrupar 13">
             <a:extLst>
               <a:ext uri="{FF2B5EF4-FFF2-40B4-BE49-F238E27FC236}">
-                <a16:creationId xmlns:a16="http://schemas.microsoft.com/office/drawing/2014/main" xmlns="" id="{30367650-A702-9AA3-F2F4-C7AA726DAA09}"/>
+                <a16:creationId xmlns="" xmlns:a16="http://schemas.microsoft.com/office/drawing/2014/main" id="{30367650-A702-9AA3-F2F4-C7AA726DAA09}"/>
               </a:ext>
             </a:extLst>
           </p:cNvPr>
@@ -13933,7 +14817,7 @@
             <p:cNvPr id="5" name="Retângulo 4">
               <a:extLst>
                 <a:ext uri="{FF2B5EF4-FFF2-40B4-BE49-F238E27FC236}">
-                  <a16:creationId xmlns:a16="http://schemas.microsoft.com/office/drawing/2014/main" xmlns="" id="{3C4DEE34-0E69-8818-3384-3458A2C40144}"/>
+                  <a16:creationId xmlns="" xmlns:a16="http://schemas.microsoft.com/office/drawing/2014/main" id="{3C4DEE34-0E69-8818-3384-3458A2C40144}"/>
                 </a:ext>
               </a:extLst>
             </p:cNvPr>
@@ -13982,7 +14866,7 @@
             <p:cNvPr id="6" name="Retângulo 5">
               <a:extLst>
                 <a:ext uri="{FF2B5EF4-FFF2-40B4-BE49-F238E27FC236}">
-                  <a16:creationId xmlns:a16="http://schemas.microsoft.com/office/drawing/2014/main" xmlns="" id="{59D45822-DBEC-F306-40B4-5E633970FCFF}"/>
+                  <a16:creationId xmlns="" xmlns:a16="http://schemas.microsoft.com/office/drawing/2014/main" id="{59D45822-DBEC-F306-40B4-5E633970FCFF}"/>
                 </a:ext>
               </a:extLst>
             </p:cNvPr>
@@ -14036,7 +14920,7 @@
             <p:cNvPr id="7" name="Retângulo 6">
               <a:extLst>
                 <a:ext uri="{FF2B5EF4-FFF2-40B4-BE49-F238E27FC236}">
-                  <a16:creationId xmlns:a16="http://schemas.microsoft.com/office/drawing/2014/main" xmlns="" id="{7584E838-82E3-85EF-78FA-9A5AC8685F24}"/>
+                  <a16:creationId xmlns="" xmlns:a16="http://schemas.microsoft.com/office/drawing/2014/main" id="{7584E838-82E3-85EF-78FA-9A5AC8685F24}"/>
                 </a:ext>
               </a:extLst>
             </p:cNvPr>
@@ -14101,7 +14985,7 @@
             <p:cNvPr id="8" name="Retângulo 7">
               <a:extLst>
                 <a:ext uri="{FF2B5EF4-FFF2-40B4-BE49-F238E27FC236}">
-                  <a16:creationId xmlns:a16="http://schemas.microsoft.com/office/drawing/2014/main" xmlns="" id="{8E52A325-5FA1-CC62-3B12-C139039F3760}"/>
+                  <a16:creationId xmlns="" xmlns:a16="http://schemas.microsoft.com/office/drawing/2014/main" id="{8E52A325-5FA1-CC62-3B12-C139039F3760}"/>
                 </a:ext>
               </a:extLst>
             </p:cNvPr>
@@ -14155,7 +15039,7 @@
             <p:cNvPr id="9" name="Retângulo 8">
               <a:extLst>
                 <a:ext uri="{FF2B5EF4-FFF2-40B4-BE49-F238E27FC236}">
-                  <a16:creationId xmlns:a16="http://schemas.microsoft.com/office/drawing/2014/main" xmlns="" id="{2D84A235-8D55-651D-AB9D-4BB20117A6CC}"/>
+                  <a16:creationId xmlns="" xmlns:a16="http://schemas.microsoft.com/office/drawing/2014/main" id="{2D84A235-8D55-651D-AB9D-4BB20117A6CC}"/>
                 </a:ext>
               </a:extLst>
             </p:cNvPr>
@@ -14209,7 +15093,7 @@
             <p:cNvPr id="10" name="Retângulo 9">
               <a:extLst>
                 <a:ext uri="{FF2B5EF4-FFF2-40B4-BE49-F238E27FC236}">
-                  <a16:creationId xmlns:a16="http://schemas.microsoft.com/office/drawing/2014/main" xmlns="" id="{C01FCDE1-D1C8-19F8-CF94-13CA38A37148}"/>
+                  <a16:creationId xmlns="" xmlns:a16="http://schemas.microsoft.com/office/drawing/2014/main" id="{C01FCDE1-D1C8-19F8-CF94-13CA38A37148}"/>
                 </a:ext>
               </a:extLst>
             </p:cNvPr>
@@ -14279,7 +15163,7 @@
             <p:cNvPr id="11" name="Seta: da Esquerda para a Direita 10">
               <a:extLst>
                 <a:ext uri="{FF2B5EF4-FFF2-40B4-BE49-F238E27FC236}">
-                  <a16:creationId xmlns:a16="http://schemas.microsoft.com/office/drawing/2014/main" xmlns="" id="{922C4890-45F7-3511-5E6C-CC58BA97EBBD}"/>
+                  <a16:creationId xmlns="" xmlns:a16="http://schemas.microsoft.com/office/drawing/2014/main" id="{922C4890-45F7-3511-5E6C-CC58BA97EBBD}"/>
                 </a:ext>
               </a:extLst>
             </p:cNvPr>
@@ -14335,7 +15219,7 @@
             <p:cNvPr id="12" name="Seta: da Esquerda para a Direita 11">
               <a:extLst>
                 <a:ext uri="{FF2B5EF4-FFF2-40B4-BE49-F238E27FC236}">
-                  <a16:creationId xmlns:a16="http://schemas.microsoft.com/office/drawing/2014/main" xmlns="" id="{3893CD57-227B-F091-616A-8D04B149BAB8}"/>
+                  <a16:creationId xmlns="" xmlns:a16="http://schemas.microsoft.com/office/drawing/2014/main" id="{3893CD57-227B-F091-616A-8D04B149BAB8}"/>
                 </a:ext>
               </a:extLst>
             </p:cNvPr>
@@ -14384,7 +15268,7 @@
             <p:cNvPr id="13" name="Seta: da Esquerda para a Direita 12">
               <a:extLst>
                 <a:ext uri="{FF2B5EF4-FFF2-40B4-BE49-F238E27FC236}">
-                  <a16:creationId xmlns:a16="http://schemas.microsoft.com/office/drawing/2014/main" xmlns="" id="{983D2CCA-ABE5-85E4-A12D-F667348B3F78}"/>
+                  <a16:creationId xmlns="" xmlns:a16="http://schemas.microsoft.com/office/drawing/2014/main" id="{983D2CCA-ABE5-85E4-A12D-F667348B3F78}"/>
                 </a:ext>
               </a:extLst>
             </p:cNvPr>
@@ -14464,7 +15348,7 @@
           <p:cNvPr id="2" name="Título 1">
             <a:extLst>
               <a:ext uri="{FF2B5EF4-FFF2-40B4-BE49-F238E27FC236}">
-                <a16:creationId xmlns:a16="http://schemas.microsoft.com/office/drawing/2014/main" xmlns="" id="{9D51582E-261F-9396-409B-BC9C8175B123}"/>
+                <a16:creationId xmlns="" xmlns:a16="http://schemas.microsoft.com/office/drawing/2014/main" id="{9D51582E-261F-9396-409B-BC9C8175B123}"/>
               </a:ext>
             </a:extLst>
           </p:cNvPr>
@@ -14492,7 +15376,7 @@
           <p:cNvPr id="3" name="Espaço Reservado para Conteúdo 2">
             <a:extLst>
               <a:ext uri="{FF2B5EF4-FFF2-40B4-BE49-F238E27FC236}">
-                <a16:creationId xmlns:a16="http://schemas.microsoft.com/office/drawing/2014/main" xmlns="" id="{F1B422FC-C77B-004E-75A9-ACB85706F1C6}"/>
+                <a16:creationId xmlns="" xmlns:a16="http://schemas.microsoft.com/office/drawing/2014/main" id="{F1B422FC-C77B-004E-75A9-ACB85706F1C6}"/>
               </a:ext>
             </a:extLst>
           </p:cNvPr>
@@ -14533,7 +15417,7 @@
           <p:cNvPr id="11" name="Agrupar 10">
             <a:extLst>
               <a:ext uri="{FF2B5EF4-FFF2-40B4-BE49-F238E27FC236}">
-                <a16:creationId xmlns:a16="http://schemas.microsoft.com/office/drawing/2014/main" xmlns="" id="{F7ADFC76-8A64-7FBD-5EBE-11219A39AF3E}"/>
+                <a16:creationId xmlns="" xmlns:a16="http://schemas.microsoft.com/office/drawing/2014/main" id="{F7ADFC76-8A64-7FBD-5EBE-11219A39AF3E}"/>
               </a:ext>
             </a:extLst>
           </p:cNvPr>
@@ -14553,7 +15437,7 @@
             <p:cNvPr id="4" name="Retângulo 3">
               <a:extLst>
                 <a:ext uri="{FF2B5EF4-FFF2-40B4-BE49-F238E27FC236}">
-                  <a16:creationId xmlns:a16="http://schemas.microsoft.com/office/drawing/2014/main" xmlns="" id="{6A8F98E3-0C93-49D0-38B3-DE9A3F162D66}"/>
+                  <a16:creationId xmlns="" xmlns:a16="http://schemas.microsoft.com/office/drawing/2014/main" id="{6A8F98E3-0C93-49D0-38B3-DE9A3F162D66}"/>
                 </a:ext>
               </a:extLst>
             </p:cNvPr>
@@ -14602,7 +15486,7 @@
             <p:cNvPr id="5" name="Retângulo 4">
               <a:extLst>
                 <a:ext uri="{FF2B5EF4-FFF2-40B4-BE49-F238E27FC236}">
-                  <a16:creationId xmlns:a16="http://schemas.microsoft.com/office/drawing/2014/main" xmlns="" id="{D5452024-086D-7C52-B04A-E1C57DB6B2E2}"/>
+                  <a16:creationId xmlns="" xmlns:a16="http://schemas.microsoft.com/office/drawing/2014/main" id="{D5452024-086D-7C52-B04A-E1C57DB6B2E2}"/>
                 </a:ext>
               </a:extLst>
             </p:cNvPr>
@@ -14656,7 +15540,7 @@
             <p:cNvPr id="6" name="Retângulo 5">
               <a:extLst>
                 <a:ext uri="{FF2B5EF4-FFF2-40B4-BE49-F238E27FC236}">
-                  <a16:creationId xmlns:a16="http://schemas.microsoft.com/office/drawing/2014/main" xmlns="" id="{D4C46550-04FE-2833-408B-63852065BD8A}"/>
+                  <a16:creationId xmlns="" xmlns:a16="http://schemas.microsoft.com/office/drawing/2014/main" id="{D4C46550-04FE-2833-408B-63852065BD8A}"/>
                 </a:ext>
               </a:extLst>
             </p:cNvPr>
@@ -14721,7 +15605,7 @@
             <p:cNvPr id="7" name="Retângulo 6">
               <a:extLst>
                 <a:ext uri="{FF2B5EF4-FFF2-40B4-BE49-F238E27FC236}">
-                  <a16:creationId xmlns:a16="http://schemas.microsoft.com/office/drawing/2014/main" xmlns="" id="{AB715C5F-10E6-0F20-0D36-4A08D069A29E}"/>
+                  <a16:creationId xmlns="" xmlns:a16="http://schemas.microsoft.com/office/drawing/2014/main" id="{AB715C5F-10E6-0F20-0D36-4A08D069A29E}"/>
                 </a:ext>
               </a:extLst>
             </p:cNvPr>
@@ -14775,7 +15659,7 @@
             <p:cNvPr id="8" name="Retângulo 7">
               <a:extLst>
                 <a:ext uri="{FF2B5EF4-FFF2-40B4-BE49-F238E27FC236}">
-                  <a16:creationId xmlns:a16="http://schemas.microsoft.com/office/drawing/2014/main" xmlns="" id="{44ED9C6F-EA00-2FD2-189D-A783956850AA}"/>
+                  <a16:creationId xmlns="" xmlns:a16="http://schemas.microsoft.com/office/drawing/2014/main" id="{44ED9C6F-EA00-2FD2-189D-A783956850AA}"/>
                 </a:ext>
               </a:extLst>
             </p:cNvPr>
@@ -14829,7 +15713,7 @@
             <p:cNvPr id="9" name="Retângulo 8">
               <a:extLst>
                 <a:ext uri="{FF2B5EF4-FFF2-40B4-BE49-F238E27FC236}">
-                  <a16:creationId xmlns:a16="http://schemas.microsoft.com/office/drawing/2014/main" xmlns="" id="{1B432901-F664-19AF-DCEE-6D8A903D5F08}"/>
+                  <a16:creationId xmlns="" xmlns:a16="http://schemas.microsoft.com/office/drawing/2014/main" id="{1B432901-F664-19AF-DCEE-6D8A903D5F08}"/>
                 </a:ext>
               </a:extLst>
             </p:cNvPr>
@@ -14883,7 +15767,7 @@
             <p:cNvPr id="10" name="Retângulo 9">
               <a:extLst>
                 <a:ext uri="{FF2B5EF4-FFF2-40B4-BE49-F238E27FC236}">
-                  <a16:creationId xmlns:a16="http://schemas.microsoft.com/office/drawing/2014/main" xmlns="" id="{D759A1EB-BCF3-1320-1FF9-5D290B7F7B5E}"/>
+                  <a16:creationId xmlns="" xmlns:a16="http://schemas.microsoft.com/office/drawing/2014/main" id="{D759A1EB-BCF3-1320-1FF9-5D290B7F7B5E}"/>
                 </a:ext>
               </a:extLst>
             </p:cNvPr>
@@ -14943,7 +15827,7 @@
           <p:cNvPr id="35" name="Imagem 34">
             <a:extLst>
               <a:ext uri="{FF2B5EF4-FFF2-40B4-BE49-F238E27FC236}">
-                <a16:creationId xmlns:a16="http://schemas.microsoft.com/office/drawing/2014/main" xmlns="" id="{0F4AFA33-706B-64BE-D3C8-ED369FFBDD61}"/>
+                <a16:creationId xmlns="" xmlns:a16="http://schemas.microsoft.com/office/drawing/2014/main" id="{0F4AFA33-706B-64BE-D3C8-ED369FFBDD61}"/>
               </a:ext>
             </a:extLst>
           </p:cNvPr>
@@ -15009,7 +15893,7 @@
           <p:cNvPr id="6" name="Retângulo 5">
             <a:extLst>
               <a:ext uri="{FF2B5EF4-FFF2-40B4-BE49-F238E27FC236}">
-                <a16:creationId xmlns:a16="http://schemas.microsoft.com/office/drawing/2014/main" xmlns="" id="{F1F8584B-E993-50A8-0D76-536AE907A936}"/>
+                <a16:creationId xmlns="" xmlns:a16="http://schemas.microsoft.com/office/drawing/2014/main" id="{F1F8584B-E993-50A8-0D76-536AE907A936}"/>
               </a:ext>
             </a:extLst>
           </p:cNvPr>
@@ -15063,7 +15947,7 @@
           <p:cNvPr id="2" name="Título 1">
             <a:extLst>
               <a:ext uri="{FF2B5EF4-FFF2-40B4-BE49-F238E27FC236}">
-                <a16:creationId xmlns:a16="http://schemas.microsoft.com/office/drawing/2014/main" xmlns="" id="{6DDD9460-09E3-23AA-5C2A-E79B995172F4}"/>
+                <a16:creationId xmlns="" xmlns:a16="http://schemas.microsoft.com/office/drawing/2014/main" id="{6DDD9460-09E3-23AA-5C2A-E79B995172F4}"/>
               </a:ext>
             </a:extLst>
           </p:cNvPr>
@@ -15100,7 +15984,7 @@
           <p:cNvPr id="3" name="Espaço Reservado para Conteúdo 2">
             <a:extLst>
               <a:ext uri="{FF2B5EF4-FFF2-40B4-BE49-F238E27FC236}">
-                <a16:creationId xmlns:a16="http://schemas.microsoft.com/office/drawing/2014/main" xmlns="" id="{ED143668-44B4-F990-AAAA-0469E8810191}"/>
+                <a16:creationId xmlns="" xmlns:a16="http://schemas.microsoft.com/office/drawing/2014/main" id="{ED143668-44B4-F990-AAAA-0469E8810191}"/>
               </a:ext>
             </a:extLst>
           </p:cNvPr>
@@ -15169,7 +16053,7 @@
           <p:cNvPr id="4" name="Espaço Reservado para Conteúdo 2">
             <a:extLst>
               <a:ext uri="{FF2B5EF4-FFF2-40B4-BE49-F238E27FC236}">
-                <a16:creationId xmlns:a16="http://schemas.microsoft.com/office/drawing/2014/main" xmlns="" id="{6CCBE6EA-0AB3-DC5F-E3AE-90789E4E9145}"/>
+                <a16:creationId xmlns="" xmlns:a16="http://schemas.microsoft.com/office/drawing/2014/main" id="{6CCBE6EA-0AB3-DC5F-E3AE-90789E4E9145}"/>
               </a:ext>
             </a:extLst>
           </p:cNvPr>
@@ -15411,7 +16295,7 @@
           <p:cNvPr id="5" name="Título 1">
             <a:extLst>
               <a:ext uri="{FF2B5EF4-FFF2-40B4-BE49-F238E27FC236}">
-                <a16:creationId xmlns:a16="http://schemas.microsoft.com/office/drawing/2014/main" xmlns="" id="{4B7BDE57-C5E1-BD4B-EE4F-9F8CF1946BFF}"/>
+                <a16:creationId xmlns="" xmlns:a16="http://schemas.microsoft.com/office/drawing/2014/main" id="{4B7BDE57-C5E1-BD4B-EE4F-9F8CF1946BFF}"/>
               </a:ext>
             </a:extLst>
           </p:cNvPr>
